--- a/presentations/Teranet_meeting_Aug16_2019.pptx
+++ b/presentations/Teranet_meeting_Aug16_2019.pptx
@@ -5,15 +5,20 @@
     <p:sldMasterId id="2147483648" r:id="rId1"/>
   </p:sldMasterIdLst>
   <p:sldIdLst>
-    <p:sldId id="256" r:id="rId3"/>
-    <p:sldId id="257" r:id="rId4"/>
-    <p:sldId id="258" r:id="rId5"/>
-    <p:sldId id="259" r:id="rId6"/>
-    <p:sldId id="260" r:id="rId7"/>
-    <p:sldId id="261" r:id="rId8"/>
+    <p:sldId id="256" r:id="rId2"/>
+    <p:sldId id="257" r:id="rId3"/>
+    <p:sldId id="258" r:id="rId4"/>
+    <p:sldId id="259" r:id="rId5"/>
+    <p:sldId id="260" r:id="rId6"/>
+    <p:sldId id="261" r:id="rId7"/>
+    <p:sldId id="263" r:id="rId8"/>
+    <p:sldId id="262" r:id="rId9"/>
+    <p:sldId id="265" r:id="rId10"/>
+    <p:sldId id="266" r:id="rId11"/>
+    <p:sldId id="267" r:id="rId12"/>
   </p:sldIdLst>
   <p:sldSz cx="12192000" cy="6858000"/>
-  <p:notesSz cx="7103745" cy="10234295"/>
+  <p:notesSz cx="7104063" cy="10234613"/>
   <p:defaultTextStyle>
     <a:defPPr>
       <a:defRPr lang="en-US"/>
@@ -109,6 +114,14 @@
       </a:defRPr>
     </a:lvl9pPr>
   </p:defaultTextStyle>
+  <p:extLst>
+    <p:ext uri="{EFAFB233-063F-42B5-8137-9DF3F51BA10A}">
+      <p15:sldGuideLst xmlns:p15="http://schemas.microsoft.com/office/powerpoint/2012/main"/>
+    </p:ext>
+    <p:ext uri="{2D200454-40CA-4A62-9FC3-DE9A4176ACB9}">
+      <p15:notesGuideLst xmlns:p15="http://schemas.microsoft.com/office/powerpoint/2012/main"/>
+    </p:ext>
+  </p:extLst>
 </p:presentation>
 </file>
 
@@ -154,10 +167,9 @@
           </a:lstStyle>
           <a:p>
             <a:r>
-              <a:rPr lang="en-US" smtClean="0"/>
+              <a:rPr lang="en-US"/>
               <a:t>Click to edit Master title style</a:t>
             </a:r>
-            <a:endParaRPr lang="en-US"/>
           </a:p>
         </p:txBody>
       </p:sp>
@@ -219,10 +231,9 @@
           </a:lstStyle>
           <a:p>
             <a:r>
-              <a:rPr lang="en-US" smtClean="0"/>
+              <a:rPr lang="en-US"/>
               <a:t>Click to edit Master subtitle style</a:t>
             </a:r>
-            <a:endParaRPr lang="en-US"/>
           </a:p>
         </p:txBody>
       </p:sp>
@@ -243,6 +254,7 @@
           <a:p>
             <a:fld id="{FDE934FF-F4E1-47C5-9CA5-30A81DDE2BE4}" type="datetimeFigureOut">
               <a:rPr lang="en-US" smtClean="0"/>
+              <a:t>15-Aug-19</a:t>
             </a:fld>
             <a:endParaRPr lang="en-US"/>
           </a:p>
@@ -284,6 +296,7 @@
           <a:p>
             <a:fld id="{B3561BA9-CDCF-4958-B8AB-66F3BF063E13}" type="slidenum">
               <a:rPr lang="en-US" smtClean="0"/>
+              <a:t>‹#›</a:t>
             </a:fld>
             <a:endParaRPr lang="en-US"/>
           </a:p>
@@ -331,10 +344,9 @@
           <a:lstStyle/>
           <a:p>
             <a:r>
-              <a:rPr lang="en-US" smtClean="0"/>
+              <a:rPr lang="en-US"/>
               <a:t>Click to edit Master title style</a:t>
             </a:r>
-            <a:endParaRPr lang="en-US"/>
           </a:p>
         </p:txBody>
       </p:sp>
@@ -355,42 +367,37 @@
           <a:p>
             <a:pPr lvl="0"/>
             <a:r>
-              <a:rPr lang="en-US" smtClean="0"/>
+              <a:rPr lang="en-US"/>
               <a:t>Click to edit Master text styles</a:t>
             </a:r>
-            <a:endParaRPr lang="en-US" smtClean="0"/>
           </a:p>
           <a:p>
             <a:pPr lvl="1"/>
             <a:r>
-              <a:rPr lang="en-US" smtClean="0"/>
+              <a:rPr lang="en-US"/>
               <a:t>Second level</a:t>
             </a:r>
-            <a:endParaRPr lang="en-US" smtClean="0"/>
           </a:p>
           <a:p>
             <a:pPr lvl="2"/>
             <a:r>
-              <a:rPr lang="en-US" smtClean="0"/>
+              <a:rPr lang="en-US"/>
               <a:t>Third level</a:t>
             </a:r>
-            <a:endParaRPr lang="en-US" smtClean="0"/>
           </a:p>
           <a:p>
             <a:pPr lvl="3"/>
             <a:r>
-              <a:rPr lang="en-US" smtClean="0"/>
+              <a:rPr lang="en-US"/>
               <a:t>Fourth level</a:t>
             </a:r>
-            <a:endParaRPr lang="en-US" smtClean="0"/>
           </a:p>
           <a:p>
             <a:pPr lvl="4"/>
             <a:r>
-              <a:rPr lang="en-US" smtClean="0"/>
+              <a:rPr lang="en-US"/>
               <a:t>Fifth level</a:t>
             </a:r>
-            <a:endParaRPr lang="en-US"/>
           </a:p>
         </p:txBody>
       </p:sp>
@@ -452,6 +459,7 @@
             <a:pPr lvl="0"/>
             <a:fld id="{9A0DB2DC-4C9A-4742-B13C-FB6460FD3503}" type="slidenum">
               <a:rPr lang="en-US"/>
+              <a:t>‹#›</a:t>
             </a:fld>
             <a:endParaRPr lang="en-US"/>
           </a:p>
@@ -504,10 +512,9 @@
           <a:lstStyle/>
           <a:p>
             <a:r>
-              <a:rPr lang="en-US" smtClean="0"/>
+              <a:rPr lang="en-US"/>
               <a:t>Click to edit Master title style</a:t>
             </a:r>
-            <a:endParaRPr lang="en-US"/>
           </a:p>
         </p:txBody>
       </p:sp>
@@ -533,42 +540,37 @@
           <a:p>
             <a:pPr lvl="0"/>
             <a:r>
-              <a:rPr lang="en-US" smtClean="0"/>
+              <a:rPr lang="en-US"/>
               <a:t>Click to edit Master text styles</a:t>
             </a:r>
-            <a:endParaRPr lang="en-US" smtClean="0"/>
           </a:p>
           <a:p>
             <a:pPr lvl="1"/>
             <a:r>
-              <a:rPr lang="en-US" smtClean="0"/>
+              <a:rPr lang="en-US"/>
               <a:t>Second level</a:t>
             </a:r>
-            <a:endParaRPr lang="en-US" smtClean="0"/>
           </a:p>
           <a:p>
             <a:pPr lvl="2"/>
             <a:r>
-              <a:rPr lang="en-US" smtClean="0"/>
+              <a:rPr lang="en-US"/>
               <a:t>Third level</a:t>
             </a:r>
-            <a:endParaRPr lang="en-US" smtClean="0"/>
           </a:p>
           <a:p>
             <a:pPr lvl="3"/>
             <a:r>
-              <a:rPr lang="en-US" smtClean="0"/>
+              <a:rPr lang="en-US"/>
               <a:t>Fourth level</a:t>
             </a:r>
-            <a:endParaRPr lang="en-US" smtClean="0"/>
           </a:p>
           <a:p>
             <a:pPr lvl="4"/>
             <a:r>
-              <a:rPr lang="en-US" smtClean="0"/>
+              <a:rPr lang="en-US"/>
               <a:t>Fifth level</a:t>
             </a:r>
-            <a:endParaRPr lang="en-US"/>
           </a:p>
         </p:txBody>
       </p:sp>
@@ -589,6 +591,7 @@
           <a:p>
             <a:fld id="{FDE934FF-F4E1-47C5-9CA5-30A81DDE2BE4}" type="datetimeFigureOut">
               <a:rPr lang="en-US" smtClean="0"/>
+              <a:t>15-Aug-19</a:t>
             </a:fld>
             <a:endParaRPr lang="en-US"/>
           </a:p>
@@ -630,6 +633,7 @@
           <a:p>
             <a:fld id="{B3561BA9-CDCF-4958-B8AB-66F3BF063E13}" type="slidenum">
               <a:rPr lang="en-US" smtClean="0"/>
+              <a:t>‹#›</a:t>
             </a:fld>
             <a:endParaRPr lang="en-US"/>
           </a:p>
@@ -677,10 +681,9 @@
           <a:lstStyle/>
           <a:p>
             <a:r>
-              <a:rPr lang="en-US" smtClean="0"/>
+              <a:rPr lang="en-US"/>
               <a:t>Click to edit Master title style</a:t>
             </a:r>
-            <a:endParaRPr lang="en-US"/>
           </a:p>
         </p:txBody>
       </p:sp>
@@ -701,42 +704,37 @@
           <a:p>
             <a:pPr lvl="0"/>
             <a:r>
-              <a:rPr lang="en-US" smtClean="0"/>
+              <a:rPr lang="en-US"/>
               <a:t>Click to edit Master text styles</a:t>
             </a:r>
-            <a:endParaRPr lang="en-US" smtClean="0"/>
           </a:p>
           <a:p>
             <a:pPr lvl="1"/>
             <a:r>
-              <a:rPr lang="en-US" smtClean="0"/>
+              <a:rPr lang="en-US"/>
               <a:t>Second level</a:t>
             </a:r>
-            <a:endParaRPr lang="en-US" smtClean="0"/>
           </a:p>
           <a:p>
             <a:pPr lvl="2"/>
             <a:r>
-              <a:rPr lang="en-US" smtClean="0"/>
+              <a:rPr lang="en-US"/>
               <a:t>Third level</a:t>
             </a:r>
-            <a:endParaRPr lang="en-US" smtClean="0"/>
           </a:p>
           <a:p>
             <a:pPr lvl="3"/>
             <a:r>
-              <a:rPr lang="en-US" smtClean="0"/>
+              <a:rPr lang="en-US"/>
               <a:t>Fourth level</a:t>
             </a:r>
-            <a:endParaRPr lang="en-US" smtClean="0"/>
           </a:p>
           <a:p>
             <a:pPr lvl="4"/>
             <a:r>
-              <a:rPr lang="en-US" smtClean="0"/>
+              <a:rPr lang="en-US"/>
               <a:t>Fifth level</a:t>
             </a:r>
-            <a:endParaRPr lang="en-US"/>
           </a:p>
         </p:txBody>
       </p:sp>
@@ -757,6 +755,7 @@
           <a:p>
             <a:fld id="{FDE934FF-F4E1-47C5-9CA5-30A81DDE2BE4}" type="datetimeFigureOut">
               <a:rPr lang="en-US" smtClean="0"/>
+              <a:t>15-Aug-19</a:t>
             </a:fld>
             <a:endParaRPr lang="en-US"/>
           </a:p>
@@ -798,6 +797,7 @@
           <a:p>
             <a:fld id="{B3561BA9-CDCF-4958-B8AB-66F3BF063E13}" type="slidenum">
               <a:rPr lang="en-US" smtClean="0"/>
+              <a:t>‹#›</a:t>
             </a:fld>
             <a:endParaRPr lang="en-US"/>
           </a:p>
@@ -854,10 +854,9 @@
           </a:lstStyle>
           <a:p>
             <a:r>
-              <a:rPr lang="en-US" smtClean="0"/>
+              <a:rPr lang="en-US"/>
               <a:t>Click to edit Master title style</a:t>
             </a:r>
-            <a:endParaRPr lang="en-US"/>
           </a:p>
         </p:txBody>
       </p:sp>
@@ -974,10 +973,9 @@
           <a:p>
             <a:pPr lvl="0"/>
             <a:r>
-              <a:rPr lang="en-US" smtClean="0"/>
+              <a:rPr lang="en-US"/>
               <a:t>Click to edit Master text styles</a:t>
             </a:r>
-            <a:endParaRPr lang="en-US" smtClean="0"/>
           </a:p>
         </p:txBody>
       </p:sp>
@@ -998,6 +996,7 @@
           <a:p>
             <a:fld id="{FDE934FF-F4E1-47C5-9CA5-30A81DDE2BE4}" type="datetimeFigureOut">
               <a:rPr lang="en-US" smtClean="0"/>
+              <a:t>15-Aug-19</a:t>
             </a:fld>
             <a:endParaRPr lang="en-US"/>
           </a:p>
@@ -1039,6 +1038,7 @@
           <a:p>
             <a:fld id="{B3561BA9-CDCF-4958-B8AB-66F3BF063E13}" type="slidenum">
               <a:rPr lang="en-US" smtClean="0"/>
+              <a:t>‹#›</a:t>
             </a:fld>
             <a:endParaRPr lang="en-US"/>
           </a:p>
@@ -1086,10 +1086,9 @@
           <a:lstStyle/>
           <a:p>
             <a:r>
-              <a:rPr lang="en-US" smtClean="0"/>
+              <a:rPr lang="en-US"/>
               <a:t>Click to edit Master title style</a:t>
             </a:r>
-            <a:endParaRPr lang="en-US"/>
           </a:p>
         </p:txBody>
       </p:sp>
@@ -1115,42 +1114,37 @@
           <a:p>
             <a:pPr lvl="0"/>
             <a:r>
-              <a:rPr lang="en-US" smtClean="0"/>
+              <a:rPr lang="en-US"/>
               <a:t>Click to edit Master text styles</a:t>
             </a:r>
-            <a:endParaRPr lang="en-US" smtClean="0"/>
           </a:p>
           <a:p>
             <a:pPr lvl="1"/>
             <a:r>
-              <a:rPr lang="en-US" smtClean="0"/>
+              <a:rPr lang="en-US"/>
               <a:t>Second level</a:t>
             </a:r>
-            <a:endParaRPr lang="en-US" smtClean="0"/>
           </a:p>
           <a:p>
             <a:pPr lvl="2"/>
             <a:r>
-              <a:rPr lang="en-US" smtClean="0"/>
+              <a:rPr lang="en-US"/>
               <a:t>Third level</a:t>
             </a:r>
-            <a:endParaRPr lang="en-US" smtClean="0"/>
           </a:p>
           <a:p>
             <a:pPr lvl="3"/>
             <a:r>
-              <a:rPr lang="en-US" smtClean="0"/>
+              <a:rPr lang="en-US"/>
               <a:t>Fourth level</a:t>
             </a:r>
-            <a:endParaRPr lang="en-US" smtClean="0"/>
           </a:p>
           <a:p>
             <a:pPr lvl="4"/>
             <a:r>
-              <a:rPr lang="en-US" smtClean="0"/>
+              <a:rPr lang="en-US"/>
               <a:t>Fifth level</a:t>
             </a:r>
-            <a:endParaRPr lang="en-US"/>
           </a:p>
         </p:txBody>
       </p:sp>
@@ -1176,42 +1170,37 @@
           <a:p>
             <a:pPr lvl="0"/>
             <a:r>
-              <a:rPr lang="en-US" smtClean="0"/>
+              <a:rPr lang="en-US"/>
               <a:t>Click to edit Master text styles</a:t>
             </a:r>
-            <a:endParaRPr lang="en-US" smtClean="0"/>
           </a:p>
           <a:p>
             <a:pPr lvl="1"/>
             <a:r>
-              <a:rPr lang="en-US" smtClean="0"/>
+              <a:rPr lang="en-US"/>
               <a:t>Second level</a:t>
             </a:r>
-            <a:endParaRPr lang="en-US" smtClean="0"/>
           </a:p>
           <a:p>
             <a:pPr lvl="2"/>
             <a:r>
-              <a:rPr lang="en-US" smtClean="0"/>
+              <a:rPr lang="en-US"/>
               <a:t>Third level</a:t>
             </a:r>
-            <a:endParaRPr lang="en-US" smtClean="0"/>
           </a:p>
           <a:p>
             <a:pPr lvl="3"/>
             <a:r>
-              <a:rPr lang="en-US" smtClean="0"/>
+              <a:rPr lang="en-US"/>
               <a:t>Fourth level</a:t>
             </a:r>
-            <a:endParaRPr lang="en-US" smtClean="0"/>
           </a:p>
           <a:p>
             <a:pPr lvl="4"/>
             <a:r>
-              <a:rPr lang="en-US" smtClean="0"/>
+              <a:rPr lang="en-US"/>
               <a:t>Fifth level</a:t>
             </a:r>
-            <a:endParaRPr lang="en-US"/>
           </a:p>
         </p:txBody>
       </p:sp>
@@ -1232,6 +1221,7 @@
           <a:p>
             <a:fld id="{FDE934FF-F4E1-47C5-9CA5-30A81DDE2BE4}" type="datetimeFigureOut">
               <a:rPr lang="en-US" smtClean="0"/>
+              <a:t>15-Aug-19</a:t>
             </a:fld>
             <a:endParaRPr lang="en-US"/>
           </a:p>
@@ -1273,6 +1263,7 @@
           <a:p>
             <a:fld id="{B3561BA9-CDCF-4958-B8AB-66F3BF063E13}" type="slidenum">
               <a:rPr lang="en-US" smtClean="0"/>
+              <a:t>‹#›</a:t>
             </a:fld>
             <a:endParaRPr lang="en-US"/>
           </a:p>
@@ -1325,10 +1316,9 @@
           <a:lstStyle/>
           <a:p>
             <a:r>
-              <a:rPr lang="en-US" smtClean="0"/>
+              <a:rPr lang="en-US"/>
               <a:t>Click to edit Master title style</a:t>
             </a:r>
-            <a:endParaRPr lang="en-US"/>
           </a:p>
         </p:txBody>
       </p:sp>
@@ -1391,10 +1381,9 @@
           <a:p>
             <a:pPr lvl="0"/>
             <a:r>
-              <a:rPr lang="en-US" smtClean="0"/>
+              <a:rPr lang="en-US"/>
               <a:t>Click to edit Master text styles</a:t>
             </a:r>
-            <a:endParaRPr lang="en-US" smtClean="0"/>
           </a:p>
         </p:txBody>
       </p:sp>
@@ -1420,42 +1409,37 @@
           <a:p>
             <a:pPr lvl="0"/>
             <a:r>
-              <a:rPr lang="en-US" smtClean="0"/>
+              <a:rPr lang="en-US"/>
               <a:t>Click to edit Master text styles</a:t>
             </a:r>
-            <a:endParaRPr lang="en-US" smtClean="0"/>
           </a:p>
           <a:p>
             <a:pPr lvl="1"/>
             <a:r>
-              <a:rPr lang="en-US" smtClean="0"/>
+              <a:rPr lang="en-US"/>
               <a:t>Second level</a:t>
             </a:r>
-            <a:endParaRPr lang="en-US" smtClean="0"/>
           </a:p>
           <a:p>
             <a:pPr lvl="2"/>
             <a:r>
-              <a:rPr lang="en-US" smtClean="0"/>
+              <a:rPr lang="en-US"/>
               <a:t>Third level</a:t>
             </a:r>
-            <a:endParaRPr lang="en-US" smtClean="0"/>
           </a:p>
           <a:p>
             <a:pPr lvl="3"/>
             <a:r>
-              <a:rPr lang="en-US" smtClean="0"/>
+              <a:rPr lang="en-US"/>
               <a:t>Fourth level</a:t>
             </a:r>
-            <a:endParaRPr lang="en-US" smtClean="0"/>
           </a:p>
           <a:p>
             <a:pPr lvl="4"/>
             <a:r>
-              <a:rPr lang="en-US" smtClean="0"/>
+              <a:rPr lang="en-US"/>
               <a:t>Fifth level</a:t>
             </a:r>
-            <a:endParaRPr lang="en-US"/>
           </a:p>
         </p:txBody>
       </p:sp>
@@ -1518,10 +1502,9 @@
           <a:p>
             <a:pPr lvl="0"/>
             <a:r>
-              <a:rPr lang="en-US" smtClean="0"/>
+              <a:rPr lang="en-US"/>
               <a:t>Click to edit Master text styles</a:t>
             </a:r>
-            <a:endParaRPr lang="en-US" smtClean="0"/>
           </a:p>
         </p:txBody>
       </p:sp>
@@ -1547,42 +1530,37 @@
           <a:p>
             <a:pPr lvl="0"/>
             <a:r>
-              <a:rPr lang="en-US" smtClean="0"/>
+              <a:rPr lang="en-US"/>
               <a:t>Click to edit Master text styles</a:t>
             </a:r>
-            <a:endParaRPr lang="en-US" smtClean="0"/>
           </a:p>
           <a:p>
             <a:pPr lvl="1"/>
             <a:r>
-              <a:rPr lang="en-US" smtClean="0"/>
+              <a:rPr lang="en-US"/>
               <a:t>Second level</a:t>
             </a:r>
-            <a:endParaRPr lang="en-US" smtClean="0"/>
           </a:p>
           <a:p>
             <a:pPr lvl="2"/>
             <a:r>
-              <a:rPr lang="en-US" smtClean="0"/>
+              <a:rPr lang="en-US"/>
               <a:t>Third level</a:t>
             </a:r>
-            <a:endParaRPr lang="en-US" smtClean="0"/>
           </a:p>
           <a:p>
             <a:pPr lvl="3"/>
             <a:r>
-              <a:rPr lang="en-US" smtClean="0"/>
+              <a:rPr lang="en-US"/>
               <a:t>Fourth level</a:t>
             </a:r>
-            <a:endParaRPr lang="en-US" smtClean="0"/>
           </a:p>
           <a:p>
             <a:pPr lvl="4"/>
             <a:r>
-              <a:rPr lang="en-US" smtClean="0"/>
+              <a:rPr lang="en-US"/>
               <a:t>Fifth level</a:t>
             </a:r>
-            <a:endParaRPr lang="en-US"/>
           </a:p>
         </p:txBody>
       </p:sp>
@@ -1603,6 +1581,7 @@
           <a:p>
             <a:fld id="{FDE934FF-F4E1-47C5-9CA5-30A81DDE2BE4}" type="datetimeFigureOut">
               <a:rPr lang="en-US" smtClean="0"/>
+              <a:t>15-Aug-19</a:t>
             </a:fld>
             <a:endParaRPr lang="en-US"/>
           </a:p>
@@ -1644,6 +1623,7 @@
           <a:p>
             <a:fld id="{B3561BA9-CDCF-4958-B8AB-66F3BF063E13}" type="slidenum">
               <a:rPr lang="en-US" smtClean="0"/>
+              <a:t>‹#›</a:t>
             </a:fld>
             <a:endParaRPr lang="en-US"/>
           </a:p>
@@ -1691,10 +1671,9 @@
           <a:lstStyle/>
           <a:p>
             <a:r>
-              <a:rPr lang="en-US" smtClean="0"/>
+              <a:rPr lang="en-US"/>
               <a:t>Click to edit Master title style</a:t>
             </a:r>
-            <a:endParaRPr lang="en-US"/>
           </a:p>
         </p:txBody>
       </p:sp>
@@ -1715,6 +1694,7 @@
           <a:p>
             <a:fld id="{FDE934FF-F4E1-47C5-9CA5-30A81DDE2BE4}" type="datetimeFigureOut">
               <a:rPr lang="en-US" smtClean="0"/>
+              <a:t>15-Aug-19</a:t>
             </a:fld>
             <a:endParaRPr lang="en-US"/>
           </a:p>
@@ -1756,6 +1736,7 @@
           <a:p>
             <a:fld id="{B3561BA9-CDCF-4958-B8AB-66F3BF063E13}" type="slidenum">
               <a:rPr lang="en-US" smtClean="0"/>
+              <a:t>‹#›</a:t>
             </a:fld>
             <a:endParaRPr lang="en-US"/>
           </a:p>
@@ -1804,6 +1785,7 @@
           <a:p>
             <a:fld id="{FDE934FF-F4E1-47C5-9CA5-30A81DDE2BE4}" type="datetimeFigureOut">
               <a:rPr lang="en-US" smtClean="0"/>
+              <a:t>15-Aug-19</a:t>
             </a:fld>
             <a:endParaRPr lang="en-US"/>
           </a:p>
@@ -1845,6 +1827,7 @@
           <a:p>
             <a:fld id="{B3561BA9-CDCF-4958-B8AB-66F3BF063E13}" type="slidenum">
               <a:rPr lang="en-US" smtClean="0"/>
+              <a:t>‹#›</a:t>
             </a:fld>
             <a:endParaRPr lang="en-US"/>
           </a:p>
@@ -1901,10 +1884,9 @@
           </a:lstStyle>
           <a:p>
             <a:r>
-              <a:rPr lang="en-US" smtClean="0"/>
+              <a:rPr lang="en-US"/>
               <a:t>Click to edit Master title style</a:t>
             </a:r>
-            <a:endParaRPr lang="en-US"/>
           </a:p>
         </p:txBody>
       </p:sp>
@@ -1958,42 +1940,37 @@
           <a:p>
             <a:pPr lvl="0"/>
             <a:r>
-              <a:rPr lang="en-US" smtClean="0"/>
+              <a:rPr lang="en-US"/>
               <a:t>Click to edit Master text styles</a:t>
             </a:r>
-            <a:endParaRPr lang="en-US" smtClean="0"/>
           </a:p>
           <a:p>
             <a:pPr lvl="1"/>
             <a:r>
-              <a:rPr lang="en-US" smtClean="0"/>
+              <a:rPr lang="en-US"/>
               <a:t>Second level</a:t>
             </a:r>
-            <a:endParaRPr lang="en-US" smtClean="0"/>
           </a:p>
           <a:p>
             <a:pPr lvl="2"/>
             <a:r>
-              <a:rPr lang="en-US" smtClean="0"/>
+              <a:rPr lang="en-US"/>
               <a:t>Third level</a:t>
             </a:r>
-            <a:endParaRPr lang="en-US" smtClean="0"/>
           </a:p>
           <a:p>
             <a:pPr lvl="3"/>
             <a:r>
-              <a:rPr lang="en-US" smtClean="0"/>
+              <a:rPr lang="en-US"/>
               <a:t>Fourth level</a:t>
             </a:r>
-            <a:endParaRPr lang="en-US" smtClean="0"/>
           </a:p>
           <a:p>
             <a:pPr lvl="4"/>
             <a:r>
-              <a:rPr lang="en-US" smtClean="0"/>
+              <a:rPr lang="en-US"/>
               <a:t>Fifth level</a:t>
             </a:r>
-            <a:endParaRPr lang="en-US"/>
           </a:p>
         </p:txBody>
       </p:sp>
@@ -2056,10 +2033,9 @@
           <a:p>
             <a:pPr lvl="0"/>
             <a:r>
-              <a:rPr lang="en-US" smtClean="0"/>
+              <a:rPr lang="en-US"/>
               <a:t>Click to edit Master text styles</a:t>
             </a:r>
-            <a:endParaRPr lang="en-US" smtClean="0"/>
           </a:p>
         </p:txBody>
       </p:sp>
@@ -2121,6 +2097,7 @@
             <a:pPr lvl="0"/>
             <a:fld id="{9A0DB2DC-4C9A-4742-B13C-FB6460FD3503}" type="slidenum">
               <a:rPr lang="en-US"/>
+              <a:t>‹#›</a:t>
             </a:fld>
             <a:endParaRPr lang="en-US"/>
           </a:p>
@@ -2177,10 +2154,9 @@
           </a:lstStyle>
           <a:p>
             <a:r>
-              <a:rPr lang="en-US" smtClean="0"/>
+              <a:rPr lang="en-US"/>
               <a:t>Click to edit Master title style</a:t>
             </a:r>
-            <a:endParaRPr lang="en-US"/>
           </a:p>
         </p:txBody>
       </p:sp>
@@ -2304,10 +2280,9 @@
           <a:p>
             <a:pPr lvl="0"/>
             <a:r>
-              <a:rPr lang="en-US" smtClean="0"/>
+              <a:rPr lang="en-US"/>
               <a:t>Click to edit Master text styles</a:t>
             </a:r>
-            <a:endParaRPr lang="en-US" smtClean="0"/>
           </a:p>
         </p:txBody>
       </p:sp>
@@ -2328,6 +2303,7 @@
           <a:p>
             <a:fld id="{FDE934FF-F4E1-47C5-9CA5-30A81DDE2BE4}" type="datetimeFigureOut">
               <a:rPr lang="en-US" smtClean="0"/>
+              <a:t>15-Aug-19</a:t>
             </a:fld>
             <a:endParaRPr lang="en-US"/>
           </a:p>
@@ -2369,6 +2345,7 @@
           <a:p>
             <a:fld id="{B3561BA9-CDCF-4958-B8AB-66F3BF063E13}" type="slidenum">
               <a:rPr lang="en-US" smtClean="0"/>
+              <a:t>‹#›</a:t>
             </a:fld>
             <a:endParaRPr lang="en-US"/>
           </a:p>
@@ -2379,13 +2356,6 @@
   <p:clrMapOvr>
     <a:masterClrMapping/>
   </p:clrMapOvr>
-  <p:timing>
-    <p:tnLst>
-      <p:par>
-        <p:cTn id="1" dur="indefinite" restart="never" nodeType="tmRoot"/>
-      </p:par>
-    </p:tnLst>
-  </p:timing>
   <p:hf sldNum="0" hdr="0" ftr="0" dt="0"/>
 </p:sldLayout>
 </file>
@@ -2409,11 +2379,20 @@
         <p:cNvGrpSpPr/>
         <p:nvPr/>
       </p:nvGrpSpPr>
-      <p:grpSpPr/>
+      <p:grpSpPr>
+        <a:xfrm>
+          <a:off x="0" y="0"/>
+          <a:ext cx="0" cy="0"/>
+          <a:chOff x="0" y="0"/>
+          <a:chExt cx="0" cy="0"/>
+        </a:xfrm>
+      </p:grpSpPr>
       <p:sp>
         <p:nvSpPr>
           <p:cNvPr id="1026" name="Title 1025"/>
-          <p:cNvSpPr/>
+          <p:cNvSpPr>
+            <a:spLocks noGrp="1"/>
+          </p:cNvSpPr>
           <p:nvPr>
             <p:ph type="title"/>
           </p:nvPr>
@@ -2433,6 +2412,7 @@
         </p:spPr>
         <p:txBody>
           <a:bodyPr anchor="ctr"/>
+          <a:lstStyle/>
           <a:p>
             <a:pPr lvl="0"/>
             <a:r>
@@ -2444,7 +2424,9 @@
       <p:sp>
         <p:nvSpPr>
           <p:cNvPr id="1027" name="Text Placeholder 1026"/>
-          <p:cNvSpPr/>
+          <p:cNvSpPr>
+            <a:spLocks noGrp="1"/>
+          </p:cNvSpPr>
           <p:nvPr>
             <p:ph type="body" idx="1"/>
           </p:nvPr>
@@ -2464,6 +2446,7 @@
         </p:spPr>
         <p:txBody>
           <a:bodyPr/>
+          <a:lstStyle/>
           <a:p>
             <a:pPr lvl="0"/>
             <a:r>
@@ -2499,7 +2482,9 @@
       <p:sp>
         <p:nvSpPr>
           <p:cNvPr id="1028" name="Date Placeholder 1027"/>
-          <p:cNvSpPr/>
+          <p:cNvSpPr>
+            <a:spLocks noGrp="1"/>
+          </p:cNvSpPr>
           <p:nvPr>
             <p:ph type="dt" sz="half" idx="2"/>
           </p:nvPr>
@@ -2527,6 +2512,7 @@
           <a:p>
             <a:fld id="{FDE934FF-F4E1-47C5-9CA5-30A81DDE2BE4}" type="datetimeFigureOut">
               <a:rPr lang="en-US" smtClean="0"/>
+              <a:t>15-Aug-19</a:t>
             </a:fld>
             <a:endParaRPr lang="en-US"/>
           </a:p>
@@ -2535,7 +2521,9 @@
       <p:sp>
         <p:nvSpPr>
           <p:cNvPr id="1029" name="Footer Placeholder 1028"/>
-          <p:cNvSpPr/>
+          <p:cNvSpPr>
+            <a:spLocks noGrp="1"/>
+          </p:cNvSpPr>
           <p:nvPr>
             <p:ph type="ftr" sz="quarter" idx="3"/>
           </p:nvPr>
@@ -2568,7 +2556,9 @@
       <p:sp>
         <p:nvSpPr>
           <p:cNvPr id="1030" name="Slide Number Placeholder 1029"/>
-          <p:cNvSpPr/>
+          <p:cNvSpPr>
+            <a:spLocks noGrp="1"/>
+          </p:cNvSpPr>
           <p:nvPr>
             <p:ph type="sldNum" sz="quarter" idx="4"/>
           </p:nvPr>
@@ -2596,6 +2586,7 @@
           <a:p>
             <a:fld id="{B3561BA9-CDCF-4958-B8AB-66F3BF063E13}" type="slidenum">
               <a:rPr lang="en-US" smtClean="0"/>
+              <a:t>‹#›</a:t>
             </a:fld>
             <a:endParaRPr lang="en-US"/>
           </a:p>
@@ -3027,7 +3018,14 @@
         <p:cNvGrpSpPr/>
         <p:nvPr/>
       </p:nvGrpSpPr>
-      <p:grpSpPr/>
+      <p:grpSpPr>
+        <a:xfrm>
+          <a:off x="0" y="0"/>
+          <a:ext cx="0" cy="0"/>
+          <a:chOff x="0" y="0"/>
+          <a:chExt cx="0" cy="0"/>
+        </a:xfrm>
+      </p:grpSpPr>
       <p:sp>
         <p:nvSpPr>
           <p:cNvPr id="2" name="Title 1"/>
@@ -3041,6 +3039,7 @@
         <p:spPr/>
         <p:txBody>
           <a:bodyPr/>
+          <a:lstStyle/>
           <a:p>
             <a:endParaRPr lang="en-US"/>
           </a:p>
@@ -3059,6 +3058,7 @@
         <p:spPr/>
         <p:txBody>
           <a:bodyPr/>
+          <a:lstStyle/>
           <a:p>
             <a:endParaRPr lang="en-US"/>
           </a:p>
@@ -3073,7 +3073,7 @@
           <p:nvPr/>
         </p:nvPicPr>
         <p:blipFill>
-          <a:blip r:embed="rId1"/>
+          <a:blip r:embed="rId2"/>
           <a:stretch>
             <a:fillRect/>
           </a:stretch>
@@ -3108,19 +3108,18 @@
           <a:bodyPr wrap="none" rtlCol="0">
             <a:spAutoFit/>
           </a:bodyPr>
+          <a:lstStyle/>
           <a:p>
             <a:r>
               <a:rPr lang="" altLang="en-US"/>
               <a:t>Teranet meeting</a:t>
             </a:r>
-            <a:endParaRPr lang="" altLang="en-US"/>
           </a:p>
           <a:p>
             <a:r>
               <a:rPr lang="" altLang="en-US"/>
               <a:t>16-Aug-2019</a:t>
             </a:r>
-            <a:endParaRPr lang="" altLang="en-US"/>
           </a:p>
         </p:txBody>
       </p:sp>
@@ -3144,26 +3143,24 @@
           <a:bodyPr wrap="square" rtlCol="0">
             <a:spAutoFit/>
           </a:bodyPr>
+          <a:lstStyle/>
           <a:p>
             <a:r>
               <a:rPr lang="" altLang="en-US" sz="2400"/>
               <a:t>GTHA housing market database</a:t>
             </a:r>
-            <a:endParaRPr lang="" altLang="en-US" sz="2400"/>
           </a:p>
           <a:p>
             <a:r>
               <a:rPr lang="" altLang="en-US" sz="2400"/>
               <a:t>Teranet Exploratory Data Analysis</a:t>
             </a:r>
-            <a:endParaRPr lang="" altLang="en-US" sz="2400"/>
           </a:p>
           <a:p>
             <a:r>
               <a:rPr lang="" altLang="en-US" sz="2400"/>
               <a:t>Future steps</a:t>
             </a:r>
-            <a:endParaRPr lang="" altLang="en-US" sz="2400"/>
           </a:p>
         </p:txBody>
       </p:sp>
@@ -3187,12 +3184,12 @@
           <a:bodyPr wrap="square" rtlCol="0">
             <a:spAutoFit/>
           </a:bodyPr>
+          <a:lstStyle/>
           <a:p>
             <a:r>
               <a:rPr lang="" altLang="en-US"/>
               <a:t>Presented by: Stepan Oskin</a:t>
             </a:r>
-            <a:endParaRPr lang="" altLang="en-US"/>
           </a:p>
         </p:txBody>
       </p:sp>
@@ -3216,32 +3213,537 @@
           <a:bodyPr wrap="square" rtlCol="0" anchor="t">
             <a:spAutoFit/>
           </a:bodyPr>
-          <a:p>
-            <a:r>
-              <a:rPr lang="" altLang="en-US">
+          <a:lstStyle/>
+          <a:p>
+            <a:r>
+              <a:rPr lang="" altLang="en-US" dirty="0">
                 <a:solidFill>
                   <a:schemeClr val="bg1"/>
                 </a:solidFill>
               </a:rPr>
-              <a:t>Photo by: </a:t>
-            </a:r>
-            <a:r>
-              <a:rPr lang="en-US">
+              <a:t>Photo </a:t>
+            </a:r>
+            <a:r>
+              <a:rPr lang="en-CA" altLang="en-US" dirty="0">
+                <a:solidFill>
+                  <a:schemeClr val="bg1"/>
+                </a:solidFill>
+              </a:rPr>
+              <a:t>by</a:t>
+            </a:r>
+            <a:r>
+              <a:rPr lang="" altLang="en-US" dirty="0">
+                <a:solidFill>
+                  <a:schemeClr val="bg1"/>
+                </a:solidFill>
+              </a:rPr>
+              <a:t> </a:t>
+            </a:r>
+            <a:r>
+              <a:rPr lang="en-US" dirty="0">
                 <a:solidFill>
                   <a:schemeClr val="bg1"/>
                 </a:solidFill>
               </a:rPr>
               <a:t>Maarten van den Heuvel</a:t>
             </a:r>
-            <a:endParaRPr lang="en-US">
+          </a:p>
+        </p:txBody>
+      </p:sp>
+    </p:spTree>
+  </p:cSld>
+  <p:clrMapOvr>
+    <a:masterClrMapping/>
+  </p:clrMapOvr>
+</p:sld>
+</file>
+
+<file path=ppt/slides/slide10.xml><?xml version="1.0" encoding="utf-8"?>
+<p:sld xmlns:a="http://schemas.openxmlformats.org/drawingml/2006/main" xmlns:r="http://schemas.openxmlformats.org/officeDocument/2006/relationships" xmlns:p="http://schemas.openxmlformats.org/presentationml/2006/main">
+  <p:cSld>
+    <p:bg>
+      <p:bgPr>
+        <a:solidFill>
+          <a:schemeClr val="bg1"/>
+        </a:solidFill>
+        <a:effectLst/>
+      </p:bgPr>
+    </p:bg>
+    <p:spTree>
+      <p:nvGrpSpPr>
+        <p:cNvPr id="1" name=""/>
+        <p:cNvGrpSpPr/>
+        <p:nvPr/>
+      </p:nvGrpSpPr>
+      <p:grpSpPr>
+        <a:xfrm>
+          <a:off x="0" y="0"/>
+          <a:ext cx="0" cy="0"/>
+          <a:chOff x="0" y="0"/>
+          <a:chExt cx="0" cy="0"/>
+        </a:xfrm>
+      </p:grpSpPr>
+      <p:sp>
+        <p:nvSpPr>
+          <p:cNvPr id="4" name="Title 3"/>
+          <p:cNvSpPr>
+            <a:spLocks noGrp="1"/>
+          </p:cNvSpPr>
+          <p:nvPr>
+            <p:ph type="ctrTitle"/>
+          </p:nvPr>
+        </p:nvSpPr>
+        <p:spPr>
+          <a:xfrm>
+            <a:off x="651307" y="640081"/>
+            <a:ext cx="3377183" cy="3681976"/>
+          </a:xfrm>
+          <a:noFill/>
+        </p:spPr>
+        <p:txBody>
+          <a:bodyPr>
+            <a:normAutofit/>
+          </a:bodyPr>
+          <a:lstStyle/>
+          <a:p>
+            <a:pPr algn="l"/>
+            <a:r>
+              <a:rPr lang="" altLang="en-US" sz="4400" dirty="0"/>
+              <a:t>Section 3:</a:t>
+            </a:r>
+          </a:p>
+        </p:txBody>
+      </p:sp>
+      <p:sp>
+        <p:nvSpPr>
+          <p:cNvPr id="5" name="Subtitle 4"/>
+          <p:cNvSpPr>
+            <a:spLocks noGrp="1"/>
+          </p:cNvSpPr>
+          <p:nvPr>
+            <p:ph type="subTitle" idx="1"/>
+          </p:nvPr>
+        </p:nvSpPr>
+        <p:spPr>
+          <a:xfrm>
+            <a:off x="651307" y="4460487"/>
+            <a:ext cx="3377184" cy="1757433"/>
+          </a:xfrm>
+          <a:noFill/>
+        </p:spPr>
+        <p:txBody>
+          <a:bodyPr>
+            <a:normAutofit/>
+          </a:bodyPr>
+          <a:lstStyle/>
+          <a:p>
+            <a:pPr algn="l"/>
+            <a:r>
+              <a:rPr lang="en-CA" altLang="en-US" sz="4000" dirty="0"/>
+              <a:t>PostgreSQL database</a:t>
+            </a:r>
+            <a:endParaRPr lang="" altLang="en-US" sz="4000" dirty="0"/>
+          </a:p>
+        </p:txBody>
+      </p:sp>
+      <p:pic>
+        <p:nvPicPr>
+          <p:cNvPr id="3" name="Picture 2" descr="A picture containing table, indoor&#10;&#10;Description automatically generated">
+            <a:extLst>
+              <a:ext uri="{FF2B5EF4-FFF2-40B4-BE49-F238E27FC236}">
+                <a16:creationId xmlns:a16="http://schemas.microsoft.com/office/drawing/2014/main" id="{F265EC28-A746-4A22-A7B9-ACAF8EA1A58A}"/>
+              </a:ext>
+            </a:extLst>
+          </p:cNvPr>
+          <p:cNvPicPr>
+            <a:picLocks noChangeAspect="1"/>
+          </p:cNvPicPr>
+          <p:nvPr/>
+        </p:nvPicPr>
+        <p:blipFill rotWithShape="1">
+          <a:blip r:embed="rId2">
+            <a:extLst>
+              <a:ext uri="{28A0092B-C50C-407E-A947-70E740481C1C}">
+                <a14:useLocalDpi xmlns:a14="http://schemas.microsoft.com/office/drawing/2010/main" val="0"/>
+              </a:ext>
+              <a:ext uri="{837473B0-CC2E-450A-ABE3-18F120FF3D39}">
+                <a1611:picAttrSrcUrl xmlns:a1611="http://schemas.microsoft.com/office/drawing/2016/11/main" r:id="rId3"/>
+              </a:ext>
+            </a:extLst>
+          </a:blip>
+          <a:srcRect t="8885" r="-1" b="132"/>
+          <a:stretch/>
+        </p:blipFill>
+        <p:spPr>
+          <a:xfrm>
+            <a:off x="4654297" y="10"/>
+            <a:ext cx="7537704" cy="6857990"/>
+          </a:xfrm>
+          <a:prstGeom prst="rect">
+            <a:avLst/>
+          </a:prstGeom>
+        </p:spPr>
+      </p:pic>
+      <p:sp>
+        <p:nvSpPr>
+          <p:cNvPr id="6" name="TextBox 5">
+            <a:extLst>
+              <a:ext uri="{FF2B5EF4-FFF2-40B4-BE49-F238E27FC236}">
+                <a16:creationId xmlns:a16="http://schemas.microsoft.com/office/drawing/2014/main" id="{9D0D69AE-285A-400A-AD23-CD1D9F93FD10}"/>
+              </a:ext>
+            </a:extLst>
+          </p:cNvPr>
+          <p:cNvSpPr txBox="1"/>
+          <p:nvPr/>
+        </p:nvSpPr>
+        <p:spPr>
+          <a:xfrm>
+            <a:off x="9775955" y="6657945"/>
+            <a:ext cx="2416046" cy="200055"/>
+          </a:xfrm>
+          <a:prstGeom prst="rect">
+            <a:avLst/>
+          </a:prstGeom>
+          <a:solidFill>
+            <a:srgbClr val="000000"/>
+          </a:solidFill>
+        </p:spPr>
+        <p:txBody>
+          <a:bodyPr wrap="none" rtlCol="0">
+            <a:spAutoFit/>
+          </a:bodyPr>
+          <a:lstStyle/>
+          <a:p>
+            <a:pPr algn="r">
+              <a:spcAft>
+                <a:spcPts val="600"/>
+              </a:spcAft>
+            </a:pPr>
+            <a:r>
+              <a:rPr lang="en-CA" sz="700">
+                <a:solidFill>
+                  <a:srgbClr val="FFFFFF"/>
+                </a:solidFill>
+                <a:hlinkClick r:id="rId3" tooltip="http://barrymieny.deviantart.com/art/layered-database-source-documents-348798124">
+                  <a:extLst>
+                    <a:ext uri="{A12FA001-AC4F-418D-AE19-62706E023703}">
+                      <ahyp:hlinkClr xmlns:ahyp="http://schemas.microsoft.com/office/drawing/2018/hyperlinkcolor" val="tx"/>
+                    </a:ext>
+                  </a:extLst>
+                </a:hlinkClick>
+              </a:rPr>
+              <a:t>This Photo</a:t>
+            </a:r>
+            <a:r>
+              <a:rPr lang="en-CA" sz="700">
+                <a:solidFill>
+                  <a:srgbClr val="FFFFFF"/>
+                </a:solidFill>
+              </a:rPr>
+              <a:t> by Unknown Author is licensed under </a:t>
+            </a:r>
+            <a:r>
+              <a:rPr lang="en-CA" sz="700">
+                <a:solidFill>
+                  <a:srgbClr val="FFFFFF"/>
+                </a:solidFill>
+                <a:hlinkClick r:id="rId4" tooltip="https://creativecommons.org/licenses/by/3.0/">
+                  <a:extLst>
+                    <a:ext uri="{A12FA001-AC4F-418D-AE19-62706E023703}">
+                      <ahyp:hlinkClr xmlns:ahyp="http://schemas.microsoft.com/office/drawing/2018/hyperlinkcolor" val="tx"/>
+                    </a:ext>
+                  </a:extLst>
+                </a:hlinkClick>
+              </a:rPr>
+              <a:t>CC BY</a:t>
+            </a:r>
+            <a:endParaRPr lang="en-CA" sz="700">
               <a:solidFill>
-                <a:schemeClr val="bg1"/>
+                <a:srgbClr val="FFFFFF"/>
               </a:solidFill>
             </a:endParaRPr>
           </a:p>
         </p:txBody>
       </p:sp>
     </p:spTree>
+    <p:extLst>
+      <p:ext uri="{BB962C8B-B14F-4D97-AF65-F5344CB8AC3E}">
+        <p14:creationId xmlns:p14="http://schemas.microsoft.com/office/powerpoint/2010/main" val="3832588837"/>
+      </p:ext>
+    </p:extLst>
+  </p:cSld>
+  <p:clrMapOvr>
+    <a:masterClrMapping/>
+  </p:clrMapOvr>
+</p:sld>
+</file>
+
+<file path=ppt/slides/slide11.xml><?xml version="1.0" encoding="utf-8"?>
+<p:sld xmlns:a="http://schemas.openxmlformats.org/drawingml/2006/main" xmlns:r="http://schemas.openxmlformats.org/officeDocument/2006/relationships" xmlns:p="http://schemas.openxmlformats.org/presentationml/2006/main">
+  <p:cSld>
+    <p:spTree>
+      <p:nvGrpSpPr>
+        <p:cNvPr id="1" name=""/>
+        <p:cNvGrpSpPr/>
+        <p:nvPr/>
+      </p:nvGrpSpPr>
+      <p:grpSpPr>
+        <a:xfrm>
+          <a:off x="0" y="0"/>
+          <a:ext cx="0" cy="0"/>
+          <a:chOff x="0" y="0"/>
+          <a:chExt cx="0" cy="0"/>
+        </a:xfrm>
+      </p:grpSpPr>
+      <p:sp>
+        <p:nvSpPr>
+          <p:cNvPr id="2" name="Title 1">
+            <a:extLst>
+              <a:ext uri="{FF2B5EF4-FFF2-40B4-BE49-F238E27FC236}">
+                <a16:creationId xmlns:a16="http://schemas.microsoft.com/office/drawing/2014/main" id="{C2087162-A70C-421C-A153-CDD94F81FDC7}"/>
+              </a:ext>
+            </a:extLst>
+          </p:cNvPr>
+          <p:cNvSpPr>
+            <a:spLocks noGrp="1"/>
+          </p:cNvSpPr>
+          <p:nvPr>
+            <p:ph type="title"/>
+          </p:nvPr>
+        </p:nvSpPr>
+        <p:spPr/>
+        <p:txBody>
+          <a:bodyPr/>
+          <a:lstStyle/>
+          <a:p>
+            <a:r>
+              <a:rPr lang="en-US"/>
+              <a:t>Entity relationship (ER</a:t>
+            </a:r>
+            <a:r>
+              <a:rPr lang="en-US" dirty="0"/>
+              <a:t>) diagram</a:t>
+            </a:r>
+            <a:endParaRPr lang="en-CA" dirty="0"/>
+          </a:p>
+        </p:txBody>
+      </p:sp>
+      <p:pic>
+        <p:nvPicPr>
+          <p:cNvPr id="5" name="Picture 4">
+            <a:extLst>
+              <a:ext uri="{FF2B5EF4-FFF2-40B4-BE49-F238E27FC236}">
+                <a16:creationId xmlns:a16="http://schemas.microsoft.com/office/drawing/2014/main" id="{CE0B5B7E-CED4-4F6E-BA64-5375C1A73361}"/>
+              </a:ext>
+            </a:extLst>
+          </p:cNvPr>
+          <p:cNvPicPr>
+            <a:picLocks noChangeAspect="1"/>
+          </p:cNvPicPr>
+          <p:nvPr/>
+        </p:nvPicPr>
+        <p:blipFill>
+          <a:blip r:embed="rId2"/>
+          <a:stretch>
+            <a:fillRect/>
+          </a:stretch>
+        </p:blipFill>
+        <p:spPr>
+          <a:xfrm>
+            <a:off x="2729568" y="2259998"/>
+            <a:ext cx="4105275" cy="1771650"/>
+          </a:xfrm>
+          <a:prstGeom prst="rect">
+            <a:avLst/>
+          </a:prstGeom>
+        </p:spPr>
+      </p:pic>
+      <p:pic>
+        <p:nvPicPr>
+          <p:cNvPr id="6" name="Picture 5">
+            <a:extLst>
+              <a:ext uri="{FF2B5EF4-FFF2-40B4-BE49-F238E27FC236}">
+                <a16:creationId xmlns:a16="http://schemas.microsoft.com/office/drawing/2014/main" id="{885F3A36-7CAA-4406-8C6F-A2B0BFD9F0C0}"/>
+              </a:ext>
+            </a:extLst>
+          </p:cNvPr>
+          <p:cNvPicPr>
+            <a:picLocks noChangeAspect="1"/>
+          </p:cNvPicPr>
+          <p:nvPr/>
+        </p:nvPicPr>
+        <p:blipFill>
+          <a:blip r:embed="rId3"/>
+          <a:stretch>
+            <a:fillRect/>
+          </a:stretch>
+        </p:blipFill>
+        <p:spPr>
+          <a:xfrm>
+            <a:off x="791231" y="4235833"/>
+            <a:ext cx="5915025" cy="1400175"/>
+          </a:xfrm>
+          <a:prstGeom prst="rect">
+            <a:avLst/>
+          </a:prstGeom>
+        </p:spPr>
+      </p:pic>
+      <p:pic>
+        <p:nvPicPr>
+          <p:cNvPr id="7" name="Picture 6">
+            <a:extLst>
+              <a:ext uri="{FF2B5EF4-FFF2-40B4-BE49-F238E27FC236}">
+                <a16:creationId xmlns:a16="http://schemas.microsoft.com/office/drawing/2014/main" id="{E247702E-7207-473B-9A47-334041680141}"/>
+              </a:ext>
+            </a:extLst>
+          </p:cNvPr>
+          <p:cNvPicPr>
+            <a:picLocks noChangeAspect="1"/>
+          </p:cNvPicPr>
+          <p:nvPr/>
+        </p:nvPicPr>
+        <p:blipFill>
+          <a:blip r:embed="rId4"/>
+          <a:stretch>
+            <a:fillRect/>
+          </a:stretch>
+        </p:blipFill>
+        <p:spPr>
+          <a:xfrm>
+            <a:off x="2924830" y="1417638"/>
+            <a:ext cx="3714750" cy="638175"/>
+          </a:xfrm>
+          <a:prstGeom prst="rect">
+            <a:avLst/>
+          </a:prstGeom>
+        </p:spPr>
+      </p:pic>
+      <p:pic>
+        <p:nvPicPr>
+          <p:cNvPr id="8" name="Picture 7">
+            <a:extLst>
+              <a:ext uri="{FF2B5EF4-FFF2-40B4-BE49-F238E27FC236}">
+                <a16:creationId xmlns:a16="http://schemas.microsoft.com/office/drawing/2014/main" id="{9D7F8743-0D66-4005-BE97-72D7063F7108}"/>
+              </a:ext>
+            </a:extLst>
+          </p:cNvPr>
+          <p:cNvPicPr>
+            <a:picLocks noChangeAspect="1"/>
+          </p:cNvPicPr>
+          <p:nvPr/>
+        </p:nvPicPr>
+        <p:blipFill>
+          <a:blip r:embed="rId5"/>
+          <a:stretch>
+            <a:fillRect/>
+          </a:stretch>
+        </p:blipFill>
+        <p:spPr>
+          <a:xfrm>
+            <a:off x="819806" y="5387657"/>
+            <a:ext cx="5800725" cy="828675"/>
+          </a:xfrm>
+          <a:prstGeom prst="rect">
+            <a:avLst/>
+          </a:prstGeom>
+        </p:spPr>
+      </p:pic>
+      <p:pic>
+        <p:nvPicPr>
+          <p:cNvPr id="9" name="Picture 8">
+            <a:extLst>
+              <a:ext uri="{FF2B5EF4-FFF2-40B4-BE49-F238E27FC236}">
+                <a16:creationId xmlns:a16="http://schemas.microsoft.com/office/drawing/2014/main" id="{0C75BEC0-1D1D-46C1-979C-B35CA3B6DD0C}"/>
+              </a:ext>
+            </a:extLst>
+          </p:cNvPr>
+          <p:cNvPicPr>
+            <a:picLocks noChangeAspect="1"/>
+          </p:cNvPicPr>
+          <p:nvPr/>
+        </p:nvPicPr>
+        <p:blipFill>
+          <a:blip r:embed="rId6"/>
+          <a:stretch>
+            <a:fillRect/>
+          </a:stretch>
+        </p:blipFill>
+        <p:spPr>
+          <a:xfrm>
+            <a:off x="7637243" y="4700050"/>
+            <a:ext cx="1247775" cy="1857375"/>
+          </a:xfrm>
+          <a:prstGeom prst="rect">
+            <a:avLst/>
+          </a:prstGeom>
+        </p:spPr>
+      </p:pic>
+      <p:pic>
+        <p:nvPicPr>
+          <p:cNvPr id="11" name="Picture 10">
+            <a:extLst>
+              <a:ext uri="{FF2B5EF4-FFF2-40B4-BE49-F238E27FC236}">
+                <a16:creationId xmlns:a16="http://schemas.microsoft.com/office/drawing/2014/main" id="{0A82AB76-8E09-49D5-8085-C900447A203B}"/>
+              </a:ext>
+            </a:extLst>
+          </p:cNvPr>
+          <p:cNvPicPr>
+            <a:picLocks noChangeAspect="1"/>
+          </p:cNvPicPr>
+          <p:nvPr/>
+        </p:nvPicPr>
+        <p:blipFill>
+          <a:blip r:embed="rId7"/>
+          <a:stretch>
+            <a:fillRect/>
+          </a:stretch>
+        </p:blipFill>
+        <p:spPr>
+          <a:xfrm>
+            <a:off x="854096" y="6359524"/>
+            <a:ext cx="1752600" cy="447675"/>
+          </a:xfrm>
+          <a:prstGeom prst="rect">
+            <a:avLst/>
+          </a:prstGeom>
+        </p:spPr>
+      </p:pic>
+      <p:pic>
+        <p:nvPicPr>
+          <p:cNvPr id="12" name="Picture 11">
+            <a:extLst>
+              <a:ext uri="{FF2B5EF4-FFF2-40B4-BE49-F238E27FC236}">
+                <a16:creationId xmlns:a16="http://schemas.microsoft.com/office/drawing/2014/main" id="{90791567-1E51-4379-826D-804562A12E48}"/>
+              </a:ext>
+            </a:extLst>
+          </p:cNvPr>
+          <p:cNvPicPr>
+            <a:picLocks noChangeAspect="1"/>
+          </p:cNvPicPr>
+          <p:nvPr/>
+        </p:nvPicPr>
+        <p:blipFill>
+          <a:blip r:embed="rId8"/>
+          <a:stretch>
+            <a:fillRect/>
+          </a:stretch>
+        </p:blipFill>
+        <p:spPr>
+          <a:xfrm>
+            <a:off x="4366281" y="6352637"/>
+            <a:ext cx="2228850" cy="409575"/>
+          </a:xfrm>
+          <a:prstGeom prst="rect">
+            <a:avLst/>
+          </a:prstGeom>
+        </p:spPr>
+      </p:pic>
+    </p:spTree>
+    <p:extLst>
+      <p:ext uri="{BB962C8B-B14F-4D97-AF65-F5344CB8AC3E}">
+        <p14:creationId xmlns:p14="http://schemas.microsoft.com/office/powerpoint/2010/main" val="113176111"/>
+      </p:ext>
+    </p:extLst>
   </p:cSld>
   <p:clrMapOvr>
     <a:masterClrMapping/>
@@ -3258,7 +3760,14 @@
         <p:cNvGrpSpPr/>
         <p:nvPr/>
       </p:nvGrpSpPr>
-      <p:grpSpPr/>
+      <p:grpSpPr>
+        <a:xfrm>
+          <a:off x="0" y="0"/>
+          <a:ext cx="0" cy="0"/>
+          <a:chOff x="0" y="0"/>
+          <a:chExt cx="0" cy="0"/>
+        </a:xfrm>
+      </p:grpSpPr>
       <p:sp>
         <p:nvSpPr>
           <p:cNvPr id="2" name="Title 1"/>
@@ -3272,12 +3781,12 @@
         <p:spPr/>
         <p:txBody>
           <a:bodyPr/>
+          <a:lstStyle/>
           <a:p>
             <a:r>
               <a:rPr lang="" altLang="en-US"/>
               <a:t>Presentation content</a:t>
             </a:r>
-            <a:endParaRPr lang="" altLang="en-US"/>
           </a:p>
         </p:txBody>
       </p:sp>
@@ -3294,33 +3803,33 @@
         <p:spPr/>
         <p:txBody>
           <a:bodyPr/>
+          <a:lstStyle/>
           <a:p>
             <a:pPr marL="0" indent="0">
               <a:buNone/>
             </a:pPr>
             <a:r>
-              <a:rPr lang="" altLang="en-US"/>
+              <a:rPr lang="" altLang="en-US" dirty="0"/>
               <a:t>1. Overview of the current state of the project</a:t>
             </a:r>
-            <a:endParaRPr lang="" altLang="en-US"/>
           </a:p>
           <a:p>
             <a:pPr marL="0" indent="0">
               <a:buNone/>
             </a:pPr>
             <a:r>
-              <a:rPr lang="" altLang="en-US">
+              <a:rPr lang="" altLang="en-US" dirty="0">
                 <a:sym typeface="+mn-ea"/>
               </a:rPr>
               <a:t>2</a:t>
             </a:r>
             <a:r>
-              <a:rPr lang="en-US" altLang="en-US">
+              <a:rPr lang="en-US" altLang="en-US" dirty="0">
                 <a:sym typeface="+mn-ea"/>
               </a:rPr>
               <a:t>. Data flow</a:t>
             </a:r>
-            <a:endParaRPr lang="" altLang="en-US">
+            <a:endParaRPr lang="" altLang="en-US" dirty="0">
               <a:sym typeface="+mn-ea"/>
             </a:endParaRPr>
           </a:p>
@@ -3329,44 +3838,47 @@
               <a:buNone/>
             </a:pPr>
             <a:r>
-              <a:rPr lang="" altLang="en-US"/>
-              <a:t>3. GTHA housing market database</a:t>
-            </a:r>
-            <a:endParaRPr lang="" altLang="en-US"/>
+              <a:rPr lang="" altLang="en-US" dirty="0"/>
+              <a:t>3. </a:t>
+            </a:r>
+            <a:r>
+              <a:rPr lang="en-CA" altLang="en-US" dirty="0"/>
+              <a:t>PostgreSQL</a:t>
+            </a:r>
+            <a:endParaRPr lang="" altLang="en-US" dirty="0"/>
           </a:p>
           <a:p>
             <a:pPr marL="0" indent="0">
               <a:buNone/>
             </a:pPr>
             <a:r>
-              <a:rPr lang="" altLang="en-US">
+              <a:rPr lang="" altLang="en-US" dirty="0">
                 <a:sym typeface="+mn-ea"/>
               </a:rPr>
               <a:t>4</a:t>
             </a:r>
             <a:r>
-              <a:rPr lang="en-US" altLang="en-US">
+              <a:rPr lang="en-US" altLang="en-US" dirty="0">
                 <a:sym typeface="+mn-ea"/>
               </a:rPr>
               <a:t>. Future steps</a:t>
             </a:r>
-            <a:endParaRPr lang="" altLang="en-US"/>
+            <a:endParaRPr lang="" altLang="en-US" dirty="0"/>
           </a:p>
           <a:p>
             <a:pPr marL="0" indent="0">
               <a:buNone/>
             </a:pPr>
             <a:r>
-              <a:rPr lang="" altLang="en-US"/>
+              <a:rPr lang="" altLang="en-US" dirty="0"/>
               <a:t>5. EDA results</a:t>
             </a:r>
-            <a:endParaRPr lang="" altLang="en-US"/>
-          </a:p>
-          <a:p>
-            <a:endParaRPr lang="" altLang="en-US"/>
-          </a:p>
-          <a:p>
-            <a:endParaRPr lang="" altLang="en-US"/>
+          </a:p>
+          <a:p>
+            <a:endParaRPr lang="" altLang="en-US" dirty="0"/>
+          </a:p>
+          <a:p>
+            <a:endParaRPr lang="" altLang="en-US" dirty="0"/>
           </a:p>
         </p:txBody>
       </p:sp>
@@ -3387,7 +3899,14 @@
         <p:cNvGrpSpPr/>
         <p:nvPr/>
       </p:nvGrpSpPr>
-      <p:grpSpPr/>
+      <p:grpSpPr>
+        <a:xfrm>
+          <a:off x="0" y="0"/>
+          <a:ext cx="0" cy="0"/>
+          <a:chOff x="0" y="0"/>
+          <a:chExt cx="0" cy="0"/>
+        </a:xfrm>
+      </p:grpSpPr>
       <p:sp>
         <p:nvSpPr>
           <p:cNvPr id="4" name="Title 3"/>
@@ -3406,12 +3925,12 @@
         </p:spPr>
         <p:txBody>
           <a:bodyPr/>
+          <a:lstStyle/>
           <a:p>
             <a:r>
               <a:rPr lang="" altLang="en-US"/>
               <a:t>Section 1:</a:t>
             </a:r>
-            <a:endParaRPr lang="" altLang="en-US"/>
           </a:p>
         </p:txBody>
       </p:sp>
@@ -3433,12 +3952,12 @@
         </p:spPr>
         <p:txBody>
           <a:bodyPr/>
+          <a:lstStyle/>
           <a:p>
             <a:r>
               <a:rPr lang="" altLang="en-US" sz="3200"/>
               <a:t>Overview of the current stage of the project</a:t>
             </a:r>
-            <a:endParaRPr lang="" altLang="en-US" sz="3200"/>
           </a:p>
         </p:txBody>
       </p:sp>
@@ -3459,7 +3978,14 @@
         <p:cNvGrpSpPr/>
         <p:nvPr/>
       </p:nvGrpSpPr>
-      <p:grpSpPr/>
+      <p:grpSpPr>
+        <a:xfrm>
+          <a:off x="0" y="0"/>
+          <a:ext cx="0" cy="0"/>
+          <a:chOff x="0" y="0"/>
+          <a:chExt cx="0" cy="0"/>
+        </a:xfrm>
+      </p:grpSpPr>
       <p:pic>
         <p:nvPicPr>
           <p:cNvPr id="9" name="Picture 8" descr="1_osemn"/>
@@ -3469,7 +3995,7 @@
           <p:nvPr/>
         </p:nvPicPr>
         <p:blipFill>
-          <a:blip r:embed="rId1"/>
+          <a:blip r:embed="rId2"/>
           <a:stretch>
             <a:fillRect/>
           </a:stretch>
@@ -3509,12 +4035,12 @@
           <a:bodyPr wrap="square" rtlCol="0">
             <a:spAutoFit/>
           </a:bodyPr>
+          <a:lstStyle/>
           <a:p>
             <a:r>
               <a:rPr lang="" altLang="en-US" sz="3200"/>
               <a:t>1.1 OSEMN methodology</a:t>
             </a:r>
-            <a:endParaRPr lang="" altLang="en-US" sz="3200"/>
           </a:p>
         </p:txBody>
       </p:sp>
@@ -3538,6 +4064,7 @@
           <a:bodyPr wrap="none" rtlCol="0">
             <a:spAutoFit/>
           </a:bodyPr>
+          <a:lstStyle/>
           <a:p>
             <a:pPr algn="l"/>
             <a:r>
@@ -3564,11 +4091,6 @@
               </a:rPr>
               <a:t>, LEAD (https://thelead.io)</a:t>
             </a:r>
-            <a:endParaRPr lang="" altLang="en-US">
-              <a:solidFill>
-                <a:schemeClr val="bg1"/>
-              </a:solidFill>
-            </a:endParaRPr>
           </a:p>
         </p:txBody>
       </p:sp>
@@ -3581,7 +4103,7 @@
         <p:spPr>
           <a:xfrm>
             <a:off x="346710" y="6153150"/>
-            <a:ext cx="5439410" cy="368300"/>
+            <a:ext cx="4852610" cy="369332"/>
           </a:xfrm>
           <a:prstGeom prst="rect">
             <a:avLst/>
@@ -3592,18 +4114,35 @@
           <a:bodyPr wrap="none" rtlCol="0">
             <a:spAutoFit/>
           </a:bodyPr>
+          <a:lstStyle/>
           <a:p>
             <a:pPr algn="l"/>
             <a:r>
-              <a:rPr lang="" altLang="en-US">
+              <a:rPr lang="" altLang="en-US" dirty="0">
                 <a:solidFill>
                   <a:schemeClr val="bg1"/>
                 </a:solidFill>
               </a:rPr>
-              <a:t>Originally by: </a:t>
-            </a:r>
-            <a:r>
-              <a:rPr lang="en-US" altLang="en-US">
+              <a:t>Originally </a:t>
+            </a:r>
+            <a:r>
+              <a:rPr lang="en-CA" altLang="en-US" dirty="0">
+                <a:solidFill>
+                  <a:schemeClr val="bg1"/>
+                </a:solidFill>
+              </a:rPr>
+              <a:t>by</a:t>
+            </a:r>
+            <a:r>
+              <a:rPr lang="" altLang="en-US" dirty="0">
+                <a:solidFill>
+                  <a:schemeClr val="bg1"/>
+                </a:solidFill>
+              </a:rPr>
+              <a:t> </a:t>
+            </a:r>
+            <a:r>
+              <a:rPr lang="en-US" altLang="en-US" dirty="0">
                 <a:solidFill>
                   <a:schemeClr val="bg1"/>
                 </a:solidFill>
@@ -3611,7 +4150,7 @@
               </a:rPr>
               <a:t>Hillary Mason and Chris Wiggins</a:t>
             </a:r>
-            <a:endParaRPr lang="en-US" altLang="en-US">
+            <a:endParaRPr lang="en-US" altLang="en-US" dirty="0">
               <a:solidFill>
                 <a:schemeClr val="bg1"/>
               </a:solidFill>
@@ -3636,7 +4175,14 @@
         <p:cNvGrpSpPr/>
         <p:nvPr/>
       </p:nvGrpSpPr>
-      <p:grpSpPr/>
+      <p:grpSpPr>
+        <a:xfrm>
+          <a:off x="0" y="0"/>
+          <a:ext cx="0" cy="0"/>
+          <a:chOff x="0" y="0"/>
+          <a:chExt cx="0" cy="0"/>
+        </a:xfrm>
+      </p:grpSpPr>
       <p:pic>
         <p:nvPicPr>
           <p:cNvPr id="9" name="Picture 8" descr="1_osemn"/>
@@ -3646,7 +4192,7 @@
           <p:nvPr/>
         </p:nvPicPr>
         <p:blipFill>
-          <a:blip r:embed="rId1"/>
+          <a:blip r:embed="rId2"/>
           <a:stretch>
             <a:fillRect/>
           </a:stretch>
@@ -3709,6 +4255,7 @@
         </p:style>
         <p:txBody>
           <a:bodyPr rtlCol="0" anchor="ctr"/>
+          <a:lstStyle/>
           <a:p>
             <a:pPr algn="ctr"/>
             <a:endParaRPr lang="en-US"/>
@@ -3739,6 +4286,7 @@
           <a:bodyPr wrap="none" rtlCol="0">
             <a:spAutoFit/>
           </a:bodyPr>
+          <a:lstStyle/>
           <a:p>
             <a:r>
               <a:rPr lang="" altLang="en-US" sz="2800">
@@ -3748,11 +4296,6 @@
               </a:rPr>
               <a:t>Focus of this master thesis</a:t>
             </a:r>
-            <a:endParaRPr lang="" altLang="en-US" sz="2800">
-              <a:solidFill>
-                <a:srgbClr val="07FF30"/>
-              </a:solidFill>
-            </a:endParaRPr>
           </a:p>
         </p:txBody>
       </p:sp>
@@ -3804,6 +4347,7 @@
         </p:style>
         <p:txBody>
           <a:bodyPr rtlCol="0" anchor="ctr"/>
+          <a:lstStyle/>
           <a:p>
             <a:pPr algn="ctr"/>
             <a:endParaRPr lang="en-US"/>
@@ -3834,6 +4378,7 @@
           <a:bodyPr wrap="none" rtlCol="0">
             <a:spAutoFit/>
           </a:bodyPr>
+          <a:lstStyle/>
           <a:p>
             <a:r>
               <a:rPr lang="" altLang="en-US" sz="2800">
@@ -3843,11 +4388,6 @@
               </a:rPr>
               <a:t>Future work</a:t>
             </a:r>
-            <a:endParaRPr lang="" altLang="en-US" sz="2800">
-              <a:solidFill>
-                <a:srgbClr val="B27FD9"/>
-              </a:solidFill>
-            </a:endParaRPr>
           </a:p>
         </p:txBody>
       </p:sp>
@@ -3876,6 +4416,7 @@
           <a:bodyPr wrap="square" rtlCol="0">
             <a:spAutoFit/>
           </a:bodyPr>
+          <a:lstStyle/>
           <a:p>
             <a:r>
               <a:rPr lang="en-US" altLang="en-US" sz="3200"/>
@@ -3893,7 +4434,6 @@
               <a:rPr lang="" altLang="en-US" sz="3200"/>
               <a:t>MASc thesis scope</a:t>
             </a:r>
-            <a:endParaRPr lang="" altLang="en-US" sz="3200"/>
           </a:p>
         </p:txBody>
       </p:sp>
@@ -3914,7 +4454,14 @@
         <p:cNvGrpSpPr/>
         <p:nvPr/>
       </p:nvGrpSpPr>
-      <p:grpSpPr/>
+      <p:grpSpPr>
+        <a:xfrm>
+          <a:off x="0" y="0"/>
+          <a:ext cx="0" cy="0"/>
+          <a:chOff x="0" y="0"/>
+          <a:chExt cx="0" cy="0"/>
+        </a:xfrm>
+      </p:grpSpPr>
       <p:sp>
         <p:nvSpPr>
           <p:cNvPr id="2" name="Title 1"/>
@@ -3928,12 +4475,12 @@
         <p:spPr/>
         <p:txBody>
           <a:bodyPr/>
+          <a:lstStyle/>
           <a:p>
             <a:r>
               <a:rPr lang="" altLang="en-US"/>
               <a:t>1.2 Steps completed</a:t>
             </a:r>
-            <a:endParaRPr lang="" altLang="en-US"/>
           </a:p>
         </p:txBody>
       </p:sp>
@@ -3955,6 +4502,7 @@
         </p:spPr>
         <p:txBody>
           <a:bodyPr/>
+          <a:lstStyle/>
           <a:p>
             <a:pPr marL="0" indent="0">
               <a:buNone/>
@@ -3979,7 +4527,6 @@
               <a:rPr lang="" altLang="en-US"/>
               <a:t>Collect data from various sources</a:t>
             </a:r>
-            <a:endParaRPr lang="" altLang="en-US"/>
           </a:p>
           <a:p>
             <a:pPr lvl="1"/>
@@ -3987,7 +4534,6 @@
               <a:rPr lang="" altLang="en-US" b="1"/>
               <a:t>Assemble GTHA housing database</a:t>
             </a:r>
-            <a:endParaRPr lang="" altLang="en-US" b="1"/>
           </a:p>
           <a:p>
             <a:pPr marL="0" indent="0">
@@ -4005,7 +4551,6 @@
               <a:rPr lang="" altLang="en-US"/>
               <a:t>Clean Teranet dataset</a:t>
             </a:r>
-            <a:endParaRPr lang="" altLang="en-US"/>
           </a:p>
           <a:p>
             <a:pPr lvl="1"/>
@@ -4013,7 +4558,6 @@
               <a:rPr lang="" altLang="en-US"/>
               <a:t>Add necessary attributes</a:t>
             </a:r>
-            <a:endParaRPr lang="" altLang="en-US"/>
           </a:p>
           <a:p>
             <a:pPr marL="0" indent="0">
@@ -4023,7 +4567,6 @@
               <a:rPr lang="" altLang="en-US" b="1"/>
               <a:t>3. Explore:</a:t>
             </a:r>
-            <a:endParaRPr lang="" altLang="en-US" b="1"/>
           </a:p>
           <a:p>
             <a:pPr lvl="1"/>
@@ -4031,7 +4574,6 @@
               <a:rPr lang="" altLang="en-US"/>
               <a:t>Explore Teranet dataset</a:t>
             </a:r>
-            <a:endParaRPr lang="" altLang="en-US"/>
           </a:p>
           <a:p>
             <a:pPr lvl="1"/>
@@ -4039,7 +4581,6 @@
               <a:rPr lang="" altLang="en-US"/>
               <a:t>Determine data quality issues</a:t>
             </a:r>
-            <a:endParaRPr lang="" altLang="en-US"/>
           </a:p>
           <a:p>
             <a:pPr marL="0" indent="0">
@@ -4049,7 +4590,6 @@
               <a:rPr lang="" altLang="en-US"/>
               <a:t>	</a:t>
             </a:r>
-            <a:endParaRPr lang="" altLang="en-US"/>
           </a:p>
         </p:txBody>
       </p:sp>
@@ -4086,6 +4626,7 @@
         </p:style>
         <p:txBody>
           <a:bodyPr rtlCol="0" anchor="ctr"/>
+          <a:lstStyle/>
           <a:p>
             <a:pPr algn="ctr"/>
             <a:endParaRPr lang="en-US">
@@ -4132,6 +4673,7 @@
         </p:style>
         <p:txBody>
           <a:bodyPr rtlCol="0" anchor="ctr"/>
+          <a:lstStyle/>
           <a:p>
             <a:pPr algn="ctr"/>
             <a:endParaRPr lang="en-US"/>
@@ -4171,6 +4713,7 @@
         </p:style>
         <p:txBody>
           <a:bodyPr rtlCol="0" anchor="ctr"/>
+          <a:lstStyle/>
           <a:p>
             <a:pPr algn="ctr"/>
             <a:endParaRPr lang="en-US"/>
@@ -4209,6 +4752,7 @@
         </p:style>
         <p:txBody>
           <a:bodyPr rtlCol="0" anchor="ctr"/>
+          <a:lstStyle/>
           <a:p>
             <a:pPr algn="ctr"/>
             <a:endParaRPr lang="en-US"/>
@@ -4247,6 +4791,7 @@
         </p:style>
         <p:txBody>
           <a:bodyPr rtlCol="0" anchor="ctr"/>
+          <a:lstStyle/>
           <a:p>
             <a:pPr algn="ctr"/>
             <a:endParaRPr lang="en-US"/>
@@ -4286,6 +4831,7 @@
         </p:style>
         <p:txBody>
           <a:bodyPr rtlCol="0" anchor="ctr"/>
+          <a:lstStyle/>
           <a:p>
             <a:pPr algn="ctr"/>
             <a:endParaRPr lang="en-US">
@@ -4297,6 +4843,4486 @@
         </p:txBody>
       </p:sp>
     </p:spTree>
+  </p:cSld>
+  <p:clrMapOvr>
+    <a:masterClrMapping/>
+  </p:clrMapOvr>
+</p:sld>
+</file>
+
+<file path=ppt/slides/slide7.xml><?xml version="1.0" encoding="utf-8"?>
+<p:sld xmlns:a="http://schemas.openxmlformats.org/drawingml/2006/main" xmlns:r="http://schemas.openxmlformats.org/officeDocument/2006/relationships" xmlns:p="http://schemas.openxmlformats.org/presentationml/2006/main">
+  <p:cSld>
+    <p:bg>
+      <p:bgPr>
+        <a:solidFill>
+          <a:srgbClr val="000000"/>
+        </a:solidFill>
+        <a:effectLst/>
+      </p:bgPr>
+    </p:bg>
+    <p:spTree>
+      <p:nvGrpSpPr>
+        <p:cNvPr id="1" name=""/>
+        <p:cNvGrpSpPr/>
+        <p:nvPr/>
+      </p:nvGrpSpPr>
+      <p:grpSpPr>
+        <a:xfrm>
+          <a:off x="0" y="0"/>
+          <a:ext cx="0" cy="0"/>
+          <a:chOff x="0" y="0"/>
+          <a:chExt cx="0" cy="0"/>
+        </a:xfrm>
+      </p:grpSpPr>
+      <p:sp>
+        <p:nvSpPr>
+          <p:cNvPr id="11" name="Rectangle 10">
+            <a:extLst>
+              <a:ext uri="{FF2B5EF4-FFF2-40B4-BE49-F238E27FC236}">
+                <a16:creationId xmlns:a16="http://schemas.microsoft.com/office/drawing/2014/main" id="{71B2258F-86CA-4D4D-8270-BC05FCDEBFB3}"/>
+              </a:ext>
+              <a:ext uri="{C183D7F6-B498-43B3-948B-1728B52AA6E4}">
+                <adec:decorative xmlns:adec="http://schemas.microsoft.com/office/drawing/2017/decorative" val="1"/>
+              </a:ext>
+            </a:extLst>
+          </p:cNvPr>
+          <p:cNvSpPr>
+            <a:spLocks noGrp="1" noRot="1" noChangeAspect="1" noMove="1" noResize="1" noEditPoints="1" noAdjustHandles="1" noChangeArrowheads="1" noChangeShapeType="1" noTextEdit="1"/>
+          </p:cNvSpPr>
+          <p:nvPr>
+            <p:extLst>
+              <p:ext uri="{386F3935-93C4-4BCD-93E2-E3B085C9AB24}">
+                <p16:designElem xmlns:p16="http://schemas.microsoft.com/office/powerpoint/2015/main" val="1"/>
+              </p:ext>
+            </p:extLst>
+          </p:nvPr>
+        </p:nvSpPr>
+        <p:spPr>
+          <a:xfrm>
+            <a:off x="0" y="0"/>
+            <a:ext cx="12192000" cy="6857999"/>
+          </a:xfrm>
+          <a:prstGeom prst="rect">
+            <a:avLst/>
+          </a:prstGeom>
+          <a:solidFill>
+            <a:srgbClr val="000000"/>
+          </a:solidFill>
+          <a:ln>
+            <a:noFill/>
+          </a:ln>
+        </p:spPr>
+        <p:style>
+          <a:lnRef idx="2">
+            <a:schemeClr val="accent1">
+              <a:shade val="50000"/>
+            </a:schemeClr>
+          </a:lnRef>
+          <a:fillRef idx="1">
+            <a:schemeClr val="accent1"/>
+          </a:fillRef>
+          <a:effectRef idx="0">
+            <a:schemeClr val="accent1"/>
+          </a:effectRef>
+          <a:fontRef idx="minor">
+            <a:schemeClr val="lt1"/>
+          </a:fontRef>
+        </p:style>
+        <p:txBody>
+          <a:bodyPr rtlCol="0" anchor="ctr"/>
+          <a:lstStyle/>
+          <a:p>
+            <a:pPr algn="ctr"/>
+            <a:endParaRPr lang="en-US"/>
+          </a:p>
+        </p:txBody>
+      </p:sp>
+      <p:pic>
+        <p:nvPicPr>
+          <p:cNvPr id="3" name="Picture 2">
+            <a:extLst>
+              <a:ext uri="{FF2B5EF4-FFF2-40B4-BE49-F238E27FC236}">
+                <a16:creationId xmlns:a16="http://schemas.microsoft.com/office/drawing/2014/main" id="{1B647BDE-2644-44E9-84B9-803CC70B559F}"/>
+              </a:ext>
+            </a:extLst>
+          </p:cNvPr>
+          <p:cNvPicPr>
+            <a:picLocks noChangeAspect="1"/>
+          </p:cNvPicPr>
+          <p:nvPr/>
+        </p:nvPicPr>
+        <p:blipFill rotWithShape="1">
+          <a:blip r:embed="rId2">
+            <a:alphaModFix amt="50000"/>
+            <a:extLst>
+              <a:ext uri="{28A0092B-C50C-407E-A947-70E740481C1C}">
+                <a14:useLocalDpi xmlns:a14="http://schemas.microsoft.com/office/drawing/2010/main" val="0"/>
+              </a:ext>
+              <a:ext uri="{837473B0-CC2E-450A-ABE3-18F120FF3D39}">
+                <a1611:picAttrSrcUrl xmlns:a1611="http://schemas.microsoft.com/office/drawing/2016/11/main" r:id="rId3"/>
+              </a:ext>
+            </a:extLst>
+          </a:blip>
+          <a:srcRect l="879" r="7565" b="-1"/>
+          <a:stretch/>
+        </p:blipFill>
+        <p:spPr>
+          <a:xfrm>
+            <a:off x="20" y="1"/>
+            <a:ext cx="12191980" cy="6857999"/>
+          </a:xfrm>
+          <a:prstGeom prst="rect">
+            <a:avLst/>
+          </a:prstGeom>
+        </p:spPr>
+      </p:pic>
+      <p:sp>
+        <p:nvSpPr>
+          <p:cNvPr id="4" name="Title 3"/>
+          <p:cNvSpPr>
+            <a:spLocks noGrp="1"/>
+          </p:cNvSpPr>
+          <p:nvPr>
+            <p:ph type="ctrTitle"/>
+          </p:nvPr>
+        </p:nvSpPr>
+        <p:spPr>
+          <a:xfrm>
+            <a:off x="2890345" y="2688404"/>
+            <a:ext cx="9144000" cy="2900518"/>
+          </a:xfrm>
+        </p:spPr>
+        <p:txBody>
+          <a:bodyPr>
+            <a:normAutofit/>
+          </a:bodyPr>
+          <a:lstStyle/>
+          <a:p>
+            <a:r>
+              <a:rPr lang="" altLang="en-US">
+                <a:solidFill>
+                  <a:srgbClr val="FFFFFF"/>
+                </a:solidFill>
+              </a:rPr>
+              <a:t>Section 2:</a:t>
+            </a:r>
+            <a:endParaRPr lang="" altLang="en-US" dirty="0">
+              <a:solidFill>
+                <a:srgbClr val="FFFFFF"/>
+              </a:solidFill>
+            </a:endParaRPr>
+          </a:p>
+        </p:txBody>
+      </p:sp>
+      <p:sp>
+        <p:nvSpPr>
+          <p:cNvPr id="5" name="Subtitle 4"/>
+          <p:cNvSpPr>
+            <a:spLocks noGrp="1"/>
+          </p:cNvSpPr>
+          <p:nvPr>
+            <p:ph type="subTitle" idx="1"/>
+          </p:nvPr>
+        </p:nvSpPr>
+        <p:spPr>
+          <a:xfrm>
+            <a:off x="3237186" y="5552792"/>
+            <a:ext cx="9144000" cy="1098395"/>
+          </a:xfrm>
+        </p:spPr>
+        <p:txBody>
+          <a:bodyPr>
+            <a:normAutofit/>
+          </a:bodyPr>
+          <a:lstStyle/>
+          <a:p>
+            <a:r>
+              <a:rPr lang="en-CA" altLang="en-US" sz="3200">
+                <a:solidFill>
+                  <a:srgbClr val="FFFFFF"/>
+                </a:solidFill>
+              </a:rPr>
+              <a:t>Data flow</a:t>
+            </a:r>
+            <a:endParaRPr lang="" altLang="en-US" sz="3200" dirty="0">
+              <a:solidFill>
+                <a:srgbClr val="FFFFFF"/>
+              </a:solidFill>
+            </a:endParaRPr>
+          </a:p>
+        </p:txBody>
+      </p:sp>
+      <p:sp>
+        <p:nvSpPr>
+          <p:cNvPr id="6" name="TextBox 5">
+            <a:extLst>
+              <a:ext uri="{FF2B5EF4-FFF2-40B4-BE49-F238E27FC236}">
+                <a16:creationId xmlns:a16="http://schemas.microsoft.com/office/drawing/2014/main" id="{95F13DF1-BC8F-4673-990A-2FBDD32A3DAB}"/>
+              </a:ext>
+            </a:extLst>
+          </p:cNvPr>
+          <p:cNvSpPr txBox="1"/>
+          <p:nvPr/>
+        </p:nvSpPr>
+        <p:spPr>
+          <a:xfrm>
+            <a:off x="9626875" y="6657945"/>
+            <a:ext cx="2565125" cy="200055"/>
+          </a:xfrm>
+          <a:prstGeom prst="rect">
+            <a:avLst/>
+          </a:prstGeom>
+          <a:solidFill>
+            <a:srgbClr val="000000"/>
+          </a:solidFill>
+        </p:spPr>
+        <p:txBody>
+          <a:bodyPr wrap="none" rtlCol="0">
+            <a:spAutoFit/>
+          </a:bodyPr>
+          <a:lstStyle/>
+          <a:p>
+            <a:pPr algn="r">
+              <a:spcAft>
+                <a:spcPts val="600"/>
+              </a:spcAft>
+            </a:pPr>
+            <a:r>
+              <a:rPr lang="en-CA" sz="700">
+                <a:solidFill>
+                  <a:srgbClr val="FFFFFF"/>
+                </a:solidFill>
+                <a:hlinkClick r:id="rId3" tooltip="http://seagrave308.deviantart.com/art/Flow-in-light-291612785">
+                  <a:extLst>
+                    <a:ext uri="{A12FA001-AC4F-418D-AE19-62706E023703}">
+                      <ahyp:hlinkClr xmlns:ahyp="http://schemas.microsoft.com/office/drawing/2018/hyperlinkcolor" val="tx"/>
+                    </a:ext>
+                  </a:extLst>
+                </a:hlinkClick>
+              </a:rPr>
+              <a:t>This Photo</a:t>
+            </a:r>
+            <a:r>
+              <a:rPr lang="en-CA" sz="700">
+                <a:solidFill>
+                  <a:srgbClr val="FFFFFF"/>
+                </a:solidFill>
+              </a:rPr>
+              <a:t> by Unknown Author is licensed under </a:t>
+            </a:r>
+            <a:r>
+              <a:rPr lang="en-CA" sz="700">
+                <a:solidFill>
+                  <a:srgbClr val="FFFFFF"/>
+                </a:solidFill>
+                <a:hlinkClick r:id="rId4" tooltip="https://creativecommons.org/licenses/by-sa/3.0/">
+                  <a:extLst>
+                    <a:ext uri="{A12FA001-AC4F-418D-AE19-62706E023703}">
+                      <ahyp:hlinkClr xmlns:ahyp="http://schemas.microsoft.com/office/drawing/2018/hyperlinkcolor" val="tx"/>
+                    </a:ext>
+                  </a:extLst>
+                </a:hlinkClick>
+              </a:rPr>
+              <a:t>CC BY-SA</a:t>
+            </a:r>
+            <a:endParaRPr lang="en-CA" sz="700">
+              <a:solidFill>
+                <a:srgbClr val="FFFFFF"/>
+              </a:solidFill>
+            </a:endParaRPr>
+          </a:p>
+        </p:txBody>
+      </p:sp>
+    </p:spTree>
+    <p:extLst>
+      <p:ext uri="{BB962C8B-B14F-4D97-AF65-F5344CB8AC3E}">
+        <p14:creationId xmlns:p14="http://schemas.microsoft.com/office/powerpoint/2010/main" val="830908147"/>
+      </p:ext>
+    </p:extLst>
+  </p:cSld>
+  <p:clrMapOvr>
+    <a:overrideClrMapping bg1="dk1" tx1="lt1" bg2="dk2" tx2="lt2" accent1="accent1" accent2="accent2" accent3="accent3" accent4="accent4" accent5="accent5" accent6="accent6" hlink="hlink" folHlink="folHlink"/>
+  </p:clrMapOvr>
+</p:sld>
+</file>
+
+<file path=ppt/slides/slide8.xml><?xml version="1.0" encoding="utf-8"?>
+<p:sld xmlns:a="http://schemas.openxmlformats.org/drawingml/2006/main" xmlns:r="http://schemas.openxmlformats.org/officeDocument/2006/relationships" xmlns:p="http://schemas.openxmlformats.org/presentationml/2006/main">
+  <p:cSld>
+    <p:spTree>
+      <p:nvGrpSpPr>
+        <p:cNvPr id="1" name=""/>
+        <p:cNvGrpSpPr/>
+        <p:nvPr/>
+      </p:nvGrpSpPr>
+      <p:grpSpPr>
+        <a:xfrm>
+          <a:off x="0" y="0"/>
+          <a:ext cx="0" cy="0"/>
+          <a:chOff x="0" y="0"/>
+          <a:chExt cx="0" cy="0"/>
+        </a:xfrm>
+      </p:grpSpPr>
+      <p:sp>
+        <p:nvSpPr>
+          <p:cNvPr id="2" name="Title 1">
+            <a:extLst>
+              <a:ext uri="{FF2B5EF4-FFF2-40B4-BE49-F238E27FC236}">
+                <a16:creationId xmlns:a16="http://schemas.microsoft.com/office/drawing/2014/main" id="{DAFCF7DC-84FF-4FE5-8F03-5FB74570F8ED}"/>
+              </a:ext>
+            </a:extLst>
+          </p:cNvPr>
+          <p:cNvSpPr>
+            <a:spLocks noGrp="1"/>
+          </p:cNvSpPr>
+          <p:nvPr>
+            <p:ph type="title"/>
+          </p:nvPr>
+        </p:nvSpPr>
+        <p:spPr/>
+        <p:txBody>
+          <a:bodyPr/>
+          <a:lstStyle/>
+          <a:p>
+            <a:r>
+              <a:rPr lang="en-US" dirty="0"/>
+              <a:t>2.1 Data flow: Teranet dataset stages</a:t>
+            </a:r>
+            <a:endParaRPr lang="en-CA" dirty="0"/>
+          </a:p>
+        </p:txBody>
+      </p:sp>
+      <p:sp>
+        <p:nvSpPr>
+          <p:cNvPr id="3" name="Content Placeholder 2">
+            <a:extLst>
+              <a:ext uri="{FF2B5EF4-FFF2-40B4-BE49-F238E27FC236}">
+                <a16:creationId xmlns:a16="http://schemas.microsoft.com/office/drawing/2014/main" id="{299A139B-F61C-4650-9170-A0A1EDF9CC27}"/>
+              </a:ext>
+            </a:extLst>
+          </p:cNvPr>
+          <p:cNvSpPr>
+            <a:spLocks noGrp="1"/>
+          </p:cNvSpPr>
+          <p:nvPr>
+            <p:ph idx="1"/>
+          </p:nvPr>
+        </p:nvSpPr>
+        <p:spPr>
+          <a:xfrm>
+            <a:off x="609600" y="1871587"/>
+            <a:ext cx="10972800" cy="2260196"/>
+          </a:xfrm>
+        </p:spPr>
+        <p:txBody>
+          <a:bodyPr/>
+          <a:lstStyle/>
+          <a:p>
+            <a:pPr marL="0" indent="0">
+              <a:buNone/>
+            </a:pPr>
+            <a:r>
+              <a:rPr lang="en-US" sz="2800" dirty="0"/>
+              <a:t>During</a:t>
+            </a:r>
+            <a:r>
+              <a:rPr lang="en-US" sz="2800" i="1" dirty="0"/>
+              <a:t> Step 2: Scrub</a:t>
+            </a:r>
+            <a:r>
+              <a:rPr lang="en-US" sz="2800" dirty="0"/>
+              <a:t> of the OSEMN methodology,</a:t>
+            </a:r>
+          </a:p>
+          <a:p>
+            <a:pPr marL="0" indent="0">
+              <a:buNone/>
+            </a:pPr>
+            <a:r>
+              <a:rPr lang="en-US" sz="2800" dirty="0"/>
+              <a:t>the Teranet dataset is transformed in 5 main stages:</a:t>
+            </a:r>
+          </a:p>
+        </p:txBody>
+      </p:sp>
+      <p:sp>
+        <p:nvSpPr>
+          <p:cNvPr id="6" name="Cylinder 5">
+            <a:extLst>
+              <a:ext uri="{FF2B5EF4-FFF2-40B4-BE49-F238E27FC236}">
+                <a16:creationId xmlns:a16="http://schemas.microsoft.com/office/drawing/2014/main" id="{A1546626-A6F4-44E0-BC0B-87389FD7AC0F}"/>
+              </a:ext>
+            </a:extLst>
+          </p:cNvPr>
+          <p:cNvSpPr/>
+          <p:nvPr/>
+        </p:nvSpPr>
+        <p:spPr>
+          <a:xfrm>
+            <a:off x="5394960" y="3699899"/>
+            <a:ext cx="1402080" cy="1481863"/>
+          </a:xfrm>
+          <a:prstGeom prst="can">
+            <a:avLst/>
+          </a:prstGeom>
+          <a:solidFill>
+            <a:schemeClr val="accent1">
+              <a:lumMod val="75000"/>
+            </a:schemeClr>
+          </a:solidFill>
+        </p:spPr>
+        <p:style>
+          <a:lnRef idx="2">
+            <a:schemeClr val="accent1">
+              <a:shade val="50000"/>
+            </a:schemeClr>
+          </a:lnRef>
+          <a:fillRef idx="1">
+            <a:schemeClr val="accent1"/>
+          </a:fillRef>
+          <a:effectRef idx="0">
+            <a:schemeClr val="accent1"/>
+          </a:effectRef>
+          <a:fontRef idx="minor">
+            <a:schemeClr val="lt1"/>
+          </a:fontRef>
+        </p:style>
+        <p:txBody>
+          <a:bodyPr rtlCol="0" anchor="ctr"/>
+          <a:lstStyle/>
+          <a:p>
+            <a:pPr algn="ctr"/>
+            <a:r>
+              <a:rPr lang="en-US" dirty="0"/>
+              <a:t>Correct</a:t>
+            </a:r>
+          </a:p>
+          <a:p>
+            <a:pPr algn="ctr"/>
+            <a:r>
+              <a:rPr lang="en-US" dirty="0"/>
+              <a:t>for</a:t>
+            </a:r>
+          </a:p>
+          <a:p>
+            <a:pPr algn="ctr"/>
+            <a:r>
+              <a:rPr lang="en-US" dirty="0"/>
+              <a:t>consistency</a:t>
+            </a:r>
+          </a:p>
+        </p:txBody>
+      </p:sp>
+      <p:sp>
+        <p:nvSpPr>
+          <p:cNvPr id="14" name="Cylinder 13">
+            <a:extLst>
+              <a:ext uri="{FF2B5EF4-FFF2-40B4-BE49-F238E27FC236}">
+                <a16:creationId xmlns:a16="http://schemas.microsoft.com/office/drawing/2014/main" id="{45CB5072-5CE5-473A-9F07-BAED1C4D8C0C}"/>
+              </a:ext>
+            </a:extLst>
+          </p:cNvPr>
+          <p:cNvSpPr/>
+          <p:nvPr/>
+        </p:nvSpPr>
+        <p:spPr>
+          <a:xfrm>
+            <a:off x="609600" y="3699899"/>
+            <a:ext cx="1402080" cy="1481863"/>
+          </a:xfrm>
+          <a:prstGeom prst="can">
+            <a:avLst/>
+          </a:prstGeom>
+          <a:solidFill>
+            <a:schemeClr val="accent1">
+              <a:lumMod val="40000"/>
+              <a:lumOff val="60000"/>
+            </a:schemeClr>
+          </a:solidFill>
+        </p:spPr>
+        <p:style>
+          <a:lnRef idx="2">
+            <a:schemeClr val="accent1">
+              <a:shade val="50000"/>
+            </a:schemeClr>
+          </a:lnRef>
+          <a:fillRef idx="1">
+            <a:schemeClr val="accent1"/>
+          </a:fillRef>
+          <a:effectRef idx="0">
+            <a:schemeClr val="accent1"/>
+          </a:effectRef>
+          <a:fontRef idx="minor">
+            <a:schemeClr val="lt1"/>
+          </a:fontRef>
+        </p:style>
+        <p:txBody>
+          <a:bodyPr rtlCol="0" anchor="ctr"/>
+          <a:lstStyle/>
+          <a:p>
+            <a:pPr algn="ctr"/>
+            <a:r>
+              <a:rPr lang="en-US" dirty="0">
+                <a:solidFill>
+                  <a:schemeClr val="tx1"/>
+                </a:solidFill>
+              </a:rPr>
+              <a:t>Raw</a:t>
+            </a:r>
+          </a:p>
+          <a:p>
+            <a:pPr algn="ctr"/>
+            <a:r>
+              <a:rPr lang="en-US" dirty="0">
+                <a:solidFill>
+                  <a:schemeClr val="tx1"/>
+                </a:solidFill>
+              </a:rPr>
+              <a:t>Teranet</a:t>
+            </a:r>
+          </a:p>
+          <a:p>
+            <a:pPr algn="ctr"/>
+            <a:r>
+              <a:rPr lang="en-US" dirty="0">
+                <a:solidFill>
+                  <a:schemeClr val="tx1"/>
+                </a:solidFill>
+              </a:rPr>
+              <a:t>data</a:t>
+            </a:r>
+          </a:p>
+        </p:txBody>
+      </p:sp>
+      <p:sp>
+        <p:nvSpPr>
+          <p:cNvPr id="15" name="Cylinder 14">
+            <a:extLst>
+              <a:ext uri="{FF2B5EF4-FFF2-40B4-BE49-F238E27FC236}">
+                <a16:creationId xmlns:a16="http://schemas.microsoft.com/office/drawing/2014/main" id="{EF71B513-0E28-49DA-AC6F-B5C3889DE2D2}"/>
+              </a:ext>
+            </a:extLst>
+          </p:cNvPr>
+          <p:cNvSpPr/>
+          <p:nvPr/>
+        </p:nvSpPr>
+        <p:spPr>
+          <a:xfrm>
+            <a:off x="10309447" y="3699899"/>
+            <a:ext cx="1402080" cy="1481863"/>
+          </a:xfrm>
+          <a:prstGeom prst="can">
+            <a:avLst/>
+          </a:prstGeom>
+          <a:solidFill>
+            <a:schemeClr val="accent5">
+              <a:lumMod val="25000"/>
+            </a:schemeClr>
+          </a:solidFill>
+        </p:spPr>
+        <p:style>
+          <a:lnRef idx="2">
+            <a:schemeClr val="accent1">
+              <a:shade val="50000"/>
+            </a:schemeClr>
+          </a:lnRef>
+          <a:fillRef idx="1">
+            <a:schemeClr val="accent1"/>
+          </a:fillRef>
+          <a:effectRef idx="0">
+            <a:schemeClr val="accent1"/>
+          </a:effectRef>
+          <a:fontRef idx="minor">
+            <a:schemeClr val="lt1"/>
+          </a:fontRef>
+        </p:style>
+        <p:txBody>
+          <a:bodyPr rtlCol="0" anchor="ctr"/>
+          <a:lstStyle/>
+          <a:p>
+            <a:pPr algn="ctr"/>
+            <a:r>
+              <a:rPr lang="en-US" dirty="0"/>
+              <a:t>Add to the database</a:t>
+            </a:r>
+          </a:p>
+        </p:txBody>
+      </p:sp>
+      <p:sp>
+        <p:nvSpPr>
+          <p:cNvPr id="16" name="Cylinder 15">
+            <a:extLst>
+              <a:ext uri="{FF2B5EF4-FFF2-40B4-BE49-F238E27FC236}">
+                <a16:creationId xmlns:a16="http://schemas.microsoft.com/office/drawing/2014/main" id="{36AFE3BF-9A7B-4C58-A227-B2A3C659C313}"/>
+              </a:ext>
+            </a:extLst>
+          </p:cNvPr>
+          <p:cNvSpPr/>
+          <p:nvPr/>
+        </p:nvSpPr>
+        <p:spPr>
+          <a:xfrm>
+            <a:off x="3002280" y="3699899"/>
+            <a:ext cx="1402080" cy="1481863"/>
+          </a:xfrm>
+          <a:prstGeom prst="can">
+            <a:avLst/>
+          </a:prstGeom>
+          <a:solidFill>
+            <a:srgbClr val="00B0F0"/>
+          </a:solidFill>
+        </p:spPr>
+        <p:style>
+          <a:lnRef idx="2">
+            <a:schemeClr val="accent1">
+              <a:shade val="50000"/>
+            </a:schemeClr>
+          </a:lnRef>
+          <a:fillRef idx="1">
+            <a:schemeClr val="accent1"/>
+          </a:fillRef>
+          <a:effectRef idx="0">
+            <a:schemeClr val="accent1"/>
+          </a:effectRef>
+          <a:fontRef idx="minor">
+            <a:schemeClr val="lt1"/>
+          </a:fontRef>
+        </p:style>
+        <p:txBody>
+          <a:bodyPr rtlCol="0" anchor="ctr"/>
+          <a:lstStyle/>
+          <a:p>
+            <a:pPr algn="ctr"/>
+            <a:r>
+              <a:rPr lang="en-US" dirty="0"/>
+              <a:t>Add foreign</a:t>
+            </a:r>
+          </a:p>
+          <a:p>
+            <a:pPr algn="ctr"/>
+            <a:r>
+              <a:rPr lang="en-US" dirty="0"/>
+              <a:t>keys via spatial joins</a:t>
+            </a:r>
+          </a:p>
+        </p:txBody>
+      </p:sp>
+      <p:sp>
+        <p:nvSpPr>
+          <p:cNvPr id="17" name="Cylinder 16">
+            <a:extLst>
+              <a:ext uri="{FF2B5EF4-FFF2-40B4-BE49-F238E27FC236}">
+                <a16:creationId xmlns:a16="http://schemas.microsoft.com/office/drawing/2014/main" id="{A3B1A2F1-0097-4C02-9B5D-98C3E9D6EA44}"/>
+              </a:ext>
+            </a:extLst>
+          </p:cNvPr>
+          <p:cNvSpPr/>
+          <p:nvPr/>
+        </p:nvSpPr>
+        <p:spPr>
+          <a:xfrm>
+            <a:off x="7852203" y="3699899"/>
+            <a:ext cx="1402080" cy="1481863"/>
+          </a:xfrm>
+          <a:prstGeom prst="can">
+            <a:avLst/>
+          </a:prstGeom>
+          <a:solidFill>
+            <a:schemeClr val="accent1">
+              <a:lumMod val="50000"/>
+            </a:schemeClr>
+          </a:solidFill>
+        </p:spPr>
+        <p:style>
+          <a:lnRef idx="2">
+            <a:schemeClr val="accent1">
+              <a:shade val="50000"/>
+            </a:schemeClr>
+          </a:lnRef>
+          <a:fillRef idx="1">
+            <a:schemeClr val="accent1"/>
+          </a:fillRef>
+          <a:effectRef idx="0">
+            <a:schemeClr val="accent1"/>
+          </a:effectRef>
+          <a:fontRef idx="minor">
+            <a:schemeClr val="lt1"/>
+          </a:fontRef>
+        </p:style>
+        <p:txBody>
+          <a:bodyPr rtlCol="0" anchor="ctr"/>
+          <a:lstStyle/>
+          <a:p>
+            <a:pPr algn="ctr"/>
+            <a:r>
+              <a:rPr lang="en-US" dirty="0"/>
+              <a:t>Add new attributes</a:t>
+            </a:r>
+          </a:p>
+        </p:txBody>
+      </p:sp>
+      <p:sp>
+        <p:nvSpPr>
+          <p:cNvPr id="18" name="Arrow: Striped Right 17">
+            <a:extLst>
+              <a:ext uri="{FF2B5EF4-FFF2-40B4-BE49-F238E27FC236}">
+                <a16:creationId xmlns:a16="http://schemas.microsoft.com/office/drawing/2014/main" id="{CF2156C1-69FA-461E-87CE-6F965C125B15}"/>
+              </a:ext>
+            </a:extLst>
+          </p:cNvPr>
+          <p:cNvSpPr/>
+          <p:nvPr/>
+        </p:nvSpPr>
+        <p:spPr>
+          <a:xfrm>
+            <a:off x="2159726" y="4094278"/>
+            <a:ext cx="713427" cy="693104"/>
+          </a:xfrm>
+          <a:prstGeom prst="stripedRightArrow">
+            <a:avLst/>
+          </a:prstGeom>
+          <a:solidFill>
+            <a:schemeClr val="accent2">
+              <a:lumMod val="20000"/>
+              <a:lumOff val="80000"/>
+            </a:schemeClr>
+          </a:solidFill>
+        </p:spPr>
+        <p:style>
+          <a:lnRef idx="2">
+            <a:schemeClr val="accent1">
+              <a:shade val="50000"/>
+            </a:schemeClr>
+          </a:lnRef>
+          <a:fillRef idx="1">
+            <a:schemeClr val="accent1"/>
+          </a:fillRef>
+          <a:effectRef idx="0">
+            <a:schemeClr val="accent1"/>
+          </a:effectRef>
+          <a:fontRef idx="minor">
+            <a:schemeClr val="lt1"/>
+          </a:fontRef>
+        </p:style>
+        <p:txBody>
+          <a:bodyPr rtlCol="0" anchor="ctr"/>
+          <a:lstStyle/>
+          <a:p>
+            <a:pPr algn="ctr"/>
+            <a:endParaRPr lang="en-CA"/>
+          </a:p>
+        </p:txBody>
+      </p:sp>
+      <p:sp>
+        <p:nvSpPr>
+          <p:cNvPr id="19" name="Arrow: Striped Right 18">
+            <a:extLst>
+              <a:ext uri="{FF2B5EF4-FFF2-40B4-BE49-F238E27FC236}">
+                <a16:creationId xmlns:a16="http://schemas.microsoft.com/office/drawing/2014/main" id="{8B1D20B5-6D82-43CD-B7D4-4213A3805065}"/>
+              </a:ext>
+            </a:extLst>
+          </p:cNvPr>
+          <p:cNvSpPr/>
+          <p:nvPr/>
+        </p:nvSpPr>
+        <p:spPr>
+          <a:xfrm>
+            <a:off x="4533487" y="4094278"/>
+            <a:ext cx="713427" cy="693104"/>
+          </a:xfrm>
+          <a:prstGeom prst="stripedRightArrow">
+            <a:avLst/>
+          </a:prstGeom>
+          <a:solidFill>
+            <a:srgbClr val="FFC000"/>
+          </a:solidFill>
+        </p:spPr>
+        <p:style>
+          <a:lnRef idx="2">
+            <a:schemeClr val="accent1">
+              <a:shade val="50000"/>
+            </a:schemeClr>
+          </a:lnRef>
+          <a:fillRef idx="1">
+            <a:schemeClr val="accent1"/>
+          </a:fillRef>
+          <a:effectRef idx="0">
+            <a:schemeClr val="accent1"/>
+          </a:effectRef>
+          <a:fontRef idx="minor">
+            <a:schemeClr val="lt1"/>
+          </a:fontRef>
+        </p:style>
+        <p:txBody>
+          <a:bodyPr rtlCol="0" anchor="ctr"/>
+          <a:lstStyle/>
+          <a:p>
+            <a:pPr algn="ctr"/>
+            <a:endParaRPr lang="en-CA"/>
+          </a:p>
+        </p:txBody>
+      </p:sp>
+      <p:sp>
+        <p:nvSpPr>
+          <p:cNvPr id="20" name="Arrow: Striped Right 19">
+            <a:extLst>
+              <a:ext uri="{FF2B5EF4-FFF2-40B4-BE49-F238E27FC236}">
+                <a16:creationId xmlns:a16="http://schemas.microsoft.com/office/drawing/2014/main" id="{FE8FC4FE-A991-496F-875F-78E15E03493F}"/>
+              </a:ext>
+            </a:extLst>
+          </p:cNvPr>
+          <p:cNvSpPr/>
+          <p:nvPr/>
+        </p:nvSpPr>
+        <p:spPr>
+          <a:xfrm>
+            <a:off x="6967908" y="4094278"/>
+            <a:ext cx="713427" cy="693104"/>
+          </a:xfrm>
+          <a:prstGeom prst="stripedRightArrow">
+            <a:avLst/>
+          </a:prstGeom>
+          <a:solidFill>
+            <a:schemeClr val="accent6">
+              <a:lumMod val="60000"/>
+              <a:lumOff val="40000"/>
+            </a:schemeClr>
+          </a:solidFill>
+        </p:spPr>
+        <p:style>
+          <a:lnRef idx="2">
+            <a:schemeClr val="accent1">
+              <a:shade val="50000"/>
+            </a:schemeClr>
+          </a:lnRef>
+          <a:fillRef idx="1">
+            <a:schemeClr val="accent1"/>
+          </a:fillRef>
+          <a:effectRef idx="0">
+            <a:schemeClr val="accent1"/>
+          </a:effectRef>
+          <a:fontRef idx="minor">
+            <a:schemeClr val="lt1"/>
+          </a:fontRef>
+        </p:style>
+        <p:txBody>
+          <a:bodyPr rtlCol="0" anchor="ctr"/>
+          <a:lstStyle/>
+          <a:p>
+            <a:pPr algn="ctr"/>
+            <a:endParaRPr lang="en-CA"/>
+          </a:p>
+        </p:txBody>
+      </p:sp>
+      <p:sp>
+        <p:nvSpPr>
+          <p:cNvPr id="21" name="Arrow: Striped Right 20">
+            <a:extLst>
+              <a:ext uri="{FF2B5EF4-FFF2-40B4-BE49-F238E27FC236}">
+                <a16:creationId xmlns:a16="http://schemas.microsoft.com/office/drawing/2014/main" id="{611B0BA4-B33E-424D-B691-E446CCCFCF60}"/>
+              </a:ext>
+            </a:extLst>
+          </p:cNvPr>
+          <p:cNvSpPr/>
+          <p:nvPr/>
+        </p:nvSpPr>
+        <p:spPr>
+          <a:xfrm>
+            <a:off x="9425151" y="4094278"/>
+            <a:ext cx="713427" cy="693104"/>
+          </a:xfrm>
+          <a:prstGeom prst="stripedRightArrow">
+            <a:avLst/>
+          </a:prstGeom>
+          <a:solidFill>
+            <a:schemeClr val="accent2">
+              <a:lumMod val="75000"/>
+            </a:schemeClr>
+          </a:solidFill>
+        </p:spPr>
+        <p:style>
+          <a:lnRef idx="2">
+            <a:schemeClr val="accent1">
+              <a:shade val="50000"/>
+            </a:schemeClr>
+          </a:lnRef>
+          <a:fillRef idx="1">
+            <a:schemeClr val="accent1"/>
+          </a:fillRef>
+          <a:effectRef idx="0">
+            <a:schemeClr val="accent1"/>
+          </a:effectRef>
+          <a:fontRef idx="minor">
+            <a:schemeClr val="lt1"/>
+          </a:fontRef>
+        </p:style>
+        <p:txBody>
+          <a:bodyPr rtlCol="0" anchor="ctr"/>
+          <a:lstStyle/>
+          <a:p>
+            <a:pPr algn="ctr"/>
+            <a:endParaRPr lang="en-CA"/>
+          </a:p>
+        </p:txBody>
+      </p:sp>
+      <p:sp>
+        <p:nvSpPr>
+          <p:cNvPr id="32" name="Rectangle 31">
+            <a:extLst>
+              <a:ext uri="{FF2B5EF4-FFF2-40B4-BE49-F238E27FC236}">
+                <a16:creationId xmlns:a16="http://schemas.microsoft.com/office/drawing/2014/main" id="{A094B97E-36EF-4230-9D9E-4FB8B668E026}"/>
+              </a:ext>
+            </a:extLst>
+          </p:cNvPr>
+          <p:cNvSpPr/>
+          <p:nvPr/>
+        </p:nvSpPr>
+        <p:spPr>
+          <a:xfrm>
+            <a:off x="1481086" y="5838646"/>
+            <a:ext cx="4175653" cy="776982"/>
+          </a:xfrm>
+          <a:prstGeom prst="rect">
+            <a:avLst/>
+          </a:prstGeom>
+          <a:solidFill>
+            <a:schemeClr val="bg1"/>
+          </a:solidFill>
+          <a:ln w="19050">
+            <a:solidFill>
+              <a:srgbClr val="00B0F0"/>
+            </a:solidFill>
+          </a:ln>
+        </p:spPr>
+        <p:style>
+          <a:lnRef idx="2">
+            <a:schemeClr val="accent1">
+              <a:shade val="50000"/>
+            </a:schemeClr>
+          </a:lnRef>
+          <a:fillRef idx="1">
+            <a:schemeClr val="accent1"/>
+          </a:fillRef>
+          <a:effectRef idx="0">
+            <a:schemeClr val="accent1"/>
+          </a:effectRef>
+          <a:fontRef idx="minor">
+            <a:schemeClr val="lt1"/>
+          </a:fontRef>
+        </p:style>
+        <p:txBody>
+          <a:bodyPr rtlCol="0" anchor="ctr"/>
+          <a:lstStyle/>
+          <a:p>
+            <a:pPr algn="ctr"/>
+            <a:endParaRPr lang="en-CA"/>
+          </a:p>
+        </p:txBody>
+      </p:sp>
+      <p:sp>
+        <p:nvSpPr>
+          <p:cNvPr id="31" name="Rectangle 30">
+            <a:extLst>
+              <a:ext uri="{FF2B5EF4-FFF2-40B4-BE49-F238E27FC236}">
+                <a16:creationId xmlns:a16="http://schemas.microsoft.com/office/drawing/2014/main" id="{FF175F48-5ECC-4D30-9F25-618B6FFD1836}"/>
+              </a:ext>
+            </a:extLst>
+          </p:cNvPr>
+          <p:cNvSpPr/>
+          <p:nvPr/>
+        </p:nvSpPr>
+        <p:spPr>
+          <a:xfrm>
+            <a:off x="270666" y="5444266"/>
+            <a:ext cx="2528256" cy="369332"/>
+          </a:xfrm>
+          <a:prstGeom prst="rect">
+            <a:avLst/>
+          </a:prstGeom>
+          <a:solidFill>
+            <a:schemeClr val="bg1"/>
+          </a:solidFill>
+          <a:ln w="19050">
+            <a:solidFill>
+              <a:schemeClr val="accent1">
+                <a:lumMod val="40000"/>
+                <a:lumOff val="60000"/>
+              </a:schemeClr>
+            </a:solidFill>
+          </a:ln>
+        </p:spPr>
+        <p:style>
+          <a:lnRef idx="2">
+            <a:schemeClr val="accent1">
+              <a:shade val="50000"/>
+            </a:schemeClr>
+          </a:lnRef>
+          <a:fillRef idx="1">
+            <a:schemeClr val="accent1"/>
+          </a:fillRef>
+          <a:effectRef idx="0">
+            <a:schemeClr val="accent1"/>
+          </a:effectRef>
+          <a:fontRef idx="minor">
+            <a:schemeClr val="lt1"/>
+          </a:fontRef>
+        </p:style>
+        <p:txBody>
+          <a:bodyPr rtlCol="0" anchor="ctr"/>
+          <a:lstStyle/>
+          <a:p>
+            <a:pPr algn="ctr"/>
+            <a:endParaRPr lang="en-CA"/>
+          </a:p>
+        </p:txBody>
+      </p:sp>
+      <p:sp>
+        <p:nvSpPr>
+          <p:cNvPr id="22" name="TextBox 21">
+            <a:extLst>
+              <a:ext uri="{FF2B5EF4-FFF2-40B4-BE49-F238E27FC236}">
+                <a16:creationId xmlns:a16="http://schemas.microsoft.com/office/drawing/2014/main" id="{75520E96-6BBE-45C5-A6E4-D1B9F8C2D4E1}"/>
+              </a:ext>
+            </a:extLst>
+          </p:cNvPr>
+          <p:cNvSpPr txBox="1"/>
+          <p:nvPr/>
+        </p:nvSpPr>
+        <p:spPr>
+          <a:xfrm>
+            <a:off x="270666" y="5444266"/>
+            <a:ext cx="2528256" cy="369332"/>
+          </a:xfrm>
+          <a:prstGeom prst="rect">
+            <a:avLst/>
+          </a:prstGeom>
+          <a:noFill/>
+        </p:spPr>
+        <p:txBody>
+          <a:bodyPr wrap="none" rtlCol="0">
+            <a:spAutoFit/>
+          </a:bodyPr>
+          <a:lstStyle/>
+          <a:p>
+            <a:r>
+              <a:rPr lang="en-CA" dirty="0">
+                <a:latin typeface="Courier New" panose="02070309020205020404" pitchFamily="49" charset="0"/>
+                <a:cs typeface="Courier New" panose="02070309020205020404" pitchFamily="49" charset="0"/>
+              </a:rPr>
+              <a:t>HHSaleHistory.csv</a:t>
+            </a:r>
+          </a:p>
+        </p:txBody>
+      </p:sp>
+      <p:sp>
+        <p:nvSpPr>
+          <p:cNvPr id="36" name="Rectangle 35">
+            <a:extLst>
+              <a:ext uri="{FF2B5EF4-FFF2-40B4-BE49-F238E27FC236}">
+                <a16:creationId xmlns:a16="http://schemas.microsoft.com/office/drawing/2014/main" id="{C1F454C3-F85C-4CC2-A7FE-FC2DA26F1ED0}"/>
+              </a:ext>
+            </a:extLst>
+          </p:cNvPr>
+          <p:cNvSpPr/>
+          <p:nvPr/>
+        </p:nvSpPr>
+        <p:spPr>
+          <a:xfrm>
+            <a:off x="4349368" y="5404782"/>
+            <a:ext cx="3493264" cy="401598"/>
+          </a:xfrm>
+          <a:prstGeom prst="rect">
+            <a:avLst/>
+          </a:prstGeom>
+          <a:solidFill>
+            <a:schemeClr val="bg1"/>
+          </a:solidFill>
+          <a:ln w="19050">
+            <a:solidFill>
+              <a:schemeClr val="accent1">
+                <a:lumMod val="75000"/>
+              </a:schemeClr>
+            </a:solidFill>
+          </a:ln>
+        </p:spPr>
+        <p:style>
+          <a:lnRef idx="2">
+            <a:schemeClr val="accent1">
+              <a:shade val="50000"/>
+            </a:schemeClr>
+          </a:lnRef>
+          <a:fillRef idx="1">
+            <a:schemeClr val="accent1"/>
+          </a:fillRef>
+          <a:effectRef idx="0">
+            <a:schemeClr val="accent1"/>
+          </a:effectRef>
+          <a:fontRef idx="minor">
+            <a:schemeClr val="lt1"/>
+          </a:fontRef>
+        </p:style>
+        <p:txBody>
+          <a:bodyPr rtlCol="0" anchor="ctr"/>
+          <a:lstStyle/>
+          <a:p>
+            <a:pPr algn="ctr"/>
+            <a:endParaRPr lang="en-CA"/>
+          </a:p>
+        </p:txBody>
+      </p:sp>
+      <p:sp>
+        <p:nvSpPr>
+          <p:cNvPr id="24" name="TextBox 23">
+            <a:extLst>
+              <a:ext uri="{FF2B5EF4-FFF2-40B4-BE49-F238E27FC236}">
+                <a16:creationId xmlns:a16="http://schemas.microsoft.com/office/drawing/2014/main" id="{10418F12-3AF0-422E-8B24-CBACD7E68A7F}"/>
+              </a:ext>
+            </a:extLst>
+          </p:cNvPr>
+          <p:cNvSpPr txBox="1"/>
+          <p:nvPr/>
+        </p:nvSpPr>
+        <p:spPr>
+          <a:xfrm>
+            <a:off x="1534794" y="5844698"/>
+            <a:ext cx="3355406" cy="369332"/>
+          </a:xfrm>
+          <a:prstGeom prst="rect">
+            <a:avLst/>
+          </a:prstGeom>
+          <a:noFill/>
+        </p:spPr>
+        <p:txBody>
+          <a:bodyPr wrap="none" rtlCol="0">
+            <a:spAutoFit/>
+          </a:bodyPr>
+          <a:lstStyle/>
+          <a:p>
+            <a:r>
+              <a:rPr lang="en-CA" dirty="0">
+                <a:latin typeface="Courier New" panose="02070309020205020404" pitchFamily="49" charset="0"/>
+                <a:cs typeface="Courier New" panose="02070309020205020404" pitchFamily="49" charset="0"/>
+              </a:rPr>
+              <a:t>1.1_Teranet_DA_cols.csv</a:t>
+            </a:r>
+          </a:p>
+        </p:txBody>
+      </p:sp>
+      <p:sp>
+        <p:nvSpPr>
+          <p:cNvPr id="37" name="Rectangle 36">
+            <a:extLst>
+              <a:ext uri="{FF2B5EF4-FFF2-40B4-BE49-F238E27FC236}">
+                <a16:creationId xmlns:a16="http://schemas.microsoft.com/office/drawing/2014/main" id="{03340F19-C807-4AFF-B3DC-5009ABC202EF}"/>
+              </a:ext>
+            </a:extLst>
+          </p:cNvPr>
+          <p:cNvSpPr/>
+          <p:nvPr/>
+        </p:nvSpPr>
+        <p:spPr>
+          <a:xfrm>
+            <a:off x="6834834" y="5851916"/>
+            <a:ext cx="4175653" cy="776982"/>
+          </a:xfrm>
+          <a:prstGeom prst="rect">
+            <a:avLst/>
+          </a:prstGeom>
+          <a:solidFill>
+            <a:schemeClr val="bg1"/>
+          </a:solidFill>
+          <a:ln w="19050">
+            <a:solidFill>
+              <a:schemeClr val="accent1">
+                <a:lumMod val="50000"/>
+              </a:schemeClr>
+            </a:solidFill>
+          </a:ln>
+        </p:spPr>
+        <p:style>
+          <a:lnRef idx="2">
+            <a:schemeClr val="accent1">
+              <a:shade val="50000"/>
+            </a:schemeClr>
+          </a:lnRef>
+          <a:fillRef idx="1">
+            <a:schemeClr val="accent1"/>
+          </a:fillRef>
+          <a:effectRef idx="0">
+            <a:schemeClr val="accent1"/>
+          </a:effectRef>
+          <a:fontRef idx="minor">
+            <a:schemeClr val="lt1"/>
+          </a:fontRef>
+        </p:style>
+        <p:txBody>
+          <a:bodyPr rtlCol="0" anchor="ctr"/>
+          <a:lstStyle/>
+          <a:p>
+            <a:pPr algn="ctr"/>
+            <a:endParaRPr lang="en-CA"/>
+          </a:p>
+        </p:txBody>
+      </p:sp>
+      <p:sp>
+        <p:nvSpPr>
+          <p:cNvPr id="26" name="TextBox 25">
+            <a:extLst>
+              <a:ext uri="{FF2B5EF4-FFF2-40B4-BE49-F238E27FC236}">
+                <a16:creationId xmlns:a16="http://schemas.microsoft.com/office/drawing/2014/main" id="{CCDD3391-A104-415C-BF40-C41CA25A4909}"/>
+              </a:ext>
+            </a:extLst>
+          </p:cNvPr>
+          <p:cNvSpPr txBox="1"/>
+          <p:nvPr/>
+        </p:nvSpPr>
+        <p:spPr>
+          <a:xfrm>
+            <a:off x="1749900" y="6214030"/>
+            <a:ext cx="3906839" cy="369332"/>
+          </a:xfrm>
+          <a:prstGeom prst="rect">
+            <a:avLst/>
+          </a:prstGeom>
+          <a:noFill/>
+        </p:spPr>
+        <p:txBody>
+          <a:bodyPr wrap="none" rtlCol="0">
+            <a:spAutoFit/>
+          </a:bodyPr>
+          <a:lstStyle/>
+          <a:p>
+            <a:r>
+              <a:rPr lang="pt-BR" dirty="0">
+                <a:latin typeface="Courier New" panose="02070309020205020404" pitchFamily="49" charset="0"/>
+                <a:cs typeface="Courier New" panose="02070309020205020404" pitchFamily="49" charset="0"/>
+              </a:rPr>
+              <a:t>1.2_Teranet_DA_TAZ_cols.csv</a:t>
+            </a:r>
+            <a:endParaRPr lang="en-CA" dirty="0">
+              <a:latin typeface="Courier New" panose="02070309020205020404" pitchFamily="49" charset="0"/>
+              <a:cs typeface="Courier New" panose="02070309020205020404" pitchFamily="49" charset="0"/>
+            </a:endParaRPr>
+          </a:p>
+        </p:txBody>
+      </p:sp>
+      <p:sp>
+        <p:nvSpPr>
+          <p:cNvPr id="27" name="TextBox 26">
+            <a:extLst>
+              <a:ext uri="{FF2B5EF4-FFF2-40B4-BE49-F238E27FC236}">
+                <a16:creationId xmlns:a16="http://schemas.microsoft.com/office/drawing/2014/main" id="{EC6B2BE6-7E58-4CB7-A324-C0567222DA1E}"/>
+              </a:ext>
+            </a:extLst>
+          </p:cNvPr>
+          <p:cNvSpPr txBox="1"/>
+          <p:nvPr/>
+        </p:nvSpPr>
+        <p:spPr>
+          <a:xfrm>
+            <a:off x="4349368" y="5450318"/>
+            <a:ext cx="3493264" cy="369332"/>
+          </a:xfrm>
+          <a:prstGeom prst="rect">
+            <a:avLst/>
+          </a:prstGeom>
+          <a:noFill/>
+        </p:spPr>
+        <p:txBody>
+          <a:bodyPr wrap="none" rtlCol="0">
+            <a:spAutoFit/>
+          </a:bodyPr>
+          <a:lstStyle/>
+          <a:p>
+            <a:r>
+              <a:rPr lang="pt-BR" dirty="0">
+                <a:latin typeface="Courier New" panose="02070309020205020404" pitchFamily="49" charset="0"/>
+                <a:cs typeface="Courier New" panose="02070309020205020404" pitchFamily="49" charset="0"/>
+              </a:rPr>
+              <a:t>2_Teranet_consistent.csv</a:t>
+            </a:r>
+            <a:endParaRPr lang="en-CA" dirty="0">
+              <a:latin typeface="Courier New" panose="02070309020205020404" pitchFamily="49" charset="0"/>
+              <a:cs typeface="Courier New" panose="02070309020205020404" pitchFamily="49" charset="0"/>
+            </a:endParaRPr>
+          </a:p>
+        </p:txBody>
+      </p:sp>
+      <p:sp>
+        <p:nvSpPr>
+          <p:cNvPr id="29" name="TextBox 28">
+            <a:extLst>
+              <a:ext uri="{FF2B5EF4-FFF2-40B4-BE49-F238E27FC236}">
+                <a16:creationId xmlns:a16="http://schemas.microsoft.com/office/drawing/2014/main" id="{8117392E-1F38-4495-AC53-A2AE5E8F303C}"/>
+              </a:ext>
+            </a:extLst>
+          </p:cNvPr>
+          <p:cNvSpPr txBox="1"/>
+          <p:nvPr/>
+        </p:nvSpPr>
+        <p:spPr>
+          <a:xfrm>
+            <a:off x="6797040" y="5849653"/>
+            <a:ext cx="3217547" cy="369332"/>
+          </a:xfrm>
+          <a:prstGeom prst="rect">
+            <a:avLst/>
+          </a:prstGeom>
+          <a:noFill/>
+        </p:spPr>
+        <p:txBody>
+          <a:bodyPr wrap="none" rtlCol="0">
+            <a:spAutoFit/>
+          </a:bodyPr>
+          <a:lstStyle/>
+          <a:p>
+            <a:r>
+              <a:rPr lang="pt-BR" dirty="0">
+                <a:latin typeface="Courier New" panose="02070309020205020404" pitchFamily="49" charset="0"/>
+                <a:cs typeface="Courier New" panose="02070309020205020404" pitchFamily="49" charset="0"/>
+              </a:rPr>
+              <a:t>3_Teranet_new_cols.csv</a:t>
+            </a:r>
+            <a:endParaRPr lang="en-CA" dirty="0">
+              <a:latin typeface="Courier New" panose="02070309020205020404" pitchFamily="49" charset="0"/>
+              <a:cs typeface="Courier New" panose="02070309020205020404" pitchFamily="49" charset="0"/>
+            </a:endParaRPr>
+          </a:p>
+        </p:txBody>
+      </p:sp>
+      <p:sp>
+        <p:nvSpPr>
+          <p:cNvPr id="30" name="TextBox 29">
+            <a:extLst>
+              <a:ext uri="{FF2B5EF4-FFF2-40B4-BE49-F238E27FC236}">
+                <a16:creationId xmlns:a16="http://schemas.microsoft.com/office/drawing/2014/main" id="{A8A9DBF0-7BCD-47B3-92A1-AB1779EAC272}"/>
+              </a:ext>
+            </a:extLst>
+          </p:cNvPr>
+          <p:cNvSpPr txBox="1"/>
+          <p:nvPr/>
+        </p:nvSpPr>
+        <p:spPr>
+          <a:xfrm>
+            <a:off x="6965790" y="6214030"/>
+            <a:ext cx="4044697" cy="369332"/>
+          </a:xfrm>
+          <a:prstGeom prst="rect">
+            <a:avLst/>
+          </a:prstGeom>
+          <a:noFill/>
+        </p:spPr>
+        <p:txBody>
+          <a:bodyPr wrap="none" rtlCol="0">
+            <a:spAutoFit/>
+          </a:bodyPr>
+          <a:lstStyle/>
+          <a:p>
+            <a:r>
+              <a:rPr lang="nn-NO" dirty="0">
+                <a:latin typeface="Courier New" panose="02070309020205020404" pitchFamily="49" charset="0"/>
+                <a:cs typeface="Courier New" panose="02070309020205020404" pitchFamily="49" charset="0"/>
+              </a:rPr>
+              <a:t>3_Teranet_nonan_new_cols.csv</a:t>
+            </a:r>
+            <a:endParaRPr lang="en-CA" dirty="0">
+              <a:latin typeface="Courier New" panose="02070309020205020404" pitchFamily="49" charset="0"/>
+              <a:cs typeface="Courier New" panose="02070309020205020404" pitchFamily="49" charset="0"/>
+            </a:endParaRPr>
+          </a:p>
+        </p:txBody>
+      </p:sp>
+      <p:cxnSp>
+        <p:nvCxnSpPr>
+          <p:cNvPr id="39" name="Straight Connector 38">
+            <a:extLst>
+              <a:ext uri="{FF2B5EF4-FFF2-40B4-BE49-F238E27FC236}">
+                <a16:creationId xmlns:a16="http://schemas.microsoft.com/office/drawing/2014/main" id="{80234B28-9D29-494F-8E99-501CB7FC2A1E}"/>
+              </a:ext>
+            </a:extLst>
+          </p:cNvPr>
+          <p:cNvCxnSpPr>
+            <a:stCxn id="14" idx="3"/>
+          </p:cNvCxnSpPr>
+          <p:nvPr/>
+        </p:nvCxnSpPr>
+        <p:spPr>
+          <a:xfrm>
+            <a:off x="1310640" y="5181762"/>
+            <a:ext cx="0" cy="262504"/>
+          </a:xfrm>
+          <a:prstGeom prst="line">
+            <a:avLst/>
+          </a:prstGeom>
+          <a:ln w="38100">
+            <a:solidFill>
+              <a:schemeClr val="accent1">
+                <a:lumMod val="60000"/>
+                <a:lumOff val="40000"/>
+              </a:schemeClr>
+            </a:solidFill>
+          </a:ln>
+        </p:spPr>
+        <p:style>
+          <a:lnRef idx="1">
+            <a:schemeClr val="accent1"/>
+          </a:lnRef>
+          <a:fillRef idx="0">
+            <a:schemeClr val="accent1"/>
+          </a:fillRef>
+          <a:effectRef idx="0">
+            <a:schemeClr val="accent1"/>
+          </a:effectRef>
+          <a:fontRef idx="minor">
+            <a:schemeClr val="tx1"/>
+          </a:fontRef>
+        </p:style>
+      </p:cxnSp>
+      <p:cxnSp>
+        <p:nvCxnSpPr>
+          <p:cNvPr id="40" name="Straight Connector 39">
+            <a:extLst>
+              <a:ext uri="{FF2B5EF4-FFF2-40B4-BE49-F238E27FC236}">
+                <a16:creationId xmlns:a16="http://schemas.microsoft.com/office/drawing/2014/main" id="{B3D3A7A7-7BA0-47A3-84EE-E49CBDD9A837}"/>
+              </a:ext>
+            </a:extLst>
+          </p:cNvPr>
+          <p:cNvCxnSpPr>
+            <a:cxnSpLocks/>
+          </p:cNvCxnSpPr>
+          <p:nvPr/>
+        </p:nvCxnSpPr>
+        <p:spPr>
+          <a:xfrm flipH="1">
+            <a:off x="3703319" y="5181762"/>
+            <a:ext cx="8709" cy="667891"/>
+          </a:xfrm>
+          <a:prstGeom prst="line">
+            <a:avLst/>
+          </a:prstGeom>
+          <a:ln w="38100">
+            <a:solidFill>
+              <a:srgbClr val="00B0F0"/>
+            </a:solidFill>
+          </a:ln>
+        </p:spPr>
+        <p:style>
+          <a:lnRef idx="1">
+            <a:schemeClr val="accent1"/>
+          </a:lnRef>
+          <a:fillRef idx="0">
+            <a:schemeClr val="accent1"/>
+          </a:fillRef>
+          <a:effectRef idx="0">
+            <a:schemeClr val="accent1"/>
+          </a:effectRef>
+          <a:fontRef idx="minor">
+            <a:schemeClr val="tx1"/>
+          </a:fontRef>
+        </p:style>
+      </p:cxnSp>
+      <p:cxnSp>
+        <p:nvCxnSpPr>
+          <p:cNvPr id="43" name="Straight Connector 42">
+            <a:extLst>
+              <a:ext uri="{FF2B5EF4-FFF2-40B4-BE49-F238E27FC236}">
+                <a16:creationId xmlns:a16="http://schemas.microsoft.com/office/drawing/2014/main" id="{3D9DEF8C-713B-43C8-B46E-4265EC662DF7}"/>
+              </a:ext>
+            </a:extLst>
+          </p:cNvPr>
+          <p:cNvCxnSpPr>
+            <a:cxnSpLocks/>
+            <a:stCxn id="6" idx="3"/>
+            <a:endCxn id="36" idx="0"/>
+          </p:cNvCxnSpPr>
+          <p:nvPr/>
+        </p:nvCxnSpPr>
+        <p:spPr>
+          <a:xfrm>
+            <a:off x="6096000" y="5181762"/>
+            <a:ext cx="0" cy="223020"/>
+          </a:xfrm>
+          <a:prstGeom prst="line">
+            <a:avLst/>
+          </a:prstGeom>
+          <a:ln w="38100">
+            <a:solidFill>
+              <a:schemeClr val="accent1">
+                <a:lumMod val="75000"/>
+              </a:schemeClr>
+            </a:solidFill>
+          </a:ln>
+        </p:spPr>
+        <p:style>
+          <a:lnRef idx="1">
+            <a:schemeClr val="accent1"/>
+          </a:lnRef>
+          <a:fillRef idx="0">
+            <a:schemeClr val="accent1"/>
+          </a:fillRef>
+          <a:effectRef idx="0">
+            <a:schemeClr val="accent1"/>
+          </a:effectRef>
+          <a:fontRef idx="minor">
+            <a:schemeClr val="tx1"/>
+          </a:fontRef>
+        </p:style>
+      </p:cxnSp>
+      <p:cxnSp>
+        <p:nvCxnSpPr>
+          <p:cNvPr id="45" name="Straight Connector 44">
+            <a:extLst>
+              <a:ext uri="{FF2B5EF4-FFF2-40B4-BE49-F238E27FC236}">
+                <a16:creationId xmlns:a16="http://schemas.microsoft.com/office/drawing/2014/main" id="{F9459E93-5581-413A-AF5E-948BF10A406A}"/>
+              </a:ext>
+            </a:extLst>
+          </p:cNvPr>
+          <p:cNvCxnSpPr>
+            <a:cxnSpLocks/>
+          </p:cNvCxnSpPr>
+          <p:nvPr/>
+        </p:nvCxnSpPr>
+        <p:spPr>
+          <a:xfrm>
+            <a:off x="8553243" y="5183171"/>
+            <a:ext cx="0" cy="666482"/>
+          </a:xfrm>
+          <a:prstGeom prst="line">
+            <a:avLst/>
+          </a:prstGeom>
+          <a:ln w="38100">
+            <a:solidFill>
+              <a:schemeClr val="accent1">
+                <a:lumMod val="50000"/>
+              </a:schemeClr>
+            </a:solidFill>
+          </a:ln>
+        </p:spPr>
+        <p:style>
+          <a:lnRef idx="1">
+            <a:schemeClr val="accent1"/>
+          </a:lnRef>
+          <a:fillRef idx="0">
+            <a:schemeClr val="accent1"/>
+          </a:fillRef>
+          <a:effectRef idx="0">
+            <a:schemeClr val="accent1"/>
+          </a:effectRef>
+          <a:fontRef idx="minor">
+            <a:schemeClr val="tx1"/>
+          </a:fontRef>
+        </p:style>
+      </p:cxnSp>
+      <p:sp>
+        <p:nvSpPr>
+          <p:cNvPr id="48" name="Rectangle 47">
+            <a:extLst>
+              <a:ext uri="{FF2B5EF4-FFF2-40B4-BE49-F238E27FC236}">
+                <a16:creationId xmlns:a16="http://schemas.microsoft.com/office/drawing/2014/main" id="{966972F3-E3BB-4E53-A8AA-99DE875DB105}"/>
+              </a:ext>
+            </a:extLst>
+          </p:cNvPr>
+          <p:cNvSpPr/>
+          <p:nvPr/>
+        </p:nvSpPr>
+        <p:spPr>
+          <a:xfrm>
+            <a:off x="10241926" y="5324120"/>
+            <a:ext cx="1537121" cy="401598"/>
+          </a:xfrm>
+          <a:prstGeom prst="rect">
+            <a:avLst/>
+          </a:prstGeom>
+          <a:solidFill>
+            <a:schemeClr val="bg1"/>
+          </a:solidFill>
+          <a:ln w="19050">
+            <a:solidFill>
+              <a:schemeClr val="accent1">
+                <a:lumMod val="50000"/>
+              </a:schemeClr>
+            </a:solidFill>
+          </a:ln>
+        </p:spPr>
+        <p:style>
+          <a:lnRef idx="2">
+            <a:schemeClr val="accent1">
+              <a:shade val="50000"/>
+            </a:schemeClr>
+          </a:lnRef>
+          <a:fillRef idx="1">
+            <a:schemeClr val="accent1"/>
+          </a:fillRef>
+          <a:effectRef idx="0">
+            <a:schemeClr val="accent1"/>
+          </a:effectRef>
+          <a:fontRef idx="minor">
+            <a:schemeClr val="lt1"/>
+          </a:fontRef>
+        </p:style>
+        <p:txBody>
+          <a:bodyPr rtlCol="0" anchor="ctr"/>
+          <a:lstStyle/>
+          <a:p>
+            <a:pPr algn="ctr"/>
+            <a:endParaRPr lang="en-CA"/>
+          </a:p>
+        </p:txBody>
+      </p:sp>
+      <p:sp>
+        <p:nvSpPr>
+          <p:cNvPr id="49" name="TextBox 48">
+            <a:extLst>
+              <a:ext uri="{FF2B5EF4-FFF2-40B4-BE49-F238E27FC236}">
+                <a16:creationId xmlns:a16="http://schemas.microsoft.com/office/drawing/2014/main" id="{FC5BC16B-14FA-40B7-9EC2-E2A424CA7201}"/>
+              </a:ext>
+            </a:extLst>
+          </p:cNvPr>
+          <p:cNvSpPr txBox="1"/>
+          <p:nvPr/>
+        </p:nvSpPr>
+        <p:spPr>
+          <a:xfrm>
+            <a:off x="10241926" y="5369656"/>
+            <a:ext cx="1563248" cy="369332"/>
+          </a:xfrm>
+          <a:prstGeom prst="rect">
+            <a:avLst/>
+          </a:prstGeom>
+          <a:noFill/>
+        </p:spPr>
+        <p:txBody>
+          <a:bodyPr wrap="none" rtlCol="0">
+            <a:spAutoFit/>
+          </a:bodyPr>
+          <a:lstStyle/>
+          <a:p>
+            <a:r>
+              <a:rPr lang="pt-BR" dirty="0">
+                <a:latin typeface="Courier New" panose="02070309020205020404" pitchFamily="49" charset="0"/>
+                <a:cs typeface="Courier New" panose="02070309020205020404" pitchFamily="49" charset="0"/>
+              </a:rPr>
+              <a:t>PostgreSQL</a:t>
+            </a:r>
+            <a:endParaRPr lang="en-CA" dirty="0">
+              <a:latin typeface="Courier New" panose="02070309020205020404" pitchFamily="49" charset="0"/>
+              <a:cs typeface="Courier New" panose="02070309020205020404" pitchFamily="49" charset="0"/>
+            </a:endParaRPr>
+          </a:p>
+        </p:txBody>
+      </p:sp>
+      <p:cxnSp>
+        <p:nvCxnSpPr>
+          <p:cNvPr id="50" name="Straight Connector 49">
+            <a:extLst>
+              <a:ext uri="{FF2B5EF4-FFF2-40B4-BE49-F238E27FC236}">
+                <a16:creationId xmlns:a16="http://schemas.microsoft.com/office/drawing/2014/main" id="{0F2B5280-1489-404B-AFBB-485BEE28F6F7}"/>
+              </a:ext>
+            </a:extLst>
+          </p:cNvPr>
+          <p:cNvCxnSpPr>
+            <a:cxnSpLocks/>
+            <a:stCxn id="15" idx="3"/>
+            <a:endCxn id="48" idx="0"/>
+          </p:cNvCxnSpPr>
+          <p:nvPr/>
+        </p:nvCxnSpPr>
+        <p:spPr>
+          <a:xfrm>
+            <a:off x="11010487" y="5181762"/>
+            <a:ext cx="0" cy="142358"/>
+          </a:xfrm>
+          <a:prstGeom prst="line">
+            <a:avLst/>
+          </a:prstGeom>
+          <a:ln w="38100">
+            <a:solidFill>
+              <a:schemeClr val="accent1">
+                <a:lumMod val="50000"/>
+              </a:schemeClr>
+            </a:solidFill>
+          </a:ln>
+        </p:spPr>
+        <p:style>
+          <a:lnRef idx="1">
+            <a:schemeClr val="accent1"/>
+          </a:lnRef>
+          <a:fillRef idx="0">
+            <a:schemeClr val="accent1"/>
+          </a:fillRef>
+          <a:effectRef idx="0">
+            <a:schemeClr val="accent1"/>
+          </a:effectRef>
+          <a:fontRef idx="minor">
+            <a:schemeClr val="tx1"/>
+          </a:fontRef>
+        </p:style>
+      </p:cxnSp>
+      <p:sp>
+        <p:nvSpPr>
+          <p:cNvPr id="54" name="TextBox 53">
+            <a:extLst>
+              <a:ext uri="{FF2B5EF4-FFF2-40B4-BE49-F238E27FC236}">
+                <a16:creationId xmlns:a16="http://schemas.microsoft.com/office/drawing/2014/main" id="{75DC27F1-F7FB-4A04-8470-44A4B90B162A}"/>
+              </a:ext>
+            </a:extLst>
+          </p:cNvPr>
+          <p:cNvSpPr txBox="1"/>
+          <p:nvPr/>
+        </p:nvSpPr>
+        <p:spPr>
+          <a:xfrm>
+            <a:off x="1157768" y="3699899"/>
+            <a:ext cx="377026" cy="369332"/>
+          </a:xfrm>
+          <a:prstGeom prst="rect">
+            <a:avLst/>
+          </a:prstGeom>
+          <a:noFill/>
+        </p:spPr>
+        <p:txBody>
+          <a:bodyPr wrap="none" rtlCol="0">
+            <a:spAutoFit/>
+          </a:bodyPr>
+          <a:lstStyle/>
+          <a:p>
+            <a:r>
+              <a:rPr lang="en-US" dirty="0"/>
+              <a:t>0.</a:t>
+            </a:r>
+            <a:endParaRPr lang="en-CA" dirty="0"/>
+          </a:p>
+        </p:txBody>
+      </p:sp>
+      <p:sp>
+        <p:nvSpPr>
+          <p:cNvPr id="55" name="TextBox 54">
+            <a:extLst>
+              <a:ext uri="{FF2B5EF4-FFF2-40B4-BE49-F238E27FC236}">
+                <a16:creationId xmlns:a16="http://schemas.microsoft.com/office/drawing/2014/main" id="{50EB542A-A509-4542-AA53-F8C9D371727B}"/>
+              </a:ext>
+            </a:extLst>
+          </p:cNvPr>
+          <p:cNvSpPr txBox="1"/>
+          <p:nvPr/>
+        </p:nvSpPr>
+        <p:spPr>
+          <a:xfrm>
+            <a:off x="3568912" y="3699899"/>
+            <a:ext cx="377026" cy="369332"/>
+          </a:xfrm>
+          <a:prstGeom prst="rect">
+            <a:avLst/>
+          </a:prstGeom>
+          <a:noFill/>
+        </p:spPr>
+        <p:txBody>
+          <a:bodyPr wrap="none" rtlCol="0">
+            <a:spAutoFit/>
+          </a:bodyPr>
+          <a:lstStyle/>
+          <a:p>
+            <a:r>
+              <a:rPr lang="en-US" dirty="0"/>
+              <a:t>1.</a:t>
+            </a:r>
+            <a:endParaRPr lang="en-CA" dirty="0"/>
+          </a:p>
+        </p:txBody>
+      </p:sp>
+      <p:sp>
+        <p:nvSpPr>
+          <p:cNvPr id="56" name="TextBox 55">
+            <a:extLst>
+              <a:ext uri="{FF2B5EF4-FFF2-40B4-BE49-F238E27FC236}">
+                <a16:creationId xmlns:a16="http://schemas.microsoft.com/office/drawing/2014/main" id="{18D9B698-FA1E-4C16-A3E4-75B5FDFCF8F6}"/>
+              </a:ext>
+            </a:extLst>
+          </p:cNvPr>
+          <p:cNvSpPr txBox="1"/>
+          <p:nvPr/>
+        </p:nvSpPr>
+        <p:spPr>
+          <a:xfrm>
+            <a:off x="5907487" y="3698115"/>
+            <a:ext cx="377026" cy="369332"/>
+          </a:xfrm>
+          <a:prstGeom prst="rect">
+            <a:avLst/>
+          </a:prstGeom>
+          <a:noFill/>
+        </p:spPr>
+        <p:txBody>
+          <a:bodyPr wrap="none" rtlCol="0">
+            <a:spAutoFit/>
+          </a:bodyPr>
+          <a:lstStyle/>
+          <a:p>
+            <a:r>
+              <a:rPr lang="en-US" dirty="0"/>
+              <a:t>2.</a:t>
+            </a:r>
+            <a:endParaRPr lang="en-CA" dirty="0"/>
+          </a:p>
+        </p:txBody>
+      </p:sp>
+      <p:sp>
+        <p:nvSpPr>
+          <p:cNvPr id="57" name="TextBox 56">
+            <a:extLst>
+              <a:ext uri="{FF2B5EF4-FFF2-40B4-BE49-F238E27FC236}">
+                <a16:creationId xmlns:a16="http://schemas.microsoft.com/office/drawing/2014/main" id="{1C952EF6-A625-4166-9E65-E4626900245A}"/>
+              </a:ext>
+            </a:extLst>
+          </p:cNvPr>
+          <p:cNvSpPr txBox="1"/>
+          <p:nvPr/>
+        </p:nvSpPr>
+        <p:spPr>
+          <a:xfrm>
+            <a:off x="8368084" y="3695852"/>
+            <a:ext cx="377026" cy="369332"/>
+          </a:xfrm>
+          <a:prstGeom prst="rect">
+            <a:avLst/>
+          </a:prstGeom>
+          <a:noFill/>
+        </p:spPr>
+        <p:txBody>
+          <a:bodyPr wrap="none" rtlCol="0">
+            <a:spAutoFit/>
+          </a:bodyPr>
+          <a:lstStyle/>
+          <a:p>
+            <a:r>
+              <a:rPr lang="en-US" dirty="0"/>
+              <a:t>3.</a:t>
+            </a:r>
+            <a:endParaRPr lang="en-CA" dirty="0"/>
+          </a:p>
+        </p:txBody>
+      </p:sp>
+      <p:sp>
+        <p:nvSpPr>
+          <p:cNvPr id="58" name="TextBox 57">
+            <a:extLst>
+              <a:ext uri="{FF2B5EF4-FFF2-40B4-BE49-F238E27FC236}">
+                <a16:creationId xmlns:a16="http://schemas.microsoft.com/office/drawing/2014/main" id="{23AB9617-51CE-4EF9-BC2E-4281B191FAF0}"/>
+              </a:ext>
+            </a:extLst>
+          </p:cNvPr>
+          <p:cNvSpPr txBox="1"/>
+          <p:nvPr/>
+        </p:nvSpPr>
+        <p:spPr>
+          <a:xfrm>
+            <a:off x="10719620" y="3686629"/>
+            <a:ext cx="607859" cy="369332"/>
+          </a:xfrm>
+          <a:prstGeom prst="rect">
+            <a:avLst/>
+          </a:prstGeom>
+          <a:noFill/>
+        </p:spPr>
+        <p:txBody>
+          <a:bodyPr wrap="none" rtlCol="0">
+            <a:spAutoFit/>
+          </a:bodyPr>
+          <a:lstStyle/>
+          <a:p>
+            <a:r>
+              <a:rPr lang="en-US" dirty="0"/>
+              <a:t>final</a:t>
+            </a:r>
+            <a:endParaRPr lang="en-CA" dirty="0"/>
+          </a:p>
+        </p:txBody>
+      </p:sp>
+      <p:cxnSp>
+        <p:nvCxnSpPr>
+          <p:cNvPr id="59" name="Straight Connector 58">
+            <a:extLst>
+              <a:ext uri="{FF2B5EF4-FFF2-40B4-BE49-F238E27FC236}">
+                <a16:creationId xmlns:a16="http://schemas.microsoft.com/office/drawing/2014/main" id="{89B3EAD4-D0D4-436D-9AFB-A560F56815EB}"/>
+              </a:ext>
+            </a:extLst>
+          </p:cNvPr>
+          <p:cNvCxnSpPr>
+            <a:cxnSpLocks/>
+          </p:cNvCxnSpPr>
+          <p:nvPr/>
+        </p:nvCxnSpPr>
+        <p:spPr>
+          <a:xfrm>
+            <a:off x="9707129" y="3621717"/>
+            <a:ext cx="0" cy="666482"/>
+          </a:xfrm>
+          <a:prstGeom prst="line">
+            <a:avLst/>
+          </a:prstGeom>
+          <a:ln w="38100">
+            <a:solidFill>
+              <a:srgbClr val="FF0000"/>
+            </a:solidFill>
+          </a:ln>
+        </p:spPr>
+        <p:style>
+          <a:lnRef idx="1">
+            <a:schemeClr val="accent1"/>
+          </a:lnRef>
+          <a:fillRef idx="0">
+            <a:schemeClr val="accent1"/>
+          </a:fillRef>
+          <a:effectRef idx="0">
+            <a:schemeClr val="accent1"/>
+          </a:effectRef>
+          <a:fontRef idx="minor">
+            <a:schemeClr val="tx1"/>
+          </a:fontRef>
+        </p:style>
+      </p:cxnSp>
+      <p:sp>
+        <p:nvSpPr>
+          <p:cNvPr id="60" name="TextBox 59">
+            <a:extLst>
+              <a:ext uri="{FF2B5EF4-FFF2-40B4-BE49-F238E27FC236}">
+                <a16:creationId xmlns:a16="http://schemas.microsoft.com/office/drawing/2014/main" id="{5F968606-09B1-4A11-8422-BC4013EDD999}"/>
+              </a:ext>
+            </a:extLst>
+          </p:cNvPr>
+          <p:cNvSpPr txBox="1"/>
+          <p:nvPr/>
+        </p:nvSpPr>
+        <p:spPr>
+          <a:xfrm>
+            <a:off x="54902" y="5978869"/>
+            <a:ext cx="1479892" cy="646331"/>
+          </a:xfrm>
+          <a:prstGeom prst="rect">
+            <a:avLst/>
+          </a:prstGeom>
+          <a:noFill/>
+        </p:spPr>
+        <p:txBody>
+          <a:bodyPr wrap="none" rtlCol="0">
+            <a:spAutoFit/>
+          </a:bodyPr>
+          <a:lstStyle/>
+          <a:p>
+            <a:r>
+              <a:rPr lang="en-US" dirty="0"/>
+              <a:t>Folder:</a:t>
+            </a:r>
+          </a:p>
+          <a:p>
+            <a:r>
+              <a:rPr lang="en-US" dirty="0"/>
+              <a:t>data/teranet/</a:t>
+            </a:r>
+            <a:endParaRPr lang="en-CA" dirty="0"/>
+          </a:p>
+        </p:txBody>
+      </p:sp>
+      <p:sp>
+        <p:nvSpPr>
+          <p:cNvPr id="62" name="Rectangle 61">
+            <a:extLst>
+              <a:ext uri="{FF2B5EF4-FFF2-40B4-BE49-F238E27FC236}">
+                <a16:creationId xmlns:a16="http://schemas.microsoft.com/office/drawing/2014/main" id="{B0DCFE30-CAA3-4C69-A0BC-3787D057CA58}"/>
+              </a:ext>
+            </a:extLst>
+          </p:cNvPr>
+          <p:cNvSpPr/>
+          <p:nvPr/>
+        </p:nvSpPr>
+        <p:spPr>
+          <a:xfrm>
+            <a:off x="8553243" y="3011352"/>
+            <a:ext cx="2457244" cy="626209"/>
+          </a:xfrm>
+          <a:prstGeom prst="rect">
+            <a:avLst/>
+          </a:prstGeom>
+          <a:solidFill>
+            <a:schemeClr val="bg1"/>
+          </a:solidFill>
+          <a:ln w="19050">
+            <a:solidFill>
+              <a:schemeClr val="accent1">
+                <a:lumMod val="50000"/>
+              </a:schemeClr>
+            </a:solidFill>
+          </a:ln>
+        </p:spPr>
+        <p:style>
+          <a:lnRef idx="2">
+            <a:schemeClr val="accent1">
+              <a:shade val="50000"/>
+            </a:schemeClr>
+          </a:lnRef>
+          <a:fillRef idx="1">
+            <a:schemeClr val="accent1"/>
+          </a:fillRef>
+          <a:effectRef idx="0">
+            <a:schemeClr val="accent1"/>
+          </a:effectRef>
+          <a:fontRef idx="minor">
+            <a:schemeClr val="lt1"/>
+          </a:fontRef>
+        </p:style>
+        <p:txBody>
+          <a:bodyPr rtlCol="0" anchor="ctr"/>
+          <a:lstStyle/>
+          <a:p>
+            <a:pPr algn="ctr"/>
+            <a:r>
+              <a:rPr lang="en-US" dirty="0">
+                <a:solidFill>
+                  <a:schemeClr val="tx1"/>
+                </a:solidFill>
+              </a:rPr>
+              <a:t>Remove duplicates</a:t>
+            </a:r>
+          </a:p>
+          <a:p>
+            <a:pPr algn="ctr"/>
+            <a:r>
+              <a:rPr lang="en-US" i="1" dirty="0">
+                <a:solidFill>
+                  <a:schemeClr val="tx1"/>
+                </a:solidFill>
+              </a:rPr>
+              <a:t>(pending)</a:t>
+            </a:r>
+            <a:endParaRPr lang="en-CA" i="1" dirty="0">
+              <a:solidFill>
+                <a:schemeClr val="tx1"/>
+              </a:solidFill>
+            </a:endParaRPr>
+          </a:p>
+        </p:txBody>
+      </p:sp>
+    </p:spTree>
+    <p:extLst>
+      <p:ext uri="{BB962C8B-B14F-4D97-AF65-F5344CB8AC3E}">
+        <p14:creationId xmlns:p14="http://schemas.microsoft.com/office/powerpoint/2010/main" val="3936271085"/>
+      </p:ext>
+    </p:extLst>
+  </p:cSld>
+  <p:clrMapOvr>
+    <a:masterClrMapping/>
+  </p:clrMapOvr>
+</p:sld>
+</file>
+
+<file path=ppt/slides/slide9.xml><?xml version="1.0" encoding="utf-8"?>
+<p:sld xmlns:a="http://schemas.openxmlformats.org/drawingml/2006/main" xmlns:r="http://schemas.openxmlformats.org/officeDocument/2006/relationships" xmlns:p="http://schemas.openxmlformats.org/presentationml/2006/main">
+  <p:cSld>
+    <p:spTree>
+      <p:nvGrpSpPr>
+        <p:cNvPr id="1" name=""/>
+        <p:cNvGrpSpPr/>
+        <p:nvPr/>
+      </p:nvGrpSpPr>
+      <p:grpSpPr>
+        <a:xfrm>
+          <a:off x="0" y="0"/>
+          <a:ext cx="0" cy="0"/>
+          <a:chOff x="0" y="0"/>
+          <a:chExt cx="0" cy="0"/>
+        </a:xfrm>
+      </p:grpSpPr>
+      <p:sp>
+        <p:nvSpPr>
+          <p:cNvPr id="2" name="Title 1">
+            <a:extLst>
+              <a:ext uri="{FF2B5EF4-FFF2-40B4-BE49-F238E27FC236}">
+                <a16:creationId xmlns:a16="http://schemas.microsoft.com/office/drawing/2014/main" id="{DAFCF7DC-84FF-4FE5-8F03-5FB74570F8ED}"/>
+              </a:ext>
+            </a:extLst>
+          </p:cNvPr>
+          <p:cNvSpPr>
+            <a:spLocks noGrp="1"/>
+          </p:cNvSpPr>
+          <p:nvPr>
+            <p:ph type="title"/>
+          </p:nvPr>
+        </p:nvSpPr>
+        <p:spPr>
+          <a:xfrm>
+            <a:off x="270667" y="274638"/>
+            <a:ext cx="11842956" cy="1143000"/>
+          </a:xfrm>
+        </p:spPr>
+        <p:txBody>
+          <a:bodyPr/>
+          <a:lstStyle/>
+          <a:p>
+            <a:r>
+              <a:rPr lang="en-US" dirty="0"/>
+              <a:t>2.1 Data flow: Teranet dataset transformations</a:t>
+            </a:r>
+            <a:endParaRPr lang="en-CA" dirty="0"/>
+          </a:p>
+        </p:txBody>
+      </p:sp>
+      <p:sp>
+        <p:nvSpPr>
+          <p:cNvPr id="6" name="Cylinder 5">
+            <a:extLst>
+              <a:ext uri="{FF2B5EF4-FFF2-40B4-BE49-F238E27FC236}">
+                <a16:creationId xmlns:a16="http://schemas.microsoft.com/office/drawing/2014/main" id="{A1546626-A6F4-44E0-BC0B-87389FD7AC0F}"/>
+              </a:ext>
+            </a:extLst>
+          </p:cNvPr>
+          <p:cNvSpPr/>
+          <p:nvPr/>
+        </p:nvSpPr>
+        <p:spPr>
+          <a:xfrm>
+            <a:off x="5394960" y="3699899"/>
+            <a:ext cx="1402080" cy="1481863"/>
+          </a:xfrm>
+          <a:prstGeom prst="can">
+            <a:avLst/>
+          </a:prstGeom>
+          <a:solidFill>
+            <a:schemeClr val="accent1">
+              <a:lumMod val="75000"/>
+            </a:schemeClr>
+          </a:solidFill>
+        </p:spPr>
+        <p:style>
+          <a:lnRef idx="2">
+            <a:schemeClr val="accent1">
+              <a:shade val="50000"/>
+            </a:schemeClr>
+          </a:lnRef>
+          <a:fillRef idx="1">
+            <a:schemeClr val="accent1"/>
+          </a:fillRef>
+          <a:effectRef idx="0">
+            <a:schemeClr val="accent1"/>
+          </a:effectRef>
+          <a:fontRef idx="minor">
+            <a:schemeClr val="lt1"/>
+          </a:fontRef>
+        </p:style>
+        <p:txBody>
+          <a:bodyPr rtlCol="0" anchor="ctr"/>
+          <a:lstStyle/>
+          <a:p>
+            <a:pPr algn="ctr"/>
+            <a:r>
+              <a:rPr lang="en-US" dirty="0"/>
+              <a:t>Correct</a:t>
+            </a:r>
+          </a:p>
+          <a:p>
+            <a:pPr algn="ctr"/>
+            <a:r>
+              <a:rPr lang="en-US" dirty="0"/>
+              <a:t>for</a:t>
+            </a:r>
+          </a:p>
+          <a:p>
+            <a:pPr algn="ctr"/>
+            <a:r>
+              <a:rPr lang="en-US" dirty="0"/>
+              <a:t>consistency</a:t>
+            </a:r>
+          </a:p>
+        </p:txBody>
+      </p:sp>
+      <p:sp>
+        <p:nvSpPr>
+          <p:cNvPr id="14" name="Cylinder 13">
+            <a:extLst>
+              <a:ext uri="{FF2B5EF4-FFF2-40B4-BE49-F238E27FC236}">
+                <a16:creationId xmlns:a16="http://schemas.microsoft.com/office/drawing/2014/main" id="{45CB5072-5CE5-473A-9F07-BAED1C4D8C0C}"/>
+              </a:ext>
+            </a:extLst>
+          </p:cNvPr>
+          <p:cNvSpPr/>
+          <p:nvPr/>
+        </p:nvSpPr>
+        <p:spPr>
+          <a:xfrm>
+            <a:off x="609600" y="3699899"/>
+            <a:ext cx="1402080" cy="1481863"/>
+          </a:xfrm>
+          <a:prstGeom prst="can">
+            <a:avLst/>
+          </a:prstGeom>
+          <a:solidFill>
+            <a:schemeClr val="accent1">
+              <a:lumMod val="40000"/>
+              <a:lumOff val="60000"/>
+            </a:schemeClr>
+          </a:solidFill>
+        </p:spPr>
+        <p:style>
+          <a:lnRef idx="2">
+            <a:schemeClr val="accent1">
+              <a:shade val="50000"/>
+            </a:schemeClr>
+          </a:lnRef>
+          <a:fillRef idx="1">
+            <a:schemeClr val="accent1"/>
+          </a:fillRef>
+          <a:effectRef idx="0">
+            <a:schemeClr val="accent1"/>
+          </a:effectRef>
+          <a:fontRef idx="minor">
+            <a:schemeClr val="lt1"/>
+          </a:fontRef>
+        </p:style>
+        <p:txBody>
+          <a:bodyPr rtlCol="0" anchor="ctr"/>
+          <a:lstStyle/>
+          <a:p>
+            <a:pPr algn="ctr"/>
+            <a:r>
+              <a:rPr lang="en-US" dirty="0">
+                <a:solidFill>
+                  <a:schemeClr val="tx1"/>
+                </a:solidFill>
+              </a:rPr>
+              <a:t>Raw</a:t>
+            </a:r>
+          </a:p>
+          <a:p>
+            <a:pPr algn="ctr"/>
+            <a:r>
+              <a:rPr lang="en-US" dirty="0">
+                <a:solidFill>
+                  <a:schemeClr val="tx1"/>
+                </a:solidFill>
+              </a:rPr>
+              <a:t>Teranet</a:t>
+            </a:r>
+          </a:p>
+          <a:p>
+            <a:pPr algn="ctr"/>
+            <a:r>
+              <a:rPr lang="en-US" dirty="0">
+                <a:solidFill>
+                  <a:schemeClr val="tx1"/>
+                </a:solidFill>
+              </a:rPr>
+              <a:t>data</a:t>
+            </a:r>
+          </a:p>
+        </p:txBody>
+      </p:sp>
+      <p:sp>
+        <p:nvSpPr>
+          <p:cNvPr id="15" name="Cylinder 14">
+            <a:extLst>
+              <a:ext uri="{FF2B5EF4-FFF2-40B4-BE49-F238E27FC236}">
+                <a16:creationId xmlns:a16="http://schemas.microsoft.com/office/drawing/2014/main" id="{EF71B513-0E28-49DA-AC6F-B5C3889DE2D2}"/>
+              </a:ext>
+            </a:extLst>
+          </p:cNvPr>
+          <p:cNvSpPr/>
+          <p:nvPr/>
+        </p:nvSpPr>
+        <p:spPr>
+          <a:xfrm>
+            <a:off x="10309447" y="3699899"/>
+            <a:ext cx="1402080" cy="1481863"/>
+          </a:xfrm>
+          <a:prstGeom prst="can">
+            <a:avLst/>
+          </a:prstGeom>
+          <a:solidFill>
+            <a:schemeClr val="accent5">
+              <a:lumMod val="25000"/>
+            </a:schemeClr>
+          </a:solidFill>
+        </p:spPr>
+        <p:style>
+          <a:lnRef idx="2">
+            <a:schemeClr val="accent1">
+              <a:shade val="50000"/>
+            </a:schemeClr>
+          </a:lnRef>
+          <a:fillRef idx="1">
+            <a:schemeClr val="accent1"/>
+          </a:fillRef>
+          <a:effectRef idx="0">
+            <a:schemeClr val="accent1"/>
+          </a:effectRef>
+          <a:fontRef idx="minor">
+            <a:schemeClr val="lt1"/>
+          </a:fontRef>
+        </p:style>
+        <p:txBody>
+          <a:bodyPr rtlCol="0" anchor="ctr"/>
+          <a:lstStyle/>
+          <a:p>
+            <a:pPr algn="ctr"/>
+            <a:r>
+              <a:rPr lang="en-US" dirty="0"/>
+              <a:t>Add to the database</a:t>
+            </a:r>
+          </a:p>
+        </p:txBody>
+      </p:sp>
+      <p:sp>
+        <p:nvSpPr>
+          <p:cNvPr id="16" name="Cylinder 15">
+            <a:extLst>
+              <a:ext uri="{FF2B5EF4-FFF2-40B4-BE49-F238E27FC236}">
+                <a16:creationId xmlns:a16="http://schemas.microsoft.com/office/drawing/2014/main" id="{36AFE3BF-9A7B-4C58-A227-B2A3C659C313}"/>
+              </a:ext>
+            </a:extLst>
+          </p:cNvPr>
+          <p:cNvSpPr/>
+          <p:nvPr/>
+        </p:nvSpPr>
+        <p:spPr>
+          <a:xfrm>
+            <a:off x="3002280" y="3699899"/>
+            <a:ext cx="1402080" cy="1481863"/>
+          </a:xfrm>
+          <a:prstGeom prst="can">
+            <a:avLst/>
+          </a:prstGeom>
+          <a:solidFill>
+            <a:srgbClr val="00B0F0"/>
+          </a:solidFill>
+        </p:spPr>
+        <p:style>
+          <a:lnRef idx="2">
+            <a:schemeClr val="accent1">
+              <a:shade val="50000"/>
+            </a:schemeClr>
+          </a:lnRef>
+          <a:fillRef idx="1">
+            <a:schemeClr val="accent1"/>
+          </a:fillRef>
+          <a:effectRef idx="0">
+            <a:schemeClr val="accent1"/>
+          </a:effectRef>
+          <a:fontRef idx="minor">
+            <a:schemeClr val="lt1"/>
+          </a:fontRef>
+        </p:style>
+        <p:txBody>
+          <a:bodyPr rtlCol="0" anchor="ctr"/>
+          <a:lstStyle/>
+          <a:p>
+            <a:pPr algn="ctr"/>
+            <a:r>
+              <a:rPr lang="en-US" dirty="0"/>
+              <a:t>Add foreign</a:t>
+            </a:r>
+          </a:p>
+          <a:p>
+            <a:pPr algn="ctr"/>
+            <a:r>
+              <a:rPr lang="en-US" dirty="0"/>
+              <a:t>keys via spatial joins</a:t>
+            </a:r>
+          </a:p>
+        </p:txBody>
+      </p:sp>
+      <p:sp>
+        <p:nvSpPr>
+          <p:cNvPr id="17" name="Cylinder 16">
+            <a:extLst>
+              <a:ext uri="{FF2B5EF4-FFF2-40B4-BE49-F238E27FC236}">
+                <a16:creationId xmlns:a16="http://schemas.microsoft.com/office/drawing/2014/main" id="{A3B1A2F1-0097-4C02-9B5D-98C3E9D6EA44}"/>
+              </a:ext>
+            </a:extLst>
+          </p:cNvPr>
+          <p:cNvSpPr/>
+          <p:nvPr/>
+        </p:nvSpPr>
+        <p:spPr>
+          <a:xfrm>
+            <a:off x="7852203" y="3699899"/>
+            <a:ext cx="1402080" cy="1481863"/>
+          </a:xfrm>
+          <a:prstGeom prst="can">
+            <a:avLst/>
+          </a:prstGeom>
+          <a:solidFill>
+            <a:schemeClr val="accent1">
+              <a:lumMod val="50000"/>
+            </a:schemeClr>
+          </a:solidFill>
+        </p:spPr>
+        <p:style>
+          <a:lnRef idx="2">
+            <a:schemeClr val="accent1">
+              <a:shade val="50000"/>
+            </a:schemeClr>
+          </a:lnRef>
+          <a:fillRef idx="1">
+            <a:schemeClr val="accent1"/>
+          </a:fillRef>
+          <a:effectRef idx="0">
+            <a:schemeClr val="accent1"/>
+          </a:effectRef>
+          <a:fontRef idx="minor">
+            <a:schemeClr val="lt1"/>
+          </a:fontRef>
+        </p:style>
+        <p:txBody>
+          <a:bodyPr rtlCol="0" anchor="ctr"/>
+          <a:lstStyle/>
+          <a:p>
+            <a:pPr algn="ctr"/>
+            <a:r>
+              <a:rPr lang="en-US" dirty="0"/>
+              <a:t>Add new attributes</a:t>
+            </a:r>
+          </a:p>
+        </p:txBody>
+      </p:sp>
+      <p:sp>
+        <p:nvSpPr>
+          <p:cNvPr id="18" name="Arrow: Striped Right 17">
+            <a:extLst>
+              <a:ext uri="{FF2B5EF4-FFF2-40B4-BE49-F238E27FC236}">
+                <a16:creationId xmlns:a16="http://schemas.microsoft.com/office/drawing/2014/main" id="{CF2156C1-69FA-461E-87CE-6F965C125B15}"/>
+              </a:ext>
+            </a:extLst>
+          </p:cNvPr>
+          <p:cNvSpPr/>
+          <p:nvPr/>
+        </p:nvSpPr>
+        <p:spPr>
+          <a:xfrm>
+            <a:off x="2159726" y="4094278"/>
+            <a:ext cx="713427" cy="693104"/>
+          </a:xfrm>
+          <a:prstGeom prst="stripedRightArrow">
+            <a:avLst/>
+          </a:prstGeom>
+          <a:solidFill>
+            <a:schemeClr val="accent2">
+              <a:lumMod val="20000"/>
+              <a:lumOff val="80000"/>
+            </a:schemeClr>
+          </a:solidFill>
+        </p:spPr>
+        <p:style>
+          <a:lnRef idx="2">
+            <a:schemeClr val="accent1">
+              <a:shade val="50000"/>
+            </a:schemeClr>
+          </a:lnRef>
+          <a:fillRef idx="1">
+            <a:schemeClr val="accent1"/>
+          </a:fillRef>
+          <a:effectRef idx="0">
+            <a:schemeClr val="accent1"/>
+          </a:effectRef>
+          <a:fontRef idx="minor">
+            <a:schemeClr val="lt1"/>
+          </a:fontRef>
+        </p:style>
+        <p:txBody>
+          <a:bodyPr rtlCol="0" anchor="ctr"/>
+          <a:lstStyle/>
+          <a:p>
+            <a:pPr algn="ctr"/>
+            <a:endParaRPr lang="en-CA"/>
+          </a:p>
+        </p:txBody>
+      </p:sp>
+      <p:sp>
+        <p:nvSpPr>
+          <p:cNvPr id="19" name="Arrow: Striped Right 18">
+            <a:extLst>
+              <a:ext uri="{FF2B5EF4-FFF2-40B4-BE49-F238E27FC236}">
+                <a16:creationId xmlns:a16="http://schemas.microsoft.com/office/drawing/2014/main" id="{8B1D20B5-6D82-43CD-B7D4-4213A3805065}"/>
+              </a:ext>
+            </a:extLst>
+          </p:cNvPr>
+          <p:cNvSpPr/>
+          <p:nvPr/>
+        </p:nvSpPr>
+        <p:spPr>
+          <a:xfrm>
+            <a:off x="4533487" y="4094278"/>
+            <a:ext cx="713427" cy="693104"/>
+          </a:xfrm>
+          <a:prstGeom prst="stripedRightArrow">
+            <a:avLst/>
+          </a:prstGeom>
+          <a:solidFill>
+            <a:srgbClr val="FFC000"/>
+          </a:solidFill>
+        </p:spPr>
+        <p:style>
+          <a:lnRef idx="2">
+            <a:schemeClr val="accent1">
+              <a:shade val="50000"/>
+            </a:schemeClr>
+          </a:lnRef>
+          <a:fillRef idx="1">
+            <a:schemeClr val="accent1"/>
+          </a:fillRef>
+          <a:effectRef idx="0">
+            <a:schemeClr val="accent1"/>
+          </a:effectRef>
+          <a:fontRef idx="minor">
+            <a:schemeClr val="lt1"/>
+          </a:fontRef>
+        </p:style>
+        <p:txBody>
+          <a:bodyPr rtlCol="0" anchor="ctr"/>
+          <a:lstStyle/>
+          <a:p>
+            <a:pPr algn="ctr"/>
+            <a:endParaRPr lang="en-CA"/>
+          </a:p>
+        </p:txBody>
+      </p:sp>
+      <p:sp>
+        <p:nvSpPr>
+          <p:cNvPr id="20" name="Arrow: Striped Right 19">
+            <a:extLst>
+              <a:ext uri="{FF2B5EF4-FFF2-40B4-BE49-F238E27FC236}">
+                <a16:creationId xmlns:a16="http://schemas.microsoft.com/office/drawing/2014/main" id="{FE8FC4FE-A991-496F-875F-78E15E03493F}"/>
+              </a:ext>
+            </a:extLst>
+          </p:cNvPr>
+          <p:cNvSpPr/>
+          <p:nvPr/>
+        </p:nvSpPr>
+        <p:spPr>
+          <a:xfrm>
+            <a:off x="6967908" y="4094278"/>
+            <a:ext cx="713427" cy="693104"/>
+          </a:xfrm>
+          <a:prstGeom prst="stripedRightArrow">
+            <a:avLst/>
+          </a:prstGeom>
+          <a:solidFill>
+            <a:srgbClr val="CA7A78"/>
+          </a:solidFill>
+        </p:spPr>
+        <p:style>
+          <a:lnRef idx="2">
+            <a:schemeClr val="accent1">
+              <a:shade val="50000"/>
+            </a:schemeClr>
+          </a:lnRef>
+          <a:fillRef idx="1">
+            <a:schemeClr val="accent1"/>
+          </a:fillRef>
+          <a:effectRef idx="0">
+            <a:schemeClr val="accent1"/>
+          </a:effectRef>
+          <a:fontRef idx="minor">
+            <a:schemeClr val="lt1"/>
+          </a:fontRef>
+        </p:style>
+        <p:txBody>
+          <a:bodyPr rtlCol="0" anchor="ctr"/>
+          <a:lstStyle/>
+          <a:p>
+            <a:pPr algn="ctr"/>
+            <a:endParaRPr lang="en-CA"/>
+          </a:p>
+        </p:txBody>
+      </p:sp>
+      <p:sp>
+        <p:nvSpPr>
+          <p:cNvPr id="21" name="Arrow: Striped Right 20">
+            <a:extLst>
+              <a:ext uri="{FF2B5EF4-FFF2-40B4-BE49-F238E27FC236}">
+                <a16:creationId xmlns:a16="http://schemas.microsoft.com/office/drawing/2014/main" id="{611B0BA4-B33E-424D-B691-E446CCCFCF60}"/>
+              </a:ext>
+            </a:extLst>
+          </p:cNvPr>
+          <p:cNvSpPr/>
+          <p:nvPr/>
+        </p:nvSpPr>
+        <p:spPr>
+          <a:xfrm>
+            <a:off x="9425151" y="4094278"/>
+            <a:ext cx="713427" cy="693104"/>
+          </a:xfrm>
+          <a:prstGeom prst="stripedRightArrow">
+            <a:avLst/>
+          </a:prstGeom>
+          <a:solidFill>
+            <a:schemeClr val="accent2">
+              <a:lumMod val="75000"/>
+            </a:schemeClr>
+          </a:solidFill>
+        </p:spPr>
+        <p:style>
+          <a:lnRef idx="2">
+            <a:schemeClr val="accent1">
+              <a:shade val="50000"/>
+            </a:schemeClr>
+          </a:lnRef>
+          <a:fillRef idx="1">
+            <a:schemeClr val="accent1"/>
+          </a:fillRef>
+          <a:effectRef idx="0">
+            <a:schemeClr val="accent1"/>
+          </a:effectRef>
+          <a:fontRef idx="minor">
+            <a:schemeClr val="lt1"/>
+          </a:fontRef>
+        </p:style>
+        <p:txBody>
+          <a:bodyPr rtlCol="0" anchor="ctr"/>
+          <a:lstStyle/>
+          <a:p>
+            <a:pPr algn="ctr"/>
+            <a:endParaRPr lang="en-CA"/>
+          </a:p>
+        </p:txBody>
+      </p:sp>
+      <p:sp>
+        <p:nvSpPr>
+          <p:cNvPr id="32" name="Rectangle 31">
+            <a:extLst>
+              <a:ext uri="{FF2B5EF4-FFF2-40B4-BE49-F238E27FC236}">
+                <a16:creationId xmlns:a16="http://schemas.microsoft.com/office/drawing/2014/main" id="{A094B97E-36EF-4230-9D9E-4FB8B668E026}"/>
+              </a:ext>
+            </a:extLst>
+          </p:cNvPr>
+          <p:cNvSpPr/>
+          <p:nvPr/>
+        </p:nvSpPr>
+        <p:spPr>
+          <a:xfrm>
+            <a:off x="1481086" y="5838646"/>
+            <a:ext cx="4175653" cy="776982"/>
+          </a:xfrm>
+          <a:prstGeom prst="rect">
+            <a:avLst/>
+          </a:prstGeom>
+          <a:solidFill>
+            <a:schemeClr val="bg1"/>
+          </a:solidFill>
+          <a:ln w="19050">
+            <a:solidFill>
+              <a:srgbClr val="00B0F0"/>
+            </a:solidFill>
+          </a:ln>
+        </p:spPr>
+        <p:style>
+          <a:lnRef idx="2">
+            <a:schemeClr val="accent1">
+              <a:shade val="50000"/>
+            </a:schemeClr>
+          </a:lnRef>
+          <a:fillRef idx="1">
+            <a:schemeClr val="accent1"/>
+          </a:fillRef>
+          <a:effectRef idx="0">
+            <a:schemeClr val="accent1"/>
+          </a:effectRef>
+          <a:fontRef idx="minor">
+            <a:schemeClr val="lt1"/>
+          </a:fontRef>
+        </p:style>
+        <p:txBody>
+          <a:bodyPr rtlCol="0" anchor="ctr"/>
+          <a:lstStyle/>
+          <a:p>
+            <a:pPr algn="ctr"/>
+            <a:endParaRPr lang="en-CA"/>
+          </a:p>
+        </p:txBody>
+      </p:sp>
+      <p:sp>
+        <p:nvSpPr>
+          <p:cNvPr id="31" name="Rectangle 30">
+            <a:extLst>
+              <a:ext uri="{FF2B5EF4-FFF2-40B4-BE49-F238E27FC236}">
+                <a16:creationId xmlns:a16="http://schemas.microsoft.com/office/drawing/2014/main" id="{FF175F48-5ECC-4D30-9F25-618B6FFD1836}"/>
+              </a:ext>
+            </a:extLst>
+          </p:cNvPr>
+          <p:cNvSpPr/>
+          <p:nvPr/>
+        </p:nvSpPr>
+        <p:spPr>
+          <a:xfrm>
+            <a:off x="270666" y="5444266"/>
+            <a:ext cx="2528256" cy="369332"/>
+          </a:xfrm>
+          <a:prstGeom prst="rect">
+            <a:avLst/>
+          </a:prstGeom>
+          <a:solidFill>
+            <a:schemeClr val="bg1"/>
+          </a:solidFill>
+          <a:ln w="19050">
+            <a:solidFill>
+              <a:schemeClr val="accent1">
+                <a:lumMod val="40000"/>
+                <a:lumOff val="60000"/>
+              </a:schemeClr>
+            </a:solidFill>
+          </a:ln>
+        </p:spPr>
+        <p:style>
+          <a:lnRef idx="2">
+            <a:schemeClr val="accent1">
+              <a:shade val="50000"/>
+            </a:schemeClr>
+          </a:lnRef>
+          <a:fillRef idx="1">
+            <a:schemeClr val="accent1"/>
+          </a:fillRef>
+          <a:effectRef idx="0">
+            <a:schemeClr val="accent1"/>
+          </a:effectRef>
+          <a:fontRef idx="minor">
+            <a:schemeClr val="lt1"/>
+          </a:fontRef>
+        </p:style>
+        <p:txBody>
+          <a:bodyPr rtlCol="0" anchor="ctr"/>
+          <a:lstStyle/>
+          <a:p>
+            <a:pPr algn="ctr"/>
+            <a:endParaRPr lang="en-CA"/>
+          </a:p>
+        </p:txBody>
+      </p:sp>
+      <p:sp>
+        <p:nvSpPr>
+          <p:cNvPr id="22" name="TextBox 21">
+            <a:extLst>
+              <a:ext uri="{FF2B5EF4-FFF2-40B4-BE49-F238E27FC236}">
+                <a16:creationId xmlns:a16="http://schemas.microsoft.com/office/drawing/2014/main" id="{75520E96-6BBE-45C5-A6E4-D1B9F8C2D4E1}"/>
+              </a:ext>
+            </a:extLst>
+          </p:cNvPr>
+          <p:cNvSpPr txBox="1"/>
+          <p:nvPr/>
+        </p:nvSpPr>
+        <p:spPr>
+          <a:xfrm>
+            <a:off x="270666" y="5444266"/>
+            <a:ext cx="2528256" cy="369332"/>
+          </a:xfrm>
+          <a:prstGeom prst="rect">
+            <a:avLst/>
+          </a:prstGeom>
+          <a:noFill/>
+        </p:spPr>
+        <p:txBody>
+          <a:bodyPr wrap="none" rtlCol="0">
+            <a:spAutoFit/>
+          </a:bodyPr>
+          <a:lstStyle/>
+          <a:p>
+            <a:r>
+              <a:rPr lang="en-CA" dirty="0">
+                <a:latin typeface="Courier New" panose="02070309020205020404" pitchFamily="49" charset="0"/>
+                <a:cs typeface="Courier New" panose="02070309020205020404" pitchFamily="49" charset="0"/>
+              </a:rPr>
+              <a:t>HHSaleHistory.csv</a:t>
+            </a:r>
+          </a:p>
+        </p:txBody>
+      </p:sp>
+      <p:sp>
+        <p:nvSpPr>
+          <p:cNvPr id="36" name="Rectangle 35">
+            <a:extLst>
+              <a:ext uri="{FF2B5EF4-FFF2-40B4-BE49-F238E27FC236}">
+                <a16:creationId xmlns:a16="http://schemas.microsoft.com/office/drawing/2014/main" id="{C1F454C3-F85C-4CC2-A7FE-FC2DA26F1ED0}"/>
+              </a:ext>
+            </a:extLst>
+          </p:cNvPr>
+          <p:cNvSpPr/>
+          <p:nvPr/>
+        </p:nvSpPr>
+        <p:spPr>
+          <a:xfrm>
+            <a:off x="4349368" y="5404782"/>
+            <a:ext cx="3493264" cy="401598"/>
+          </a:xfrm>
+          <a:prstGeom prst="rect">
+            <a:avLst/>
+          </a:prstGeom>
+          <a:solidFill>
+            <a:schemeClr val="bg1"/>
+          </a:solidFill>
+          <a:ln w="19050">
+            <a:solidFill>
+              <a:schemeClr val="accent1">
+                <a:lumMod val="75000"/>
+              </a:schemeClr>
+            </a:solidFill>
+          </a:ln>
+        </p:spPr>
+        <p:style>
+          <a:lnRef idx="2">
+            <a:schemeClr val="accent1">
+              <a:shade val="50000"/>
+            </a:schemeClr>
+          </a:lnRef>
+          <a:fillRef idx="1">
+            <a:schemeClr val="accent1"/>
+          </a:fillRef>
+          <a:effectRef idx="0">
+            <a:schemeClr val="accent1"/>
+          </a:effectRef>
+          <a:fontRef idx="minor">
+            <a:schemeClr val="lt1"/>
+          </a:fontRef>
+        </p:style>
+        <p:txBody>
+          <a:bodyPr rtlCol="0" anchor="ctr"/>
+          <a:lstStyle/>
+          <a:p>
+            <a:pPr algn="ctr"/>
+            <a:endParaRPr lang="en-CA"/>
+          </a:p>
+        </p:txBody>
+      </p:sp>
+      <p:sp>
+        <p:nvSpPr>
+          <p:cNvPr id="24" name="TextBox 23">
+            <a:extLst>
+              <a:ext uri="{FF2B5EF4-FFF2-40B4-BE49-F238E27FC236}">
+                <a16:creationId xmlns:a16="http://schemas.microsoft.com/office/drawing/2014/main" id="{10418F12-3AF0-422E-8B24-CBACD7E68A7F}"/>
+              </a:ext>
+            </a:extLst>
+          </p:cNvPr>
+          <p:cNvSpPr txBox="1"/>
+          <p:nvPr/>
+        </p:nvSpPr>
+        <p:spPr>
+          <a:xfrm>
+            <a:off x="1534794" y="5844698"/>
+            <a:ext cx="3355406" cy="369332"/>
+          </a:xfrm>
+          <a:prstGeom prst="rect">
+            <a:avLst/>
+          </a:prstGeom>
+          <a:noFill/>
+        </p:spPr>
+        <p:txBody>
+          <a:bodyPr wrap="none" rtlCol="0">
+            <a:spAutoFit/>
+          </a:bodyPr>
+          <a:lstStyle/>
+          <a:p>
+            <a:r>
+              <a:rPr lang="en-CA" dirty="0">
+                <a:latin typeface="Courier New" panose="02070309020205020404" pitchFamily="49" charset="0"/>
+                <a:cs typeface="Courier New" panose="02070309020205020404" pitchFamily="49" charset="0"/>
+              </a:rPr>
+              <a:t>1.1_Teranet_DA_cols.csv</a:t>
+            </a:r>
+          </a:p>
+        </p:txBody>
+      </p:sp>
+      <p:sp>
+        <p:nvSpPr>
+          <p:cNvPr id="37" name="Rectangle 36">
+            <a:extLst>
+              <a:ext uri="{FF2B5EF4-FFF2-40B4-BE49-F238E27FC236}">
+                <a16:creationId xmlns:a16="http://schemas.microsoft.com/office/drawing/2014/main" id="{03340F19-C807-4AFF-B3DC-5009ABC202EF}"/>
+              </a:ext>
+            </a:extLst>
+          </p:cNvPr>
+          <p:cNvSpPr/>
+          <p:nvPr/>
+        </p:nvSpPr>
+        <p:spPr>
+          <a:xfrm>
+            <a:off x="6834834" y="5851916"/>
+            <a:ext cx="4175653" cy="776982"/>
+          </a:xfrm>
+          <a:prstGeom prst="rect">
+            <a:avLst/>
+          </a:prstGeom>
+          <a:solidFill>
+            <a:schemeClr val="bg1"/>
+          </a:solidFill>
+          <a:ln w="19050">
+            <a:solidFill>
+              <a:schemeClr val="accent1">
+                <a:lumMod val="50000"/>
+              </a:schemeClr>
+            </a:solidFill>
+          </a:ln>
+        </p:spPr>
+        <p:style>
+          <a:lnRef idx="2">
+            <a:schemeClr val="accent1">
+              <a:shade val="50000"/>
+            </a:schemeClr>
+          </a:lnRef>
+          <a:fillRef idx="1">
+            <a:schemeClr val="accent1"/>
+          </a:fillRef>
+          <a:effectRef idx="0">
+            <a:schemeClr val="accent1"/>
+          </a:effectRef>
+          <a:fontRef idx="minor">
+            <a:schemeClr val="lt1"/>
+          </a:fontRef>
+        </p:style>
+        <p:txBody>
+          <a:bodyPr rtlCol="0" anchor="ctr"/>
+          <a:lstStyle/>
+          <a:p>
+            <a:pPr algn="ctr"/>
+            <a:endParaRPr lang="en-CA"/>
+          </a:p>
+        </p:txBody>
+      </p:sp>
+      <p:sp>
+        <p:nvSpPr>
+          <p:cNvPr id="26" name="TextBox 25">
+            <a:extLst>
+              <a:ext uri="{FF2B5EF4-FFF2-40B4-BE49-F238E27FC236}">
+                <a16:creationId xmlns:a16="http://schemas.microsoft.com/office/drawing/2014/main" id="{CCDD3391-A104-415C-BF40-C41CA25A4909}"/>
+              </a:ext>
+            </a:extLst>
+          </p:cNvPr>
+          <p:cNvSpPr txBox="1"/>
+          <p:nvPr/>
+        </p:nvSpPr>
+        <p:spPr>
+          <a:xfrm>
+            <a:off x="1749900" y="6214030"/>
+            <a:ext cx="3906839" cy="369332"/>
+          </a:xfrm>
+          <a:prstGeom prst="rect">
+            <a:avLst/>
+          </a:prstGeom>
+          <a:noFill/>
+        </p:spPr>
+        <p:txBody>
+          <a:bodyPr wrap="none" rtlCol="0">
+            <a:spAutoFit/>
+          </a:bodyPr>
+          <a:lstStyle/>
+          <a:p>
+            <a:r>
+              <a:rPr lang="pt-BR" dirty="0">
+                <a:latin typeface="Courier New" panose="02070309020205020404" pitchFamily="49" charset="0"/>
+                <a:cs typeface="Courier New" panose="02070309020205020404" pitchFamily="49" charset="0"/>
+              </a:rPr>
+              <a:t>1.2_Teranet_DA_TAZ_cols.csv</a:t>
+            </a:r>
+            <a:endParaRPr lang="en-CA" dirty="0">
+              <a:latin typeface="Courier New" panose="02070309020205020404" pitchFamily="49" charset="0"/>
+              <a:cs typeface="Courier New" panose="02070309020205020404" pitchFamily="49" charset="0"/>
+            </a:endParaRPr>
+          </a:p>
+        </p:txBody>
+      </p:sp>
+      <p:sp>
+        <p:nvSpPr>
+          <p:cNvPr id="27" name="TextBox 26">
+            <a:extLst>
+              <a:ext uri="{FF2B5EF4-FFF2-40B4-BE49-F238E27FC236}">
+                <a16:creationId xmlns:a16="http://schemas.microsoft.com/office/drawing/2014/main" id="{EC6B2BE6-7E58-4CB7-A324-C0567222DA1E}"/>
+              </a:ext>
+            </a:extLst>
+          </p:cNvPr>
+          <p:cNvSpPr txBox="1"/>
+          <p:nvPr/>
+        </p:nvSpPr>
+        <p:spPr>
+          <a:xfrm>
+            <a:off x="4349368" y="5450318"/>
+            <a:ext cx="3493264" cy="369332"/>
+          </a:xfrm>
+          <a:prstGeom prst="rect">
+            <a:avLst/>
+          </a:prstGeom>
+          <a:noFill/>
+        </p:spPr>
+        <p:txBody>
+          <a:bodyPr wrap="none" rtlCol="0">
+            <a:spAutoFit/>
+          </a:bodyPr>
+          <a:lstStyle/>
+          <a:p>
+            <a:r>
+              <a:rPr lang="pt-BR" dirty="0">
+                <a:latin typeface="Courier New" panose="02070309020205020404" pitchFamily="49" charset="0"/>
+                <a:cs typeface="Courier New" panose="02070309020205020404" pitchFamily="49" charset="0"/>
+              </a:rPr>
+              <a:t>2_Teranet_consistent.csv</a:t>
+            </a:r>
+            <a:endParaRPr lang="en-CA" dirty="0">
+              <a:latin typeface="Courier New" panose="02070309020205020404" pitchFamily="49" charset="0"/>
+              <a:cs typeface="Courier New" panose="02070309020205020404" pitchFamily="49" charset="0"/>
+            </a:endParaRPr>
+          </a:p>
+        </p:txBody>
+      </p:sp>
+      <p:sp>
+        <p:nvSpPr>
+          <p:cNvPr id="29" name="TextBox 28">
+            <a:extLst>
+              <a:ext uri="{FF2B5EF4-FFF2-40B4-BE49-F238E27FC236}">
+                <a16:creationId xmlns:a16="http://schemas.microsoft.com/office/drawing/2014/main" id="{8117392E-1F38-4495-AC53-A2AE5E8F303C}"/>
+              </a:ext>
+            </a:extLst>
+          </p:cNvPr>
+          <p:cNvSpPr txBox="1"/>
+          <p:nvPr/>
+        </p:nvSpPr>
+        <p:spPr>
+          <a:xfrm>
+            <a:off x="6797040" y="5849653"/>
+            <a:ext cx="3217547" cy="369332"/>
+          </a:xfrm>
+          <a:prstGeom prst="rect">
+            <a:avLst/>
+          </a:prstGeom>
+          <a:noFill/>
+        </p:spPr>
+        <p:txBody>
+          <a:bodyPr wrap="none" rtlCol="0">
+            <a:spAutoFit/>
+          </a:bodyPr>
+          <a:lstStyle/>
+          <a:p>
+            <a:r>
+              <a:rPr lang="pt-BR" dirty="0">
+                <a:latin typeface="Courier New" panose="02070309020205020404" pitchFamily="49" charset="0"/>
+                <a:cs typeface="Courier New" panose="02070309020205020404" pitchFamily="49" charset="0"/>
+              </a:rPr>
+              <a:t>3_Teranet_new_cols.csv</a:t>
+            </a:r>
+            <a:endParaRPr lang="en-CA" dirty="0">
+              <a:latin typeface="Courier New" panose="02070309020205020404" pitchFamily="49" charset="0"/>
+              <a:cs typeface="Courier New" panose="02070309020205020404" pitchFamily="49" charset="0"/>
+            </a:endParaRPr>
+          </a:p>
+        </p:txBody>
+      </p:sp>
+      <p:sp>
+        <p:nvSpPr>
+          <p:cNvPr id="30" name="TextBox 29">
+            <a:extLst>
+              <a:ext uri="{FF2B5EF4-FFF2-40B4-BE49-F238E27FC236}">
+                <a16:creationId xmlns:a16="http://schemas.microsoft.com/office/drawing/2014/main" id="{A8A9DBF0-7BCD-47B3-92A1-AB1779EAC272}"/>
+              </a:ext>
+            </a:extLst>
+          </p:cNvPr>
+          <p:cNvSpPr txBox="1"/>
+          <p:nvPr/>
+        </p:nvSpPr>
+        <p:spPr>
+          <a:xfrm>
+            <a:off x="6965790" y="6214030"/>
+            <a:ext cx="4044697" cy="369332"/>
+          </a:xfrm>
+          <a:prstGeom prst="rect">
+            <a:avLst/>
+          </a:prstGeom>
+          <a:noFill/>
+        </p:spPr>
+        <p:txBody>
+          <a:bodyPr wrap="none" rtlCol="0">
+            <a:spAutoFit/>
+          </a:bodyPr>
+          <a:lstStyle/>
+          <a:p>
+            <a:r>
+              <a:rPr lang="nn-NO" dirty="0">
+                <a:latin typeface="Courier New" panose="02070309020205020404" pitchFamily="49" charset="0"/>
+                <a:cs typeface="Courier New" panose="02070309020205020404" pitchFamily="49" charset="0"/>
+              </a:rPr>
+              <a:t>3_Teranet_nonan_new_cols.csv</a:t>
+            </a:r>
+            <a:endParaRPr lang="en-CA" dirty="0">
+              <a:latin typeface="Courier New" panose="02070309020205020404" pitchFamily="49" charset="0"/>
+              <a:cs typeface="Courier New" panose="02070309020205020404" pitchFamily="49" charset="0"/>
+            </a:endParaRPr>
+          </a:p>
+        </p:txBody>
+      </p:sp>
+      <p:cxnSp>
+        <p:nvCxnSpPr>
+          <p:cNvPr id="39" name="Straight Connector 38">
+            <a:extLst>
+              <a:ext uri="{FF2B5EF4-FFF2-40B4-BE49-F238E27FC236}">
+                <a16:creationId xmlns:a16="http://schemas.microsoft.com/office/drawing/2014/main" id="{80234B28-9D29-494F-8E99-501CB7FC2A1E}"/>
+              </a:ext>
+            </a:extLst>
+          </p:cNvPr>
+          <p:cNvCxnSpPr>
+            <a:stCxn id="14" idx="3"/>
+          </p:cNvCxnSpPr>
+          <p:nvPr/>
+        </p:nvCxnSpPr>
+        <p:spPr>
+          <a:xfrm>
+            <a:off x="1310640" y="5181762"/>
+            <a:ext cx="0" cy="262504"/>
+          </a:xfrm>
+          <a:prstGeom prst="line">
+            <a:avLst/>
+          </a:prstGeom>
+          <a:ln w="38100">
+            <a:solidFill>
+              <a:schemeClr val="accent1">
+                <a:lumMod val="60000"/>
+                <a:lumOff val="40000"/>
+              </a:schemeClr>
+            </a:solidFill>
+          </a:ln>
+        </p:spPr>
+        <p:style>
+          <a:lnRef idx="1">
+            <a:schemeClr val="accent1"/>
+          </a:lnRef>
+          <a:fillRef idx="0">
+            <a:schemeClr val="accent1"/>
+          </a:fillRef>
+          <a:effectRef idx="0">
+            <a:schemeClr val="accent1"/>
+          </a:effectRef>
+          <a:fontRef idx="minor">
+            <a:schemeClr val="tx1"/>
+          </a:fontRef>
+        </p:style>
+      </p:cxnSp>
+      <p:cxnSp>
+        <p:nvCxnSpPr>
+          <p:cNvPr id="40" name="Straight Connector 39">
+            <a:extLst>
+              <a:ext uri="{FF2B5EF4-FFF2-40B4-BE49-F238E27FC236}">
+                <a16:creationId xmlns:a16="http://schemas.microsoft.com/office/drawing/2014/main" id="{B3D3A7A7-7BA0-47A3-84EE-E49CBDD9A837}"/>
+              </a:ext>
+            </a:extLst>
+          </p:cNvPr>
+          <p:cNvCxnSpPr>
+            <a:cxnSpLocks/>
+          </p:cNvCxnSpPr>
+          <p:nvPr/>
+        </p:nvCxnSpPr>
+        <p:spPr>
+          <a:xfrm flipH="1">
+            <a:off x="3703319" y="5181762"/>
+            <a:ext cx="8709" cy="667891"/>
+          </a:xfrm>
+          <a:prstGeom prst="line">
+            <a:avLst/>
+          </a:prstGeom>
+          <a:ln w="38100">
+            <a:solidFill>
+              <a:srgbClr val="00B0F0"/>
+            </a:solidFill>
+          </a:ln>
+        </p:spPr>
+        <p:style>
+          <a:lnRef idx="1">
+            <a:schemeClr val="accent1"/>
+          </a:lnRef>
+          <a:fillRef idx="0">
+            <a:schemeClr val="accent1"/>
+          </a:fillRef>
+          <a:effectRef idx="0">
+            <a:schemeClr val="accent1"/>
+          </a:effectRef>
+          <a:fontRef idx="minor">
+            <a:schemeClr val="tx1"/>
+          </a:fontRef>
+        </p:style>
+      </p:cxnSp>
+      <p:cxnSp>
+        <p:nvCxnSpPr>
+          <p:cNvPr id="43" name="Straight Connector 42">
+            <a:extLst>
+              <a:ext uri="{FF2B5EF4-FFF2-40B4-BE49-F238E27FC236}">
+                <a16:creationId xmlns:a16="http://schemas.microsoft.com/office/drawing/2014/main" id="{3D9DEF8C-713B-43C8-B46E-4265EC662DF7}"/>
+              </a:ext>
+            </a:extLst>
+          </p:cNvPr>
+          <p:cNvCxnSpPr>
+            <a:cxnSpLocks/>
+            <a:stCxn id="6" idx="3"/>
+            <a:endCxn id="36" idx="0"/>
+          </p:cNvCxnSpPr>
+          <p:nvPr/>
+        </p:nvCxnSpPr>
+        <p:spPr>
+          <a:xfrm>
+            <a:off x="6096000" y="5181762"/>
+            <a:ext cx="0" cy="223020"/>
+          </a:xfrm>
+          <a:prstGeom prst="line">
+            <a:avLst/>
+          </a:prstGeom>
+          <a:ln w="38100">
+            <a:solidFill>
+              <a:schemeClr val="accent1">
+                <a:lumMod val="75000"/>
+              </a:schemeClr>
+            </a:solidFill>
+          </a:ln>
+        </p:spPr>
+        <p:style>
+          <a:lnRef idx="1">
+            <a:schemeClr val="accent1"/>
+          </a:lnRef>
+          <a:fillRef idx="0">
+            <a:schemeClr val="accent1"/>
+          </a:fillRef>
+          <a:effectRef idx="0">
+            <a:schemeClr val="accent1"/>
+          </a:effectRef>
+          <a:fontRef idx="minor">
+            <a:schemeClr val="tx1"/>
+          </a:fontRef>
+        </p:style>
+      </p:cxnSp>
+      <p:cxnSp>
+        <p:nvCxnSpPr>
+          <p:cNvPr id="45" name="Straight Connector 44">
+            <a:extLst>
+              <a:ext uri="{FF2B5EF4-FFF2-40B4-BE49-F238E27FC236}">
+                <a16:creationId xmlns:a16="http://schemas.microsoft.com/office/drawing/2014/main" id="{F9459E93-5581-413A-AF5E-948BF10A406A}"/>
+              </a:ext>
+            </a:extLst>
+          </p:cNvPr>
+          <p:cNvCxnSpPr>
+            <a:cxnSpLocks/>
+          </p:cNvCxnSpPr>
+          <p:nvPr/>
+        </p:nvCxnSpPr>
+        <p:spPr>
+          <a:xfrm>
+            <a:off x="8553243" y="5183171"/>
+            <a:ext cx="0" cy="666482"/>
+          </a:xfrm>
+          <a:prstGeom prst="line">
+            <a:avLst/>
+          </a:prstGeom>
+          <a:ln w="38100">
+            <a:solidFill>
+              <a:schemeClr val="accent1">
+                <a:lumMod val="50000"/>
+              </a:schemeClr>
+            </a:solidFill>
+          </a:ln>
+        </p:spPr>
+        <p:style>
+          <a:lnRef idx="1">
+            <a:schemeClr val="accent1"/>
+          </a:lnRef>
+          <a:fillRef idx="0">
+            <a:schemeClr val="accent1"/>
+          </a:fillRef>
+          <a:effectRef idx="0">
+            <a:schemeClr val="accent1"/>
+          </a:effectRef>
+          <a:fontRef idx="minor">
+            <a:schemeClr val="tx1"/>
+          </a:fontRef>
+        </p:style>
+      </p:cxnSp>
+      <p:sp>
+        <p:nvSpPr>
+          <p:cNvPr id="48" name="Rectangle 47">
+            <a:extLst>
+              <a:ext uri="{FF2B5EF4-FFF2-40B4-BE49-F238E27FC236}">
+                <a16:creationId xmlns:a16="http://schemas.microsoft.com/office/drawing/2014/main" id="{966972F3-E3BB-4E53-A8AA-99DE875DB105}"/>
+              </a:ext>
+            </a:extLst>
+          </p:cNvPr>
+          <p:cNvSpPr/>
+          <p:nvPr/>
+        </p:nvSpPr>
+        <p:spPr>
+          <a:xfrm>
+            <a:off x="10241926" y="5324120"/>
+            <a:ext cx="1537121" cy="401598"/>
+          </a:xfrm>
+          <a:prstGeom prst="rect">
+            <a:avLst/>
+          </a:prstGeom>
+          <a:solidFill>
+            <a:schemeClr val="bg1"/>
+          </a:solidFill>
+          <a:ln w="19050">
+            <a:solidFill>
+              <a:schemeClr val="accent1">
+                <a:lumMod val="50000"/>
+              </a:schemeClr>
+            </a:solidFill>
+          </a:ln>
+        </p:spPr>
+        <p:style>
+          <a:lnRef idx="2">
+            <a:schemeClr val="accent1">
+              <a:shade val="50000"/>
+            </a:schemeClr>
+          </a:lnRef>
+          <a:fillRef idx="1">
+            <a:schemeClr val="accent1"/>
+          </a:fillRef>
+          <a:effectRef idx="0">
+            <a:schemeClr val="accent1"/>
+          </a:effectRef>
+          <a:fontRef idx="minor">
+            <a:schemeClr val="lt1"/>
+          </a:fontRef>
+        </p:style>
+        <p:txBody>
+          <a:bodyPr rtlCol="0" anchor="ctr"/>
+          <a:lstStyle/>
+          <a:p>
+            <a:pPr algn="ctr"/>
+            <a:endParaRPr lang="en-CA"/>
+          </a:p>
+        </p:txBody>
+      </p:sp>
+      <p:sp>
+        <p:nvSpPr>
+          <p:cNvPr id="49" name="TextBox 48">
+            <a:extLst>
+              <a:ext uri="{FF2B5EF4-FFF2-40B4-BE49-F238E27FC236}">
+                <a16:creationId xmlns:a16="http://schemas.microsoft.com/office/drawing/2014/main" id="{FC5BC16B-14FA-40B7-9EC2-E2A424CA7201}"/>
+              </a:ext>
+            </a:extLst>
+          </p:cNvPr>
+          <p:cNvSpPr txBox="1"/>
+          <p:nvPr/>
+        </p:nvSpPr>
+        <p:spPr>
+          <a:xfrm>
+            <a:off x="10241926" y="5369656"/>
+            <a:ext cx="1563248" cy="369332"/>
+          </a:xfrm>
+          <a:prstGeom prst="rect">
+            <a:avLst/>
+          </a:prstGeom>
+          <a:noFill/>
+        </p:spPr>
+        <p:txBody>
+          <a:bodyPr wrap="none" rtlCol="0">
+            <a:spAutoFit/>
+          </a:bodyPr>
+          <a:lstStyle/>
+          <a:p>
+            <a:r>
+              <a:rPr lang="pt-BR" dirty="0">
+                <a:latin typeface="Courier New" panose="02070309020205020404" pitchFamily="49" charset="0"/>
+                <a:cs typeface="Courier New" panose="02070309020205020404" pitchFamily="49" charset="0"/>
+              </a:rPr>
+              <a:t>PostgreSQL</a:t>
+            </a:r>
+            <a:endParaRPr lang="en-CA" dirty="0">
+              <a:latin typeface="Courier New" panose="02070309020205020404" pitchFamily="49" charset="0"/>
+              <a:cs typeface="Courier New" panose="02070309020205020404" pitchFamily="49" charset="0"/>
+            </a:endParaRPr>
+          </a:p>
+        </p:txBody>
+      </p:sp>
+      <p:cxnSp>
+        <p:nvCxnSpPr>
+          <p:cNvPr id="50" name="Straight Connector 49">
+            <a:extLst>
+              <a:ext uri="{FF2B5EF4-FFF2-40B4-BE49-F238E27FC236}">
+                <a16:creationId xmlns:a16="http://schemas.microsoft.com/office/drawing/2014/main" id="{0F2B5280-1489-404B-AFBB-485BEE28F6F7}"/>
+              </a:ext>
+            </a:extLst>
+          </p:cNvPr>
+          <p:cNvCxnSpPr>
+            <a:cxnSpLocks/>
+            <a:stCxn id="15" idx="3"/>
+            <a:endCxn id="48" idx="0"/>
+          </p:cNvCxnSpPr>
+          <p:nvPr/>
+        </p:nvCxnSpPr>
+        <p:spPr>
+          <a:xfrm>
+            <a:off x="11010487" y="5181762"/>
+            <a:ext cx="0" cy="142358"/>
+          </a:xfrm>
+          <a:prstGeom prst="line">
+            <a:avLst/>
+          </a:prstGeom>
+          <a:ln w="38100">
+            <a:solidFill>
+              <a:schemeClr val="accent1">
+                <a:lumMod val="50000"/>
+              </a:schemeClr>
+            </a:solidFill>
+          </a:ln>
+        </p:spPr>
+        <p:style>
+          <a:lnRef idx="1">
+            <a:schemeClr val="accent1"/>
+          </a:lnRef>
+          <a:fillRef idx="0">
+            <a:schemeClr val="accent1"/>
+          </a:fillRef>
+          <a:effectRef idx="0">
+            <a:schemeClr val="accent1"/>
+          </a:effectRef>
+          <a:fontRef idx="minor">
+            <a:schemeClr val="tx1"/>
+          </a:fontRef>
+        </p:style>
+      </p:cxnSp>
+      <p:sp>
+        <p:nvSpPr>
+          <p:cNvPr id="54" name="TextBox 53">
+            <a:extLst>
+              <a:ext uri="{FF2B5EF4-FFF2-40B4-BE49-F238E27FC236}">
+                <a16:creationId xmlns:a16="http://schemas.microsoft.com/office/drawing/2014/main" id="{75DC27F1-F7FB-4A04-8470-44A4B90B162A}"/>
+              </a:ext>
+            </a:extLst>
+          </p:cNvPr>
+          <p:cNvSpPr txBox="1"/>
+          <p:nvPr/>
+        </p:nvSpPr>
+        <p:spPr>
+          <a:xfrm>
+            <a:off x="1157768" y="3699899"/>
+            <a:ext cx="377026" cy="369332"/>
+          </a:xfrm>
+          <a:prstGeom prst="rect">
+            <a:avLst/>
+          </a:prstGeom>
+          <a:noFill/>
+        </p:spPr>
+        <p:txBody>
+          <a:bodyPr wrap="none" rtlCol="0">
+            <a:spAutoFit/>
+          </a:bodyPr>
+          <a:lstStyle/>
+          <a:p>
+            <a:r>
+              <a:rPr lang="en-US" dirty="0"/>
+              <a:t>0.</a:t>
+            </a:r>
+            <a:endParaRPr lang="en-CA" dirty="0"/>
+          </a:p>
+        </p:txBody>
+      </p:sp>
+      <p:sp>
+        <p:nvSpPr>
+          <p:cNvPr id="55" name="TextBox 54">
+            <a:extLst>
+              <a:ext uri="{FF2B5EF4-FFF2-40B4-BE49-F238E27FC236}">
+                <a16:creationId xmlns:a16="http://schemas.microsoft.com/office/drawing/2014/main" id="{50EB542A-A509-4542-AA53-F8C9D371727B}"/>
+              </a:ext>
+            </a:extLst>
+          </p:cNvPr>
+          <p:cNvSpPr txBox="1"/>
+          <p:nvPr/>
+        </p:nvSpPr>
+        <p:spPr>
+          <a:xfrm>
+            <a:off x="3568912" y="3699899"/>
+            <a:ext cx="377026" cy="369332"/>
+          </a:xfrm>
+          <a:prstGeom prst="rect">
+            <a:avLst/>
+          </a:prstGeom>
+          <a:noFill/>
+        </p:spPr>
+        <p:txBody>
+          <a:bodyPr wrap="none" rtlCol="0">
+            <a:spAutoFit/>
+          </a:bodyPr>
+          <a:lstStyle/>
+          <a:p>
+            <a:r>
+              <a:rPr lang="en-US" dirty="0"/>
+              <a:t>1.</a:t>
+            </a:r>
+            <a:endParaRPr lang="en-CA" dirty="0"/>
+          </a:p>
+        </p:txBody>
+      </p:sp>
+      <p:sp>
+        <p:nvSpPr>
+          <p:cNvPr id="56" name="TextBox 55">
+            <a:extLst>
+              <a:ext uri="{FF2B5EF4-FFF2-40B4-BE49-F238E27FC236}">
+                <a16:creationId xmlns:a16="http://schemas.microsoft.com/office/drawing/2014/main" id="{18D9B698-FA1E-4C16-A3E4-75B5FDFCF8F6}"/>
+              </a:ext>
+            </a:extLst>
+          </p:cNvPr>
+          <p:cNvSpPr txBox="1"/>
+          <p:nvPr/>
+        </p:nvSpPr>
+        <p:spPr>
+          <a:xfrm>
+            <a:off x="5907487" y="3698115"/>
+            <a:ext cx="377026" cy="369332"/>
+          </a:xfrm>
+          <a:prstGeom prst="rect">
+            <a:avLst/>
+          </a:prstGeom>
+          <a:noFill/>
+        </p:spPr>
+        <p:txBody>
+          <a:bodyPr wrap="none" rtlCol="0">
+            <a:spAutoFit/>
+          </a:bodyPr>
+          <a:lstStyle/>
+          <a:p>
+            <a:r>
+              <a:rPr lang="en-US" dirty="0"/>
+              <a:t>2.</a:t>
+            </a:r>
+            <a:endParaRPr lang="en-CA" dirty="0"/>
+          </a:p>
+        </p:txBody>
+      </p:sp>
+      <p:sp>
+        <p:nvSpPr>
+          <p:cNvPr id="57" name="TextBox 56">
+            <a:extLst>
+              <a:ext uri="{FF2B5EF4-FFF2-40B4-BE49-F238E27FC236}">
+                <a16:creationId xmlns:a16="http://schemas.microsoft.com/office/drawing/2014/main" id="{1C952EF6-A625-4166-9E65-E4626900245A}"/>
+              </a:ext>
+            </a:extLst>
+          </p:cNvPr>
+          <p:cNvSpPr txBox="1"/>
+          <p:nvPr/>
+        </p:nvSpPr>
+        <p:spPr>
+          <a:xfrm>
+            <a:off x="8368084" y="3695852"/>
+            <a:ext cx="377026" cy="369332"/>
+          </a:xfrm>
+          <a:prstGeom prst="rect">
+            <a:avLst/>
+          </a:prstGeom>
+          <a:noFill/>
+        </p:spPr>
+        <p:txBody>
+          <a:bodyPr wrap="none" rtlCol="0">
+            <a:spAutoFit/>
+          </a:bodyPr>
+          <a:lstStyle/>
+          <a:p>
+            <a:r>
+              <a:rPr lang="en-US" dirty="0"/>
+              <a:t>3.</a:t>
+            </a:r>
+            <a:endParaRPr lang="en-CA" dirty="0"/>
+          </a:p>
+        </p:txBody>
+      </p:sp>
+      <p:sp>
+        <p:nvSpPr>
+          <p:cNvPr id="58" name="TextBox 57">
+            <a:extLst>
+              <a:ext uri="{FF2B5EF4-FFF2-40B4-BE49-F238E27FC236}">
+                <a16:creationId xmlns:a16="http://schemas.microsoft.com/office/drawing/2014/main" id="{23AB9617-51CE-4EF9-BC2E-4281B191FAF0}"/>
+              </a:ext>
+            </a:extLst>
+          </p:cNvPr>
+          <p:cNvSpPr txBox="1"/>
+          <p:nvPr/>
+        </p:nvSpPr>
+        <p:spPr>
+          <a:xfrm>
+            <a:off x="10719620" y="3686629"/>
+            <a:ext cx="607859" cy="369332"/>
+          </a:xfrm>
+          <a:prstGeom prst="rect">
+            <a:avLst/>
+          </a:prstGeom>
+          <a:noFill/>
+        </p:spPr>
+        <p:txBody>
+          <a:bodyPr wrap="none" rtlCol="0">
+            <a:spAutoFit/>
+          </a:bodyPr>
+          <a:lstStyle/>
+          <a:p>
+            <a:r>
+              <a:rPr lang="en-US" dirty="0"/>
+              <a:t>final</a:t>
+            </a:r>
+            <a:endParaRPr lang="en-CA" dirty="0"/>
+          </a:p>
+        </p:txBody>
+      </p:sp>
+      <p:cxnSp>
+        <p:nvCxnSpPr>
+          <p:cNvPr id="59" name="Straight Connector 58">
+            <a:extLst>
+              <a:ext uri="{FF2B5EF4-FFF2-40B4-BE49-F238E27FC236}">
+                <a16:creationId xmlns:a16="http://schemas.microsoft.com/office/drawing/2014/main" id="{89B3EAD4-D0D4-436D-9AFB-A560F56815EB}"/>
+              </a:ext>
+            </a:extLst>
+          </p:cNvPr>
+          <p:cNvCxnSpPr>
+            <a:cxnSpLocks/>
+          </p:cNvCxnSpPr>
+          <p:nvPr/>
+        </p:nvCxnSpPr>
+        <p:spPr>
+          <a:xfrm>
+            <a:off x="9707129" y="3621717"/>
+            <a:ext cx="0" cy="666482"/>
+          </a:xfrm>
+          <a:prstGeom prst="line">
+            <a:avLst/>
+          </a:prstGeom>
+          <a:ln w="38100">
+            <a:solidFill>
+              <a:srgbClr val="FF0000"/>
+            </a:solidFill>
+          </a:ln>
+        </p:spPr>
+        <p:style>
+          <a:lnRef idx="1">
+            <a:schemeClr val="accent1"/>
+          </a:lnRef>
+          <a:fillRef idx="0">
+            <a:schemeClr val="accent1"/>
+          </a:fillRef>
+          <a:effectRef idx="0">
+            <a:schemeClr val="accent1"/>
+          </a:effectRef>
+          <a:fontRef idx="minor">
+            <a:schemeClr val="tx1"/>
+          </a:fontRef>
+        </p:style>
+      </p:cxnSp>
+      <p:sp>
+        <p:nvSpPr>
+          <p:cNvPr id="60" name="TextBox 59">
+            <a:extLst>
+              <a:ext uri="{FF2B5EF4-FFF2-40B4-BE49-F238E27FC236}">
+                <a16:creationId xmlns:a16="http://schemas.microsoft.com/office/drawing/2014/main" id="{5F968606-09B1-4A11-8422-BC4013EDD999}"/>
+              </a:ext>
+            </a:extLst>
+          </p:cNvPr>
+          <p:cNvSpPr txBox="1"/>
+          <p:nvPr/>
+        </p:nvSpPr>
+        <p:spPr>
+          <a:xfrm>
+            <a:off x="54902" y="5978869"/>
+            <a:ext cx="1479892" cy="646331"/>
+          </a:xfrm>
+          <a:prstGeom prst="rect">
+            <a:avLst/>
+          </a:prstGeom>
+          <a:noFill/>
+        </p:spPr>
+        <p:txBody>
+          <a:bodyPr wrap="none" rtlCol="0">
+            <a:spAutoFit/>
+          </a:bodyPr>
+          <a:lstStyle/>
+          <a:p>
+            <a:r>
+              <a:rPr lang="en-US" dirty="0"/>
+              <a:t>Folder:</a:t>
+            </a:r>
+          </a:p>
+          <a:p>
+            <a:r>
+              <a:rPr lang="en-US" dirty="0"/>
+              <a:t>data/teranet/</a:t>
+            </a:r>
+            <a:endParaRPr lang="en-CA" dirty="0"/>
+          </a:p>
+        </p:txBody>
+      </p:sp>
+      <p:sp>
+        <p:nvSpPr>
+          <p:cNvPr id="62" name="Rectangle 61">
+            <a:extLst>
+              <a:ext uri="{FF2B5EF4-FFF2-40B4-BE49-F238E27FC236}">
+                <a16:creationId xmlns:a16="http://schemas.microsoft.com/office/drawing/2014/main" id="{B0DCFE30-CAA3-4C69-A0BC-3787D057CA58}"/>
+              </a:ext>
+            </a:extLst>
+          </p:cNvPr>
+          <p:cNvSpPr/>
+          <p:nvPr/>
+        </p:nvSpPr>
+        <p:spPr>
+          <a:xfrm>
+            <a:off x="8553243" y="3011352"/>
+            <a:ext cx="2457244" cy="626209"/>
+          </a:xfrm>
+          <a:prstGeom prst="rect">
+            <a:avLst/>
+          </a:prstGeom>
+          <a:solidFill>
+            <a:schemeClr val="bg1"/>
+          </a:solidFill>
+          <a:ln w="19050">
+            <a:solidFill>
+              <a:schemeClr val="accent1">
+                <a:lumMod val="50000"/>
+              </a:schemeClr>
+            </a:solidFill>
+          </a:ln>
+        </p:spPr>
+        <p:style>
+          <a:lnRef idx="2">
+            <a:schemeClr val="accent1">
+              <a:shade val="50000"/>
+            </a:schemeClr>
+          </a:lnRef>
+          <a:fillRef idx="1">
+            <a:schemeClr val="accent1"/>
+          </a:fillRef>
+          <a:effectRef idx="0">
+            <a:schemeClr val="accent1"/>
+          </a:effectRef>
+          <a:fontRef idx="minor">
+            <a:schemeClr val="lt1"/>
+          </a:fontRef>
+        </p:style>
+        <p:txBody>
+          <a:bodyPr rtlCol="0" anchor="ctr"/>
+          <a:lstStyle/>
+          <a:p>
+            <a:pPr algn="ctr"/>
+            <a:r>
+              <a:rPr lang="en-US" dirty="0">
+                <a:solidFill>
+                  <a:schemeClr val="tx1"/>
+                </a:solidFill>
+              </a:rPr>
+              <a:t>Remove duplicates</a:t>
+            </a:r>
+          </a:p>
+          <a:p>
+            <a:pPr algn="ctr"/>
+            <a:r>
+              <a:rPr lang="en-US" i="1" dirty="0">
+                <a:solidFill>
+                  <a:schemeClr val="tx1"/>
+                </a:solidFill>
+              </a:rPr>
+              <a:t>(pending)</a:t>
+            </a:r>
+            <a:endParaRPr lang="en-CA" i="1" dirty="0">
+              <a:solidFill>
+                <a:schemeClr val="tx1"/>
+              </a:solidFill>
+            </a:endParaRPr>
+          </a:p>
+        </p:txBody>
+      </p:sp>
+      <p:sp>
+        <p:nvSpPr>
+          <p:cNvPr id="47" name="Rectangle 46">
+            <a:extLst>
+              <a:ext uri="{FF2B5EF4-FFF2-40B4-BE49-F238E27FC236}">
+                <a16:creationId xmlns:a16="http://schemas.microsoft.com/office/drawing/2014/main" id="{FA2967E0-9609-4046-8335-8F5913F39104}"/>
+              </a:ext>
+            </a:extLst>
+          </p:cNvPr>
+          <p:cNvSpPr/>
+          <p:nvPr/>
+        </p:nvSpPr>
+        <p:spPr>
+          <a:xfrm>
+            <a:off x="466538" y="2183216"/>
+            <a:ext cx="5121915" cy="698434"/>
+          </a:xfrm>
+          <a:prstGeom prst="rect">
+            <a:avLst/>
+          </a:prstGeom>
+          <a:solidFill>
+            <a:schemeClr val="bg1"/>
+          </a:solidFill>
+          <a:ln w="19050">
+            <a:solidFill>
+              <a:schemeClr val="accent2">
+                <a:lumMod val="40000"/>
+                <a:lumOff val="60000"/>
+              </a:schemeClr>
+            </a:solidFill>
+          </a:ln>
+        </p:spPr>
+        <p:style>
+          <a:lnRef idx="2">
+            <a:schemeClr val="accent1">
+              <a:shade val="50000"/>
+            </a:schemeClr>
+          </a:lnRef>
+          <a:fillRef idx="1">
+            <a:schemeClr val="accent1"/>
+          </a:fillRef>
+          <a:effectRef idx="0">
+            <a:schemeClr val="accent1"/>
+          </a:effectRef>
+          <a:fontRef idx="minor">
+            <a:schemeClr val="lt1"/>
+          </a:fontRef>
+        </p:style>
+        <p:txBody>
+          <a:bodyPr rtlCol="0" anchor="ctr"/>
+          <a:lstStyle/>
+          <a:p>
+            <a:pPr algn="ctr"/>
+            <a:endParaRPr lang="en-CA"/>
+          </a:p>
+        </p:txBody>
+      </p:sp>
+      <p:sp>
+        <p:nvSpPr>
+          <p:cNvPr id="51" name="TextBox 50">
+            <a:extLst>
+              <a:ext uri="{FF2B5EF4-FFF2-40B4-BE49-F238E27FC236}">
+                <a16:creationId xmlns:a16="http://schemas.microsoft.com/office/drawing/2014/main" id="{F59109F4-3A02-4723-A528-637DE4F584F4}"/>
+              </a:ext>
+            </a:extLst>
+          </p:cNvPr>
+          <p:cNvSpPr txBox="1"/>
+          <p:nvPr/>
+        </p:nvSpPr>
+        <p:spPr>
+          <a:xfrm>
+            <a:off x="520246" y="2189268"/>
+            <a:ext cx="5121915" cy="338554"/>
+          </a:xfrm>
+          <a:prstGeom prst="rect">
+            <a:avLst/>
+          </a:prstGeom>
+          <a:noFill/>
+        </p:spPr>
+        <p:txBody>
+          <a:bodyPr wrap="none" rtlCol="0">
+            <a:spAutoFit/>
+          </a:bodyPr>
+          <a:lstStyle/>
+          <a:p>
+            <a:r>
+              <a:rPr lang="pt-BR" sz="1600" dirty="0">
+                <a:latin typeface="Courier New" panose="02070309020205020404" pitchFamily="49" charset="0"/>
+                <a:cs typeface="Courier New" panose="02070309020205020404" pitchFamily="49" charset="0"/>
+              </a:rPr>
+              <a:t>2.1.1_teranet_gtha_da_spatial_join.ipynb</a:t>
+            </a:r>
+            <a:endParaRPr lang="en-CA" sz="1600" dirty="0">
+              <a:latin typeface="Courier New" panose="02070309020205020404" pitchFamily="49" charset="0"/>
+              <a:cs typeface="Courier New" panose="02070309020205020404" pitchFamily="49" charset="0"/>
+            </a:endParaRPr>
+          </a:p>
+        </p:txBody>
+      </p:sp>
+      <p:sp>
+        <p:nvSpPr>
+          <p:cNvPr id="52" name="TextBox 51">
+            <a:extLst>
+              <a:ext uri="{FF2B5EF4-FFF2-40B4-BE49-F238E27FC236}">
+                <a16:creationId xmlns:a16="http://schemas.microsoft.com/office/drawing/2014/main" id="{07409F44-EBEA-48B7-A4F8-5266A8525ECE}"/>
+              </a:ext>
+            </a:extLst>
+          </p:cNvPr>
+          <p:cNvSpPr txBox="1"/>
+          <p:nvPr/>
+        </p:nvSpPr>
+        <p:spPr>
+          <a:xfrm>
+            <a:off x="520246" y="2549260"/>
+            <a:ext cx="4628190" cy="338554"/>
+          </a:xfrm>
+          <a:prstGeom prst="rect">
+            <a:avLst/>
+          </a:prstGeom>
+          <a:noFill/>
+        </p:spPr>
+        <p:txBody>
+          <a:bodyPr wrap="none" rtlCol="0">
+            <a:spAutoFit/>
+          </a:bodyPr>
+          <a:lstStyle/>
+          <a:p>
+            <a:r>
+              <a:rPr lang="sv-SE" sz="1600" dirty="0">
+                <a:latin typeface="Courier New" panose="02070309020205020404" pitchFamily="49" charset="0"/>
+                <a:cs typeface="Courier New" panose="02070309020205020404" pitchFamily="49" charset="0"/>
+              </a:rPr>
+              <a:t>2.1.2_teranet_taz_spatial_join.ipynb</a:t>
+            </a:r>
+            <a:endParaRPr lang="en-CA" sz="1600" dirty="0">
+              <a:latin typeface="Courier New" panose="02070309020205020404" pitchFamily="49" charset="0"/>
+              <a:cs typeface="Courier New" panose="02070309020205020404" pitchFamily="49" charset="0"/>
+            </a:endParaRPr>
+          </a:p>
+        </p:txBody>
+      </p:sp>
+      <p:cxnSp>
+        <p:nvCxnSpPr>
+          <p:cNvPr id="53" name="Straight Connector 52">
+            <a:extLst>
+              <a:ext uri="{FF2B5EF4-FFF2-40B4-BE49-F238E27FC236}">
+                <a16:creationId xmlns:a16="http://schemas.microsoft.com/office/drawing/2014/main" id="{DE3FEA62-8DCB-44A0-8EE6-C47C77528D82}"/>
+              </a:ext>
+            </a:extLst>
+          </p:cNvPr>
+          <p:cNvCxnSpPr>
+            <a:cxnSpLocks/>
+          </p:cNvCxnSpPr>
+          <p:nvPr/>
+        </p:nvCxnSpPr>
+        <p:spPr>
+          <a:xfrm>
+            <a:off x="2383971" y="2892199"/>
+            <a:ext cx="1" cy="1373868"/>
+          </a:xfrm>
+          <a:prstGeom prst="line">
+            <a:avLst/>
+          </a:prstGeom>
+          <a:ln w="38100">
+            <a:solidFill>
+              <a:schemeClr val="accent2">
+                <a:lumMod val="20000"/>
+                <a:lumOff val="80000"/>
+              </a:schemeClr>
+            </a:solidFill>
+          </a:ln>
+        </p:spPr>
+        <p:style>
+          <a:lnRef idx="1">
+            <a:schemeClr val="accent1"/>
+          </a:lnRef>
+          <a:fillRef idx="0">
+            <a:schemeClr val="accent1"/>
+          </a:fillRef>
+          <a:effectRef idx="0">
+            <a:schemeClr val="accent1"/>
+          </a:effectRef>
+          <a:fontRef idx="minor">
+            <a:schemeClr val="tx1"/>
+          </a:fontRef>
+        </p:style>
+      </p:cxnSp>
+      <p:sp>
+        <p:nvSpPr>
+          <p:cNvPr id="61" name="Content Placeholder 2">
+            <a:extLst>
+              <a:ext uri="{FF2B5EF4-FFF2-40B4-BE49-F238E27FC236}">
+                <a16:creationId xmlns:a16="http://schemas.microsoft.com/office/drawing/2014/main" id="{3B164937-0F05-4774-9FED-44238837D22C}"/>
+              </a:ext>
+            </a:extLst>
+          </p:cNvPr>
+          <p:cNvSpPr>
+            <a:spLocks noGrp="1"/>
+          </p:cNvSpPr>
+          <p:nvPr>
+            <p:ph idx="1"/>
+          </p:nvPr>
+        </p:nvSpPr>
+        <p:spPr>
+          <a:xfrm>
+            <a:off x="609600" y="1348987"/>
+            <a:ext cx="10972800" cy="2260196"/>
+          </a:xfrm>
+        </p:spPr>
+        <p:txBody>
+          <a:bodyPr/>
+          <a:lstStyle/>
+          <a:p>
+            <a:pPr marL="0" indent="0">
+              <a:buNone/>
+            </a:pPr>
+            <a:r>
+              <a:rPr lang="en-US" sz="2800" dirty="0"/>
+              <a:t>Transformation is performed in Python in 4 main steps:</a:t>
+            </a:r>
+          </a:p>
+        </p:txBody>
+      </p:sp>
+      <p:sp>
+        <p:nvSpPr>
+          <p:cNvPr id="63" name="TextBox 62">
+            <a:extLst>
+              <a:ext uri="{FF2B5EF4-FFF2-40B4-BE49-F238E27FC236}">
+                <a16:creationId xmlns:a16="http://schemas.microsoft.com/office/drawing/2014/main" id="{FEFF3EB5-E8DB-49F7-8AFC-4DD2B784212A}"/>
+              </a:ext>
+            </a:extLst>
+          </p:cNvPr>
+          <p:cNvSpPr txBox="1"/>
+          <p:nvPr/>
+        </p:nvSpPr>
+        <p:spPr>
+          <a:xfrm>
+            <a:off x="2398831" y="4256164"/>
+            <a:ext cx="377026" cy="369332"/>
+          </a:xfrm>
+          <a:prstGeom prst="rect">
+            <a:avLst/>
+          </a:prstGeom>
+          <a:noFill/>
+        </p:spPr>
+        <p:txBody>
+          <a:bodyPr wrap="none" rtlCol="0">
+            <a:spAutoFit/>
+          </a:bodyPr>
+          <a:lstStyle/>
+          <a:p>
+            <a:r>
+              <a:rPr lang="en-US" dirty="0"/>
+              <a:t>1.</a:t>
+            </a:r>
+            <a:endParaRPr lang="en-CA" dirty="0"/>
+          </a:p>
+        </p:txBody>
+      </p:sp>
+      <p:sp>
+        <p:nvSpPr>
+          <p:cNvPr id="64" name="TextBox 63">
+            <a:extLst>
+              <a:ext uri="{FF2B5EF4-FFF2-40B4-BE49-F238E27FC236}">
+                <a16:creationId xmlns:a16="http://schemas.microsoft.com/office/drawing/2014/main" id="{41E0CE6E-425D-4A81-935D-8677AAE3DE4F}"/>
+              </a:ext>
+            </a:extLst>
+          </p:cNvPr>
+          <p:cNvSpPr txBox="1"/>
+          <p:nvPr/>
+        </p:nvSpPr>
+        <p:spPr>
+          <a:xfrm>
+            <a:off x="4818164" y="4266067"/>
+            <a:ext cx="377026" cy="369332"/>
+          </a:xfrm>
+          <a:prstGeom prst="rect">
+            <a:avLst/>
+          </a:prstGeom>
+          <a:noFill/>
+        </p:spPr>
+        <p:txBody>
+          <a:bodyPr wrap="none" rtlCol="0">
+            <a:spAutoFit/>
+          </a:bodyPr>
+          <a:lstStyle/>
+          <a:p>
+            <a:r>
+              <a:rPr lang="en-US" dirty="0"/>
+              <a:t>2.</a:t>
+            </a:r>
+            <a:endParaRPr lang="en-CA" dirty="0"/>
+          </a:p>
+        </p:txBody>
+      </p:sp>
+      <p:sp>
+        <p:nvSpPr>
+          <p:cNvPr id="65" name="TextBox 64">
+            <a:extLst>
+              <a:ext uri="{FF2B5EF4-FFF2-40B4-BE49-F238E27FC236}">
+                <a16:creationId xmlns:a16="http://schemas.microsoft.com/office/drawing/2014/main" id="{13B22709-A9B4-4742-A287-82CB20D707A9}"/>
+              </a:ext>
+            </a:extLst>
+          </p:cNvPr>
+          <p:cNvSpPr txBox="1"/>
+          <p:nvPr/>
+        </p:nvSpPr>
+        <p:spPr>
+          <a:xfrm>
+            <a:off x="7232242" y="4254762"/>
+            <a:ext cx="377026" cy="369332"/>
+          </a:xfrm>
+          <a:prstGeom prst="rect">
+            <a:avLst/>
+          </a:prstGeom>
+          <a:noFill/>
+        </p:spPr>
+        <p:txBody>
+          <a:bodyPr wrap="none" rtlCol="0">
+            <a:spAutoFit/>
+          </a:bodyPr>
+          <a:lstStyle/>
+          <a:p>
+            <a:r>
+              <a:rPr lang="en-US" dirty="0"/>
+              <a:t>3.</a:t>
+            </a:r>
+            <a:endParaRPr lang="en-CA" dirty="0"/>
+          </a:p>
+        </p:txBody>
+      </p:sp>
+      <p:sp>
+        <p:nvSpPr>
+          <p:cNvPr id="66" name="Rectangle 65">
+            <a:extLst>
+              <a:ext uri="{FF2B5EF4-FFF2-40B4-BE49-F238E27FC236}">
+                <a16:creationId xmlns:a16="http://schemas.microsoft.com/office/drawing/2014/main" id="{A4DDBFEE-8282-4BE9-8418-6156DDC2EF5C}"/>
+              </a:ext>
+            </a:extLst>
+          </p:cNvPr>
+          <p:cNvSpPr/>
+          <p:nvPr/>
+        </p:nvSpPr>
+        <p:spPr>
+          <a:xfrm>
+            <a:off x="2694464" y="2998793"/>
+            <a:ext cx="3749880" cy="376184"/>
+          </a:xfrm>
+          <a:prstGeom prst="rect">
+            <a:avLst/>
+          </a:prstGeom>
+          <a:solidFill>
+            <a:schemeClr val="bg1"/>
+          </a:solidFill>
+          <a:ln w="19050">
+            <a:solidFill>
+              <a:srgbClr val="FFC000"/>
+            </a:solidFill>
+          </a:ln>
+        </p:spPr>
+        <p:style>
+          <a:lnRef idx="2">
+            <a:schemeClr val="accent1">
+              <a:shade val="50000"/>
+            </a:schemeClr>
+          </a:lnRef>
+          <a:fillRef idx="1">
+            <a:schemeClr val="accent1"/>
+          </a:fillRef>
+          <a:effectRef idx="0">
+            <a:schemeClr val="accent1"/>
+          </a:effectRef>
+          <a:fontRef idx="minor">
+            <a:schemeClr val="lt1"/>
+          </a:fontRef>
+        </p:style>
+        <p:txBody>
+          <a:bodyPr rtlCol="0" anchor="ctr"/>
+          <a:lstStyle/>
+          <a:p>
+            <a:pPr algn="ctr"/>
+            <a:endParaRPr lang="en-CA"/>
+          </a:p>
+        </p:txBody>
+      </p:sp>
+      <p:sp>
+        <p:nvSpPr>
+          <p:cNvPr id="67" name="TextBox 66">
+            <a:extLst>
+              <a:ext uri="{FF2B5EF4-FFF2-40B4-BE49-F238E27FC236}">
+                <a16:creationId xmlns:a16="http://schemas.microsoft.com/office/drawing/2014/main" id="{501844E4-7E75-4D42-86B2-08780EF877E0}"/>
+              </a:ext>
+            </a:extLst>
+          </p:cNvPr>
+          <p:cNvSpPr txBox="1"/>
+          <p:nvPr/>
+        </p:nvSpPr>
+        <p:spPr>
+          <a:xfrm>
+            <a:off x="2748171" y="3004845"/>
+            <a:ext cx="3764172" cy="338554"/>
+          </a:xfrm>
+          <a:prstGeom prst="rect">
+            <a:avLst/>
+          </a:prstGeom>
+          <a:noFill/>
+        </p:spPr>
+        <p:txBody>
+          <a:bodyPr wrap="none" rtlCol="0">
+            <a:spAutoFit/>
+          </a:bodyPr>
+          <a:lstStyle/>
+          <a:p>
+            <a:r>
+              <a:rPr lang="pt-BR" sz="1600" dirty="0">
+                <a:latin typeface="Courier New" panose="02070309020205020404" pitchFamily="49" charset="0"/>
+                <a:cs typeface="Courier New" panose="02070309020205020404" pitchFamily="49" charset="0"/>
+              </a:rPr>
+              <a:t>2.2_teranet_consistency.ipynb</a:t>
+            </a:r>
+            <a:endParaRPr lang="en-CA" sz="1600" dirty="0">
+              <a:latin typeface="Courier New" panose="02070309020205020404" pitchFamily="49" charset="0"/>
+              <a:cs typeface="Courier New" panose="02070309020205020404" pitchFamily="49" charset="0"/>
+            </a:endParaRPr>
+          </a:p>
+        </p:txBody>
+      </p:sp>
+      <p:cxnSp>
+        <p:nvCxnSpPr>
+          <p:cNvPr id="68" name="Straight Connector 67">
+            <a:extLst>
+              <a:ext uri="{FF2B5EF4-FFF2-40B4-BE49-F238E27FC236}">
+                <a16:creationId xmlns:a16="http://schemas.microsoft.com/office/drawing/2014/main" id="{32250546-C03E-4140-BF8F-BFF6BB52117C}"/>
+              </a:ext>
+            </a:extLst>
+          </p:cNvPr>
+          <p:cNvCxnSpPr>
+            <a:cxnSpLocks/>
+          </p:cNvCxnSpPr>
+          <p:nvPr/>
+        </p:nvCxnSpPr>
+        <p:spPr>
+          <a:xfrm flipH="1">
+            <a:off x="4726416" y="3369027"/>
+            <a:ext cx="17724" cy="896844"/>
+          </a:xfrm>
+          <a:prstGeom prst="line">
+            <a:avLst/>
+          </a:prstGeom>
+          <a:ln w="38100">
+            <a:solidFill>
+              <a:srgbClr val="FFC000"/>
+            </a:solidFill>
+          </a:ln>
+        </p:spPr>
+        <p:style>
+          <a:lnRef idx="1">
+            <a:schemeClr val="accent1"/>
+          </a:lnRef>
+          <a:fillRef idx="0">
+            <a:schemeClr val="accent1"/>
+          </a:fillRef>
+          <a:effectRef idx="0">
+            <a:schemeClr val="accent1"/>
+          </a:effectRef>
+          <a:fontRef idx="minor">
+            <a:schemeClr val="tx1"/>
+          </a:fontRef>
+        </p:style>
+      </p:cxnSp>
+      <p:sp>
+        <p:nvSpPr>
+          <p:cNvPr id="69" name="TextBox 68">
+            <a:extLst>
+              <a:ext uri="{FF2B5EF4-FFF2-40B4-BE49-F238E27FC236}">
+                <a16:creationId xmlns:a16="http://schemas.microsoft.com/office/drawing/2014/main" id="{B97D4E1F-4FA2-41EC-A755-415D73385DB3}"/>
+              </a:ext>
+            </a:extLst>
+          </p:cNvPr>
+          <p:cNvSpPr txBox="1"/>
+          <p:nvPr/>
+        </p:nvSpPr>
+        <p:spPr>
+          <a:xfrm>
+            <a:off x="49967" y="2991230"/>
+            <a:ext cx="2133918" cy="646331"/>
+          </a:xfrm>
+          <a:prstGeom prst="rect">
+            <a:avLst/>
+          </a:prstGeom>
+          <a:noFill/>
+        </p:spPr>
+        <p:txBody>
+          <a:bodyPr wrap="none" rtlCol="0">
+            <a:spAutoFit/>
+          </a:bodyPr>
+          <a:lstStyle/>
+          <a:p>
+            <a:r>
+              <a:rPr lang="en-US" dirty="0"/>
+              <a:t>Folder:</a:t>
+            </a:r>
+          </a:p>
+          <a:p>
+            <a:r>
+              <a:rPr lang="en-US" dirty="0"/>
+              <a:t>notebooks/2.scrub/</a:t>
+            </a:r>
+            <a:endParaRPr lang="en-CA" dirty="0"/>
+          </a:p>
+        </p:txBody>
+      </p:sp>
+      <p:cxnSp>
+        <p:nvCxnSpPr>
+          <p:cNvPr id="73" name="Straight Connector 72">
+            <a:extLst>
+              <a:ext uri="{FF2B5EF4-FFF2-40B4-BE49-F238E27FC236}">
+                <a16:creationId xmlns:a16="http://schemas.microsoft.com/office/drawing/2014/main" id="{75E759A0-D5DF-443B-84A2-C05710C3561C}"/>
+              </a:ext>
+            </a:extLst>
+          </p:cNvPr>
+          <p:cNvCxnSpPr>
+            <a:cxnSpLocks/>
+          </p:cNvCxnSpPr>
+          <p:nvPr/>
+        </p:nvCxnSpPr>
+        <p:spPr>
+          <a:xfrm>
+            <a:off x="7196743" y="2876222"/>
+            <a:ext cx="0" cy="1411977"/>
+          </a:xfrm>
+          <a:prstGeom prst="line">
+            <a:avLst/>
+          </a:prstGeom>
+          <a:ln w="38100">
+            <a:solidFill>
+              <a:srgbClr val="CA7A78"/>
+            </a:solidFill>
+          </a:ln>
+        </p:spPr>
+        <p:style>
+          <a:lnRef idx="1">
+            <a:schemeClr val="accent1"/>
+          </a:lnRef>
+          <a:fillRef idx="0">
+            <a:schemeClr val="accent1"/>
+          </a:fillRef>
+          <a:effectRef idx="0">
+            <a:schemeClr val="accent1"/>
+          </a:effectRef>
+          <a:fontRef idx="minor">
+            <a:schemeClr val="tx1"/>
+          </a:fontRef>
+        </p:style>
+      </p:cxnSp>
+      <p:sp>
+        <p:nvSpPr>
+          <p:cNvPr id="74" name="Rectangle 73">
+            <a:extLst>
+              <a:ext uri="{FF2B5EF4-FFF2-40B4-BE49-F238E27FC236}">
+                <a16:creationId xmlns:a16="http://schemas.microsoft.com/office/drawing/2014/main" id="{5ACE3FAC-6531-494A-933D-BE3675B3B2A4}"/>
+              </a:ext>
+            </a:extLst>
+          </p:cNvPr>
+          <p:cNvSpPr/>
+          <p:nvPr/>
+        </p:nvSpPr>
+        <p:spPr>
+          <a:xfrm>
+            <a:off x="6305914" y="2205350"/>
+            <a:ext cx="4134466" cy="698434"/>
+          </a:xfrm>
+          <a:prstGeom prst="rect">
+            <a:avLst/>
+          </a:prstGeom>
+          <a:solidFill>
+            <a:schemeClr val="bg1"/>
+          </a:solidFill>
+          <a:ln w="19050">
+            <a:solidFill>
+              <a:schemeClr val="accent2">
+                <a:lumMod val="40000"/>
+                <a:lumOff val="60000"/>
+              </a:schemeClr>
+            </a:solidFill>
+          </a:ln>
+        </p:spPr>
+        <p:style>
+          <a:lnRef idx="2">
+            <a:schemeClr val="accent1">
+              <a:shade val="50000"/>
+            </a:schemeClr>
+          </a:lnRef>
+          <a:fillRef idx="1">
+            <a:schemeClr val="accent1"/>
+          </a:fillRef>
+          <a:effectRef idx="0">
+            <a:schemeClr val="accent1"/>
+          </a:effectRef>
+          <a:fontRef idx="minor">
+            <a:schemeClr val="lt1"/>
+          </a:fontRef>
+        </p:style>
+        <p:txBody>
+          <a:bodyPr rtlCol="0" anchor="ctr"/>
+          <a:lstStyle/>
+          <a:p>
+            <a:pPr algn="ctr"/>
+            <a:endParaRPr lang="en-CA"/>
+          </a:p>
+        </p:txBody>
+      </p:sp>
+      <p:sp>
+        <p:nvSpPr>
+          <p:cNvPr id="75" name="TextBox 74">
+            <a:extLst>
+              <a:ext uri="{FF2B5EF4-FFF2-40B4-BE49-F238E27FC236}">
+                <a16:creationId xmlns:a16="http://schemas.microsoft.com/office/drawing/2014/main" id="{814FE4CB-38E8-40B3-913D-A565A590D995}"/>
+              </a:ext>
+            </a:extLst>
+          </p:cNvPr>
+          <p:cNvSpPr txBox="1"/>
+          <p:nvPr/>
+        </p:nvSpPr>
+        <p:spPr>
+          <a:xfrm>
+            <a:off x="6359621" y="2211402"/>
+            <a:ext cx="3393878" cy="338554"/>
+          </a:xfrm>
+          <a:prstGeom prst="rect">
+            <a:avLst/>
+          </a:prstGeom>
+          <a:noFill/>
+        </p:spPr>
+        <p:txBody>
+          <a:bodyPr wrap="none" rtlCol="0">
+            <a:spAutoFit/>
+          </a:bodyPr>
+          <a:lstStyle/>
+          <a:p>
+            <a:r>
+              <a:rPr lang="pt-BR" sz="1600" dirty="0">
+                <a:latin typeface="Courier New" panose="02070309020205020404" pitchFamily="49" charset="0"/>
+                <a:cs typeface="Courier New" panose="02070309020205020404" pitchFamily="49" charset="0"/>
+              </a:rPr>
+              <a:t>2.3_teranet_new_cols.ipynb</a:t>
+            </a:r>
+            <a:endParaRPr lang="en-CA" sz="1600" dirty="0">
+              <a:latin typeface="Courier New" panose="02070309020205020404" pitchFamily="49" charset="0"/>
+              <a:cs typeface="Courier New" panose="02070309020205020404" pitchFamily="49" charset="0"/>
+            </a:endParaRPr>
+          </a:p>
+        </p:txBody>
+      </p:sp>
+      <p:sp>
+        <p:nvSpPr>
+          <p:cNvPr id="76" name="TextBox 75">
+            <a:extLst>
+              <a:ext uri="{FF2B5EF4-FFF2-40B4-BE49-F238E27FC236}">
+                <a16:creationId xmlns:a16="http://schemas.microsoft.com/office/drawing/2014/main" id="{F84A0308-370B-4055-9EEC-85272EB642A6}"/>
+              </a:ext>
+            </a:extLst>
+          </p:cNvPr>
+          <p:cNvSpPr txBox="1"/>
+          <p:nvPr/>
+        </p:nvSpPr>
+        <p:spPr>
+          <a:xfrm>
+            <a:off x="6359621" y="2571394"/>
+            <a:ext cx="4134465" cy="338554"/>
+          </a:xfrm>
+          <a:prstGeom prst="rect">
+            <a:avLst/>
+          </a:prstGeom>
+          <a:noFill/>
+        </p:spPr>
+        <p:txBody>
+          <a:bodyPr wrap="none" rtlCol="0">
+            <a:spAutoFit/>
+          </a:bodyPr>
+          <a:lstStyle/>
+          <a:p>
+            <a:r>
+              <a:rPr lang="nn-NO" sz="1600" dirty="0">
+                <a:latin typeface="Courier New" panose="02070309020205020404" pitchFamily="49" charset="0"/>
+                <a:cs typeface="Courier New" panose="02070309020205020404" pitchFamily="49" charset="0"/>
+              </a:rPr>
+              <a:t>2.3_teranet_nonan_new_cols.ipynb</a:t>
+            </a:r>
+            <a:endParaRPr lang="en-CA" sz="1600" dirty="0">
+              <a:latin typeface="Courier New" panose="02070309020205020404" pitchFamily="49" charset="0"/>
+              <a:cs typeface="Courier New" panose="02070309020205020404" pitchFamily="49" charset="0"/>
+            </a:endParaRPr>
+          </a:p>
+        </p:txBody>
+      </p:sp>
+    </p:spTree>
+    <p:extLst>
+      <p:ext uri="{BB962C8B-B14F-4D97-AF65-F5344CB8AC3E}">
+        <p14:creationId xmlns:p14="http://schemas.microsoft.com/office/powerpoint/2010/main" val="951038578"/>
+      </p:ext>
+    </p:extLst>
   </p:cSld>
   <p:clrMapOvr>
     <a:masterClrMapping/>
@@ -4495,6 +9521,7 @@
       </a:bgFillStyleLst>
     </a:fmtScheme>
   </a:themeElements>
+  <a:objectDefaults/>
   <a:extraClrSchemeLst>
     <a:extraClrScheme>
       <a:clrScheme name="">

--- a/presentations/Teranet_meeting_Aug16_2019.pptx
+++ b/presentations/Teranet_meeting_Aug16_2019.pptx
@@ -254,7 +254,7 @@
           <a:p>
             <a:fld id="{FDE934FF-F4E1-47C5-9CA5-30A81DDE2BE4}" type="datetimeFigureOut">
               <a:rPr lang="en-US" smtClean="0"/>
-              <a:t>15-Aug-19</a:t>
+              <a:t>19-Aug-19</a:t>
             </a:fld>
             <a:endParaRPr lang="en-US"/>
           </a:p>
@@ -591,7 +591,7 @@
           <a:p>
             <a:fld id="{FDE934FF-F4E1-47C5-9CA5-30A81DDE2BE4}" type="datetimeFigureOut">
               <a:rPr lang="en-US" smtClean="0"/>
-              <a:t>15-Aug-19</a:t>
+              <a:t>19-Aug-19</a:t>
             </a:fld>
             <a:endParaRPr lang="en-US"/>
           </a:p>
@@ -755,7 +755,7 @@
           <a:p>
             <a:fld id="{FDE934FF-F4E1-47C5-9CA5-30A81DDE2BE4}" type="datetimeFigureOut">
               <a:rPr lang="en-US" smtClean="0"/>
-              <a:t>15-Aug-19</a:t>
+              <a:t>19-Aug-19</a:t>
             </a:fld>
             <a:endParaRPr lang="en-US"/>
           </a:p>
@@ -996,7 +996,7 @@
           <a:p>
             <a:fld id="{FDE934FF-F4E1-47C5-9CA5-30A81DDE2BE4}" type="datetimeFigureOut">
               <a:rPr lang="en-US" smtClean="0"/>
-              <a:t>15-Aug-19</a:t>
+              <a:t>19-Aug-19</a:t>
             </a:fld>
             <a:endParaRPr lang="en-US"/>
           </a:p>
@@ -1221,7 +1221,7 @@
           <a:p>
             <a:fld id="{FDE934FF-F4E1-47C5-9CA5-30A81DDE2BE4}" type="datetimeFigureOut">
               <a:rPr lang="en-US" smtClean="0"/>
-              <a:t>15-Aug-19</a:t>
+              <a:t>19-Aug-19</a:t>
             </a:fld>
             <a:endParaRPr lang="en-US"/>
           </a:p>
@@ -1581,7 +1581,7 @@
           <a:p>
             <a:fld id="{FDE934FF-F4E1-47C5-9CA5-30A81DDE2BE4}" type="datetimeFigureOut">
               <a:rPr lang="en-US" smtClean="0"/>
-              <a:t>15-Aug-19</a:t>
+              <a:t>19-Aug-19</a:t>
             </a:fld>
             <a:endParaRPr lang="en-US"/>
           </a:p>
@@ -1694,7 +1694,7 @@
           <a:p>
             <a:fld id="{FDE934FF-F4E1-47C5-9CA5-30A81DDE2BE4}" type="datetimeFigureOut">
               <a:rPr lang="en-US" smtClean="0"/>
-              <a:t>15-Aug-19</a:t>
+              <a:t>19-Aug-19</a:t>
             </a:fld>
             <a:endParaRPr lang="en-US"/>
           </a:p>
@@ -1785,7 +1785,7 @@
           <a:p>
             <a:fld id="{FDE934FF-F4E1-47C5-9CA5-30A81DDE2BE4}" type="datetimeFigureOut">
               <a:rPr lang="en-US" smtClean="0"/>
-              <a:t>15-Aug-19</a:t>
+              <a:t>19-Aug-19</a:t>
             </a:fld>
             <a:endParaRPr lang="en-US"/>
           </a:p>
@@ -2303,7 +2303,7 @@
           <a:p>
             <a:fld id="{FDE934FF-F4E1-47C5-9CA5-30A81DDE2BE4}" type="datetimeFigureOut">
               <a:rPr lang="en-US" smtClean="0"/>
-              <a:t>15-Aug-19</a:t>
+              <a:t>19-Aug-19</a:t>
             </a:fld>
             <a:endParaRPr lang="en-US"/>
           </a:p>
@@ -2512,7 +2512,7 @@
           <a:p>
             <a:fld id="{FDE934FF-F4E1-47C5-9CA5-30A81DDE2BE4}" type="datetimeFigureOut">
               <a:rPr lang="en-US" smtClean="0"/>
-              <a:t>15-Aug-19</a:t>
+              <a:t>19-Aug-19</a:t>
             </a:fld>
             <a:endParaRPr lang="en-US"/>
           </a:p>
@@ -3518,11 +3518,11 @@
           <a:p>
             <a:r>
               <a:rPr lang="en-US"/>
-              <a:t>Entity relationship (ER</a:t>
+              <a:t>Entity relationship </a:t>
             </a:r>
             <a:r>
               <a:rPr lang="en-US" dirty="0"/>
-              <a:t>) diagram</a:t>
+              <a:t>(ER) diagram</a:t>
             </a:r>
             <a:endParaRPr lang="en-CA" dirty="0"/>
           </a:p>
